--- a/Courses/Computer-Modeling-and-IT/Computer-Modeling-and-IT-6-Class/24-Search-for-Materials-on-a-Given-Topic/24-Search-for-Materials-on-a-Given-Topic.pptx
+++ b/Courses/Computer-Modeling-and-IT/Computer-Modeling-and-IT-6-Class/24-Search-for-Materials-on-a-Given-Topic/24-Search-for-Materials-on-a-Given-Topic.pptx
@@ -5,10 +5,10 @@
     <p:sldMasterId id="2147483675" r:id="rId1"/>
   </p:sldMasterIdLst>
   <p:notesMasterIdLst>
-    <p:notesMasterId r:id="rId10"/>
+    <p:notesMasterId r:id="rId14"/>
   </p:notesMasterIdLst>
   <p:handoutMasterIdLst>
-    <p:handoutMasterId r:id="rId11"/>
+    <p:handoutMasterId r:id="rId15"/>
   </p:handoutMasterIdLst>
   <p:sldIdLst>
     <p:sldId id="503" r:id="rId2"/>
@@ -16,9 +16,13 @@
     <p:sldId id="587" r:id="rId4"/>
     <p:sldId id="588" r:id="rId5"/>
     <p:sldId id="589" r:id="rId6"/>
-    <p:sldId id="586" r:id="rId7"/>
-    <p:sldId id="504" r:id="rId8"/>
-    <p:sldId id="505" r:id="rId9"/>
+    <p:sldId id="590" r:id="rId7"/>
+    <p:sldId id="591" r:id="rId8"/>
+    <p:sldId id="592" r:id="rId9"/>
+    <p:sldId id="593" r:id="rId10"/>
+    <p:sldId id="586" r:id="rId11"/>
+    <p:sldId id="504" r:id="rId12"/>
+    <p:sldId id="505" r:id="rId13"/>
   </p:sldIdLst>
   <p:sldSz cx="12192000" cy="6858000"/>
   <p:notesSz cx="6858000" cy="9144000"/>
@@ -133,6 +137,14 @@
             <p14:sldId id="589"/>
           </p14:sldIdLst>
         </p14:section>
+        <p14:section name="͏Търсене и запазване на информация от интернет" id="{5E0750EA-F0C7-4C55-9FED-7331F67F08FE}">
+          <p14:sldIdLst>
+            <p14:sldId id="590"/>
+            <p14:sldId id="591"/>
+            <p14:sldId id="592"/>
+            <p14:sldId id="593"/>
+          </p14:sldIdLst>
+        </p14:section>
         <p14:section name="Заключение" id="{E19D07F1-86E2-47E9-B2AB-7ADC4F89DC12}">
           <p14:sldIdLst>
             <p14:sldId id="586"/>
@@ -257,7 +269,7 @@
           <a:p>
             <a:fld id="{4E087215-0C8F-4762-A664-737A353EC9A4}" type="datetimeFigureOut">
               <a:rPr lang="bg-BG" smtClean="0"/>
-              <a:t>5.9.2024 г.</a:t>
+              <a:t>7.9.2024 г.</a:t>
             </a:fld>
             <a:endParaRPr lang="bg-BG"/>
           </a:p>
@@ -453,7 +465,7 @@
           <a:p>
             <a:fld id="{72D84649-876A-46C9-8472-14CB09C070D8}" type="datetimeFigureOut">
               <a:rPr lang="en-US" smtClean="0"/>
-              <a:t>9/5/2024</a:t>
+              <a:t>9/7/2024</a:t>
             </a:fld>
             <a:endParaRPr lang="en-US"/>
           </a:p>
@@ -1294,6 +1306,127 @@
       </p:sp>
       <p:sp>
         <p:nvSpPr>
+          <p:cNvPr id="4" name="Slide Number Placeholder 3"/>
+          <p:cNvSpPr>
+            <a:spLocks noGrp="1"/>
+          </p:cNvSpPr>
+          <p:nvPr>
+            <p:ph type="sldNum" sz="quarter" idx="10"/>
+          </p:nvPr>
+        </p:nvSpPr>
+        <p:spPr/>
+        <p:txBody>
+          <a:bodyPr/>
+          <a:lstStyle/>
+          <a:p>
+            <a:fld id="{2BF067CD-8E6B-4360-9AA8-C5DF2A48A6D1}" type="slidenum">
+              <a:rPr lang="en-US" smtClean="0"/>
+              <a:t>7</a:t>
+            </a:fld>
+            <a:endParaRPr lang="en-US" dirty="0"/>
+          </a:p>
+        </p:txBody>
+      </p:sp>
+      <p:sp>
+        <p:nvSpPr>
+          <p:cNvPr id="5" name="Footer Placeholder 4"/>
+          <p:cNvSpPr>
+            <a:spLocks noGrp="1"/>
+          </p:cNvSpPr>
+          <p:nvPr>
+            <p:ph type="ftr" sz="quarter" idx="11"/>
+          </p:nvPr>
+        </p:nvSpPr>
+        <p:spPr/>
+        <p:txBody>
+          <a:bodyPr/>
+          <a:lstStyle/>
+          <a:p>
+            <a:r>
+              <a:rPr lang="bg-BG" sz="1100" smtClean="0"/>
+              <a:t>Работна група </a:t>
+            </a:r>
+            <a:r>
+              <a:rPr lang="bg-BG" smtClean="0"/>
+              <a:t>"Образование по програмиране и ИТ"</a:t>
+            </a:r>
+            <a:r>
+              <a:rPr lang="bg-BG" sz="1100" smtClean="0"/>
+              <a:t>, с подкрепата на </a:t>
+            </a:r>
+            <a:r>
+              <a:rPr lang="en-US" sz="1100" smtClean="0">
+                <a:hlinkClick r:id="rId3"/>
+              </a:rPr>
+              <a:t>SoftUni</a:t>
+            </a:r>
+            <a:endParaRPr lang="en-US" sz="1100" dirty="0"/>
+          </a:p>
+        </p:txBody>
+      </p:sp>
+    </p:spTree>
+    <p:extLst>
+      <p:ext uri="{BB962C8B-B14F-4D97-AF65-F5344CB8AC3E}">
+        <p14:creationId xmlns:p14="http://schemas.microsoft.com/office/powerpoint/2010/main" val="3843662148"/>
+      </p:ext>
+    </p:extLst>
+  </p:cSld>
+  <p:clrMapOvr>
+    <a:masterClrMapping/>
+  </p:clrMapOvr>
+</p:notes>
+</file>
+
+<file path=ppt/notesSlides/notesSlide5.xml><?xml version="1.0" encoding="utf-8"?>
+<p:notes xmlns:a="http://schemas.openxmlformats.org/drawingml/2006/main" xmlns:r="http://schemas.openxmlformats.org/officeDocument/2006/relationships" xmlns:p="http://schemas.openxmlformats.org/presentationml/2006/main">
+  <p:cSld>
+    <p:spTree>
+      <p:nvGrpSpPr>
+        <p:cNvPr id="1" name=""/>
+        <p:cNvGrpSpPr/>
+        <p:nvPr/>
+      </p:nvGrpSpPr>
+      <p:grpSpPr>
+        <a:xfrm>
+          <a:off x="0" y="0"/>
+          <a:ext cx="0" cy="0"/>
+          <a:chOff x="0" y="0"/>
+          <a:chExt cx="0" cy="0"/>
+        </a:xfrm>
+      </p:grpSpPr>
+      <p:sp>
+        <p:nvSpPr>
+          <p:cNvPr id="2" name="Slide Image Placeholder 1"/>
+          <p:cNvSpPr>
+            <a:spLocks noGrp="1" noRot="1" noChangeAspect="1"/>
+          </p:cNvSpPr>
+          <p:nvPr>
+            <p:ph type="sldImg"/>
+          </p:nvPr>
+        </p:nvSpPr>
+        <p:spPr/>
+      </p:sp>
+      <p:sp>
+        <p:nvSpPr>
+          <p:cNvPr id="3" name="Notes Placeholder 2"/>
+          <p:cNvSpPr>
+            <a:spLocks noGrp="1"/>
+          </p:cNvSpPr>
+          <p:nvPr>
+            <p:ph type="body" idx="1"/>
+          </p:nvPr>
+        </p:nvSpPr>
+        <p:spPr/>
+        <p:txBody>
+          <a:bodyPr/>
+          <a:lstStyle/>
+          <a:p>
+            <a:endParaRPr lang="en-US" dirty="0"/>
+          </a:p>
+        </p:txBody>
+      </p:sp>
+      <p:sp>
+        <p:nvSpPr>
           <p:cNvPr id="4" name="Footer Placeholder 3"/>
           <p:cNvSpPr>
             <a:spLocks noGrp="1"/>
@@ -1359,7 +1492,7 @@
             <a:fld id="{3EBA5BD7-F043-4D1B-AA17-CD412FC534DE}" type="slidenum">
               <a:rPr lang="en-US" smtClean="0"/>
               <a:pPr/>
-              <a:t>6</a:t>
+              <a:t>10</a:t>
             </a:fld>
             <a:endParaRPr lang="en-US" dirty="0"/>
           </a:p>
@@ -1378,7 +1511,7 @@
 </p:notes>
 </file>
 
-<file path=ppt/notesSlides/notesSlide5.xml><?xml version="1.0" encoding="utf-8"?>
+<file path=ppt/notesSlides/notesSlide6.xml><?xml version="1.0" encoding="utf-8"?>
 <p:notes xmlns:a="http://schemas.openxmlformats.org/drawingml/2006/main" xmlns:r="http://schemas.openxmlformats.org/officeDocument/2006/relationships" xmlns:p="http://schemas.openxmlformats.org/presentationml/2006/main">
   <p:cSld>
     <p:spTree>
@@ -1550,7 +1683,7 @@
             <a:fld id="{3EBA5BD7-F043-4D1B-AA17-CD412FC534DE}" type="slidenum">
               <a:rPr lang="en-US" smtClean="0"/>
               <a:pPr/>
-              <a:t>7</a:t>
+              <a:t>11</a:t>
             </a:fld>
             <a:endParaRPr lang="en-US" dirty="0"/>
           </a:p>
@@ -1608,7 +1741,7 @@
 </p:notes>
 </file>
 
-<file path=ppt/notesSlides/notesSlide6.xml><?xml version="1.0" encoding="utf-8"?>
+<file path=ppt/notesSlides/notesSlide7.xml><?xml version="1.0" encoding="utf-8"?>
 <p:notes xmlns:a="http://schemas.openxmlformats.org/drawingml/2006/main" xmlns:r="http://schemas.openxmlformats.org/officeDocument/2006/relationships" xmlns:p="http://schemas.openxmlformats.org/presentationml/2006/main">
   <p:cSld>
     <p:spTree>
@@ -1780,7 +1913,7 @@
             <a:fld id="{3EBA5BD7-F043-4D1B-AA17-CD412FC534DE}" type="slidenum">
               <a:rPr lang="en-US" smtClean="0"/>
               <a:pPr/>
-              <a:t>8</a:t>
+              <a:t>12</a:t>
             </a:fld>
             <a:endParaRPr lang="en-US" dirty="0"/>
           </a:p>
@@ -7186,6 +7319,1307 @@
 </p:sld>
 </file>
 
+<file path=ppt/slides/slide10.xml><?xml version="1.0" encoding="utf-8"?>
+<p:sld xmlns:a="http://schemas.openxmlformats.org/drawingml/2006/main" xmlns:r="http://schemas.openxmlformats.org/officeDocument/2006/relationships" xmlns:p="http://schemas.openxmlformats.org/presentationml/2006/main">
+  <p:cSld>
+    <p:spTree>
+      <p:nvGrpSpPr>
+        <p:cNvPr id="1" name=""/>
+        <p:cNvGrpSpPr/>
+        <p:nvPr/>
+      </p:nvGrpSpPr>
+      <p:grpSpPr>
+        <a:xfrm>
+          <a:off x="0" y="0"/>
+          <a:ext cx="0" cy="0"/>
+          <a:chOff x="0" y="0"/>
+          <a:chExt cx="0" cy="0"/>
+        </a:xfrm>
+      </p:grpSpPr>
+      <p:sp>
+        <p:nvSpPr>
+          <p:cNvPr id="14" name="Text Placeholder 4">
+            <a:extLst>
+              <a:ext uri="{FF2B5EF4-FFF2-40B4-BE49-F238E27FC236}">
+                <a16:creationId xmlns:a16="http://schemas.microsoft.com/office/drawing/2014/main" id="{0E49D336-45B6-44D3-97C4-E28F8DEA2022}"/>
+              </a:ext>
+            </a:extLst>
+          </p:cNvPr>
+          <p:cNvSpPr>
+            <a:spLocks noGrp="1"/>
+          </p:cNvSpPr>
+          <p:nvPr>
+            <p:ph type="body" sz="quarter" idx="10"/>
+          </p:nvPr>
+        </p:nvSpPr>
+        <p:spPr>
+          <a:xfrm>
+            <a:off x="869725" y="1577986"/>
+            <a:ext cx="7581212" cy="4772369"/>
+          </a:xfrm>
+        </p:spPr>
+        <p:txBody>
+          <a:bodyPr/>
+          <a:lstStyle>
+            <a:lvl1pPr marL="514350" indent="-514350">
+              <a:buFont typeface="Wingdings" panose="05000000000000000000" pitchFamily="2" charset="2"/>
+              <a:buChar char="§"/>
+              <a:defRPr>
+                <a:solidFill>
+                  <a:schemeClr val="bg2"/>
+                </a:solidFill>
+              </a:defRPr>
+            </a:lvl1pPr>
+            <a:lvl2pPr marL="1123935" indent="-514350">
+              <a:buFont typeface="Wingdings" panose="05000000000000000000" pitchFamily="2" charset="2"/>
+              <a:buChar char="§"/>
+              <a:defRPr>
+                <a:solidFill>
+                  <a:schemeClr val="tx1"/>
+                </a:solidFill>
+              </a:defRPr>
+            </a:lvl2pPr>
+            <a:lvl3pPr marL="1733520" indent="-514350">
+              <a:buFont typeface="Wingdings" panose="05000000000000000000" pitchFamily="2" charset="2"/>
+              <a:buChar char="§"/>
+              <a:defRPr>
+                <a:solidFill>
+                  <a:schemeClr val="tx1"/>
+                </a:solidFill>
+              </a:defRPr>
+            </a:lvl3pPr>
+            <a:lvl4pPr marL="2343105" indent="-514350">
+              <a:buFont typeface="Wingdings" panose="05000000000000000000" pitchFamily="2" charset="2"/>
+              <a:buChar char="§"/>
+              <a:defRPr>
+                <a:solidFill>
+                  <a:schemeClr val="tx1"/>
+                </a:solidFill>
+              </a:defRPr>
+            </a:lvl4pPr>
+            <a:lvl5pPr marL="2952689" indent="-514350">
+              <a:buFont typeface="Wingdings" panose="05000000000000000000" pitchFamily="2" charset="2"/>
+              <a:buChar char="§"/>
+              <a:defRPr>
+                <a:solidFill>
+                  <a:schemeClr val="tx1"/>
+                </a:solidFill>
+              </a:defRPr>
+            </a:lvl5pPr>
+          </a:lstStyle>
+          <a:p>
+            <a:pPr lvl="0"/>
+            <a:r>
+              <a:rPr lang="en-US" dirty="0"/>
+              <a:t>…</a:t>
+            </a:r>
+          </a:p>
+          <a:p>
+            <a:pPr lvl="0"/>
+            <a:r>
+              <a:rPr lang="en-GB" dirty="0"/>
+              <a:t>…</a:t>
+            </a:r>
+            <a:endParaRPr lang="en-US" dirty="0"/>
+          </a:p>
+          <a:p>
+            <a:pPr lvl="0"/>
+            <a:r>
+              <a:rPr lang="en-GB" dirty="0"/>
+              <a:t>…</a:t>
+            </a:r>
+            <a:endParaRPr lang="en-US" dirty="0"/>
+          </a:p>
+          <a:p>
+            <a:pPr lvl="0"/>
+            <a:endParaRPr lang="en-US" dirty="0"/>
+          </a:p>
+        </p:txBody>
+      </p:sp>
+      <p:sp>
+        <p:nvSpPr>
+          <p:cNvPr id="4" name="Title 3"/>
+          <p:cNvSpPr>
+            <a:spLocks noGrp="1"/>
+          </p:cNvSpPr>
+          <p:nvPr>
+            <p:ph type="title"/>
+          </p:nvPr>
+        </p:nvSpPr>
+        <p:spPr/>
+        <p:txBody>
+          <a:bodyPr>
+            <a:normAutofit/>
+          </a:bodyPr>
+          <a:lstStyle/>
+          <a:p>
+            <a:r>
+              <a:rPr lang="bg-BG" dirty="0"/>
+              <a:t>Какво научихме днес?</a:t>
+            </a:r>
+            <a:endParaRPr lang="en-US" dirty="0"/>
+          </a:p>
+        </p:txBody>
+      </p:sp>
+      <p:sp>
+        <p:nvSpPr>
+          <p:cNvPr id="6" name="Slide Number Placeholder 5"/>
+          <p:cNvSpPr>
+            <a:spLocks noGrp="1"/>
+          </p:cNvSpPr>
+          <p:nvPr>
+            <p:ph type="sldNum" sz="quarter" idx="13"/>
+          </p:nvPr>
+        </p:nvSpPr>
+        <p:spPr>
+          <a:xfrm>
+            <a:off x="11566412" y="6397196"/>
+            <a:ext cx="428822" cy="308845"/>
+          </a:xfrm>
+          <a:prstGeom prst="rect">
+            <a:avLst/>
+          </a:prstGeom>
+        </p:spPr>
+        <p:txBody>
+          <a:bodyPr vert="horz" lIns="36000" tIns="36000" rIns="36000" bIns="36000" rtlCol="0" anchor="ctr"/>
+          <a:lstStyle>
+            <a:defPPr>
+              <a:defRPr lang="en-US"/>
+            </a:defPPr>
+            <a:lvl1pPr marL="0" algn="r" defTabSz="914400" rtl="0" eaLnBrk="1" latinLnBrk="0" hangingPunct="1">
+              <a:defRPr sz="1000" kern="1200">
+                <a:solidFill>
+                  <a:schemeClr val="tx1"/>
+                </a:solidFill>
+                <a:latin typeface="+mn-lt"/>
+                <a:ea typeface="+mn-ea"/>
+                <a:cs typeface="+mn-cs"/>
+              </a:defRPr>
+            </a:lvl1pPr>
+            <a:lvl2pPr marL="457200" algn="l" defTabSz="914400" rtl="0" eaLnBrk="1" latinLnBrk="0" hangingPunct="1">
+              <a:defRPr sz="1800" kern="1200">
+                <a:solidFill>
+                  <a:schemeClr val="tx1"/>
+                </a:solidFill>
+                <a:latin typeface="+mn-lt"/>
+                <a:ea typeface="+mn-ea"/>
+                <a:cs typeface="+mn-cs"/>
+              </a:defRPr>
+            </a:lvl2pPr>
+            <a:lvl3pPr marL="914400" algn="l" defTabSz="914400" rtl="0" eaLnBrk="1" latinLnBrk="0" hangingPunct="1">
+              <a:defRPr sz="1800" kern="1200">
+                <a:solidFill>
+                  <a:schemeClr val="tx1"/>
+                </a:solidFill>
+                <a:latin typeface="+mn-lt"/>
+                <a:ea typeface="+mn-ea"/>
+                <a:cs typeface="+mn-cs"/>
+              </a:defRPr>
+            </a:lvl3pPr>
+            <a:lvl4pPr marL="1371600" algn="l" defTabSz="914400" rtl="0" eaLnBrk="1" latinLnBrk="0" hangingPunct="1">
+              <a:defRPr sz="1800" kern="1200">
+                <a:solidFill>
+                  <a:schemeClr val="tx1"/>
+                </a:solidFill>
+                <a:latin typeface="+mn-lt"/>
+                <a:ea typeface="+mn-ea"/>
+                <a:cs typeface="+mn-cs"/>
+              </a:defRPr>
+            </a:lvl4pPr>
+            <a:lvl5pPr marL="1828800" algn="l" defTabSz="914400" rtl="0" eaLnBrk="1" latinLnBrk="0" hangingPunct="1">
+              <a:defRPr sz="1800" kern="1200">
+                <a:solidFill>
+                  <a:schemeClr val="tx1"/>
+                </a:solidFill>
+                <a:latin typeface="+mn-lt"/>
+                <a:ea typeface="+mn-ea"/>
+                <a:cs typeface="+mn-cs"/>
+              </a:defRPr>
+            </a:lvl5pPr>
+            <a:lvl6pPr marL="2286000" algn="l" defTabSz="914400" rtl="0" eaLnBrk="1" latinLnBrk="0" hangingPunct="1">
+              <a:defRPr sz="1800" kern="1200">
+                <a:solidFill>
+                  <a:schemeClr val="tx1"/>
+                </a:solidFill>
+                <a:latin typeface="+mn-lt"/>
+                <a:ea typeface="+mn-ea"/>
+                <a:cs typeface="+mn-cs"/>
+              </a:defRPr>
+            </a:lvl6pPr>
+            <a:lvl7pPr marL="2743200" algn="l" defTabSz="914400" rtl="0" eaLnBrk="1" latinLnBrk="0" hangingPunct="1">
+              <a:defRPr sz="1800" kern="1200">
+                <a:solidFill>
+                  <a:schemeClr val="tx1"/>
+                </a:solidFill>
+                <a:latin typeface="+mn-lt"/>
+                <a:ea typeface="+mn-ea"/>
+                <a:cs typeface="+mn-cs"/>
+              </a:defRPr>
+            </a:lvl7pPr>
+            <a:lvl8pPr marL="3200400" algn="l" defTabSz="914400" rtl="0" eaLnBrk="1" latinLnBrk="0" hangingPunct="1">
+              <a:defRPr sz="1800" kern="1200">
+                <a:solidFill>
+                  <a:schemeClr val="tx1"/>
+                </a:solidFill>
+                <a:latin typeface="+mn-lt"/>
+                <a:ea typeface="+mn-ea"/>
+                <a:cs typeface="+mn-cs"/>
+              </a:defRPr>
+            </a:lvl8pPr>
+            <a:lvl9pPr marL="3657600" algn="l" defTabSz="914400" rtl="0" eaLnBrk="1" latinLnBrk="0" hangingPunct="1">
+              <a:defRPr sz="1800" kern="1200">
+                <a:solidFill>
+                  <a:schemeClr val="tx1"/>
+                </a:solidFill>
+                <a:latin typeface="+mn-lt"/>
+                <a:ea typeface="+mn-ea"/>
+                <a:cs typeface="+mn-cs"/>
+              </a:defRPr>
+            </a:lvl9pPr>
+          </a:lstStyle>
+          <a:p>
+            <a:fld id="{C014DD1E-5D91-48A3-AD6D-45FBA980D106}" type="slidenum">
+              <a:rPr lang="en-US" smtClean="0"/>
+              <a:pPr/>
+              <a:t>10</a:t>
+            </a:fld>
+            <a:endParaRPr lang="en-US" dirty="0"/>
+          </a:p>
+        </p:txBody>
+      </p:sp>
+      <p:grpSp>
+        <p:nvGrpSpPr>
+          <p:cNvPr id="9" name="Group 8">
+            <a:extLst>
+              <a:ext uri="{FF2B5EF4-FFF2-40B4-BE49-F238E27FC236}">
+                <a16:creationId xmlns:a16="http://schemas.microsoft.com/office/drawing/2014/main" id="{EBAFE522-EB7D-4931-A015-9A7E8A98517D}"/>
+              </a:ext>
+            </a:extLst>
+          </p:cNvPr>
+          <p:cNvGrpSpPr/>
+          <p:nvPr/>
+        </p:nvGrpSpPr>
+        <p:grpSpPr>
+          <a:xfrm>
+            <a:off x="196766" y="1314000"/>
+            <a:ext cx="11798468" cy="5300339"/>
+            <a:chOff x="472011" y="1508786"/>
+            <a:chExt cx="3799787" cy="4865561"/>
+          </a:xfrm>
+        </p:grpSpPr>
+        <p:sp>
+          <p:nvSpPr>
+            <p:cNvPr id="10" name="Rounded Rectangle 10">
+              <a:extLst>
+                <a:ext uri="{FF2B5EF4-FFF2-40B4-BE49-F238E27FC236}">
+                  <a16:creationId xmlns:a16="http://schemas.microsoft.com/office/drawing/2014/main" id="{18F78F23-3D09-4B63-8DF9-D49CFBB145EE}"/>
+                </a:ext>
+              </a:extLst>
+            </p:cNvPr>
+            <p:cNvSpPr/>
+            <p:nvPr userDrawn="1"/>
+          </p:nvSpPr>
+          <p:spPr>
+            <a:xfrm>
+              <a:off x="472011" y="1508786"/>
+              <a:ext cx="3799787" cy="4865561"/>
+            </a:xfrm>
+            <a:prstGeom prst="roundRect">
+              <a:avLst>
+                <a:gd name="adj" fmla="val 3968"/>
+              </a:avLst>
+            </a:prstGeom>
+            <a:solidFill>
+              <a:schemeClr val="tx2"/>
+            </a:solidFill>
+            <a:ln>
+              <a:noFill/>
+            </a:ln>
+          </p:spPr>
+          <p:style>
+            <a:lnRef idx="2">
+              <a:schemeClr val="accent1">
+                <a:shade val="50000"/>
+              </a:schemeClr>
+            </a:lnRef>
+            <a:fillRef idx="1">
+              <a:schemeClr val="accent1"/>
+            </a:fillRef>
+            <a:effectRef idx="0">
+              <a:schemeClr val="accent1"/>
+            </a:effectRef>
+            <a:fontRef idx="minor">
+              <a:schemeClr val="lt1"/>
+            </a:fontRef>
+          </p:style>
+          <p:txBody>
+            <a:bodyPr rtlCol="0" anchor="ctr"/>
+            <a:lstStyle/>
+            <a:p>
+              <a:pPr algn="ctr"/>
+              <a:endParaRPr lang="ko-KR" altLang="en-US" sz="2399" dirty="0"/>
+            </a:p>
+          </p:txBody>
+        </p:sp>
+        <p:sp>
+          <p:nvSpPr>
+            <p:cNvPr id="11" name="Rounded Rectangle 16">
+              <a:extLst>
+                <a:ext uri="{FF2B5EF4-FFF2-40B4-BE49-F238E27FC236}">
+                  <a16:creationId xmlns:a16="http://schemas.microsoft.com/office/drawing/2014/main" id="{F12C06CE-2BBE-46C2-B718-813794C58DF9}"/>
+                </a:ext>
+              </a:extLst>
+            </p:cNvPr>
+            <p:cNvSpPr/>
+            <p:nvPr userDrawn="1"/>
+          </p:nvSpPr>
+          <p:spPr>
+            <a:xfrm>
+              <a:off x="540767" y="1781251"/>
+              <a:ext cx="85794" cy="4320631"/>
+            </a:xfrm>
+            <a:prstGeom prst="roundRect">
+              <a:avLst>
+                <a:gd name="adj" fmla="val 50000"/>
+              </a:avLst>
+            </a:prstGeom>
+            <a:solidFill>
+              <a:schemeClr val="bg2">
+                <a:alpha val="41000"/>
+              </a:schemeClr>
+            </a:solidFill>
+            <a:ln>
+              <a:noFill/>
+            </a:ln>
+          </p:spPr>
+          <p:style>
+            <a:lnRef idx="2">
+              <a:schemeClr val="accent1">
+                <a:shade val="50000"/>
+              </a:schemeClr>
+            </a:lnRef>
+            <a:fillRef idx="1">
+              <a:schemeClr val="accent1"/>
+            </a:fillRef>
+            <a:effectRef idx="0">
+              <a:schemeClr val="accent1"/>
+            </a:effectRef>
+            <a:fontRef idx="minor">
+              <a:schemeClr val="lt1"/>
+            </a:fontRef>
+          </p:style>
+          <p:txBody>
+            <a:bodyPr rtlCol="0" anchor="ctr"/>
+            <a:lstStyle/>
+            <a:p>
+              <a:pPr algn="ctr"/>
+              <a:endParaRPr lang="ko-KR" altLang="en-US" sz="2399">
+                <a:solidFill>
+                  <a:schemeClr val="bg1"/>
+                </a:solidFill>
+              </a:endParaRPr>
+            </a:p>
+          </p:txBody>
+        </p:sp>
+        <p:sp>
+          <p:nvSpPr>
+            <p:cNvPr id="12" name="Half Frame 11">
+              <a:extLst>
+                <a:ext uri="{FF2B5EF4-FFF2-40B4-BE49-F238E27FC236}">
+                  <a16:creationId xmlns:a16="http://schemas.microsoft.com/office/drawing/2014/main" id="{66CDBB1E-AF3C-43FC-9F34-2DD691F81726}"/>
+                </a:ext>
+              </a:extLst>
+            </p:cNvPr>
+            <p:cNvSpPr/>
+            <p:nvPr userDrawn="1"/>
+          </p:nvSpPr>
+          <p:spPr>
+            <a:xfrm rot="5400000">
+              <a:off x="3762569" y="1912372"/>
+              <a:ext cx="669775" cy="238503"/>
+            </a:xfrm>
+            <a:prstGeom prst="halfFrame">
+              <a:avLst>
+                <a:gd name="adj1" fmla="val 23728"/>
+                <a:gd name="adj2" fmla="val 24642"/>
+              </a:avLst>
+            </a:prstGeom>
+            <a:solidFill>
+              <a:schemeClr val="bg2">
+                <a:alpha val="23000"/>
+              </a:schemeClr>
+            </a:solidFill>
+            <a:ln>
+              <a:noFill/>
+            </a:ln>
+          </p:spPr>
+          <p:style>
+            <a:lnRef idx="2">
+              <a:schemeClr val="accent1">
+                <a:shade val="50000"/>
+              </a:schemeClr>
+            </a:lnRef>
+            <a:fillRef idx="1">
+              <a:schemeClr val="accent1"/>
+            </a:fillRef>
+            <a:effectRef idx="0">
+              <a:schemeClr val="accent1"/>
+            </a:effectRef>
+            <a:fontRef idx="minor">
+              <a:schemeClr val="lt1"/>
+            </a:fontRef>
+          </p:style>
+          <p:txBody>
+            <a:bodyPr rtlCol="0" anchor="ctr"/>
+            <a:lstStyle/>
+            <a:p>
+              <a:pPr algn="ctr"/>
+              <a:endParaRPr lang="ko-KR" altLang="en-US" sz="2399">
+                <a:solidFill>
+                  <a:schemeClr val="tx1"/>
+                </a:solidFill>
+              </a:endParaRPr>
+            </a:p>
+          </p:txBody>
+        </p:sp>
+      </p:grpSp>
+      <p:sp>
+        <p:nvSpPr>
+          <p:cNvPr id="15" name="Content Placeholder 4">
+            <a:extLst>
+              <a:ext uri="{FF2B5EF4-FFF2-40B4-BE49-F238E27FC236}">
+                <a16:creationId xmlns:a16="http://schemas.microsoft.com/office/drawing/2014/main" id="{B96A0DF8-27E7-4DC8-BBE3-7238AAAEB845}"/>
+              </a:ext>
+            </a:extLst>
+          </p:cNvPr>
+          <p:cNvSpPr txBox="1">
+            <a:spLocks/>
+          </p:cNvSpPr>
+          <p:nvPr/>
+        </p:nvSpPr>
+        <p:spPr>
+          <a:xfrm>
+            <a:off x="668236" y="1610812"/>
+            <a:ext cx="11113508" cy="4894130"/>
+          </a:xfrm>
+          <a:prstGeom prst="rect">
+            <a:avLst/>
+          </a:prstGeom>
+        </p:spPr>
+        <p:txBody>
+          <a:bodyPr vert="horz" lIns="108000" tIns="36000" rIns="108000" bIns="36000" rtlCol="0">
+            <a:noAutofit/>
+          </a:bodyPr>
+          <a:lstStyle>
+            <a:lvl1pPr marL="456915" indent="-456915" algn="l" defTabSz="1218438" rtl="0" eaLnBrk="1" latinLnBrk="0" hangingPunct="1">
+              <a:lnSpc>
+                <a:spcPct val="105000"/>
+              </a:lnSpc>
+              <a:spcBef>
+                <a:spcPts val="600"/>
+              </a:spcBef>
+              <a:spcAft>
+                <a:spcPts val="600"/>
+              </a:spcAft>
+              <a:buFont typeface="Wingdings" panose="05000000000000000000" pitchFamily="2" charset="2"/>
+              <a:buChar char="§"/>
+              <a:defRPr sz="3398" kern="1200">
+                <a:solidFill>
+                  <a:schemeClr val="tx1"/>
+                </a:solidFill>
+                <a:latin typeface="+mn-lt"/>
+                <a:ea typeface="+mn-ea"/>
+                <a:cs typeface="+mn-cs"/>
+              </a:defRPr>
+            </a:lvl1pPr>
+            <a:lvl2pPr marL="989981" indent="-380762" algn="l" defTabSz="1218438" rtl="0" eaLnBrk="1" latinLnBrk="0" hangingPunct="1">
+              <a:lnSpc>
+                <a:spcPct val="105000"/>
+              </a:lnSpc>
+              <a:spcBef>
+                <a:spcPts val="600"/>
+              </a:spcBef>
+              <a:spcAft>
+                <a:spcPts val="600"/>
+              </a:spcAft>
+              <a:buFont typeface="Wingdings" panose="05000000000000000000" pitchFamily="2" charset="2"/>
+              <a:buChar char="§"/>
+              <a:defRPr sz="3198" kern="1200">
+                <a:solidFill>
+                  <a:schemeClr val="tx1"/>
+                </a:solidFill>
+                <a:latin typeface="+mn-lt"/>
+                <a:ea typeface="+mn-ea"/>
+                <a:cs typeface="+mn-cs"/>
+              </a:defRPr>
+            </a:lvl2pPr>
+            <a:lvl3pPr marL="1523048" indent="-304610" algn="l" defTabSz="1218438" rtl="0" eaLnBrk="1" latinLnBrk="0" hangingPunct="1">
+              <a:lnSpc>
+                <a:spcPct val="105000"/>
+              </a:lnSpc>
+              <a:spcBef>
+                <a:spcPts val="600"/>
+              </a:spcBef>
+              <a:spcAft>
+                <a:spcPts val="600"/>
+              </a:spcAft>
+              <a:buFont typeface="Wingdings" panose="05000000000000000000" pitchFamily="2" charset="2"/>
+              <a:buChar char="§"/>
+              <a:defRPr sz="2998" kern="1200">
+                <a:solidFill>
+                  <a:schemeClr val="tx1"/>
+                </a:solidFill>
+                <a:latin typeface="+mn-lt"/>
+                <a:ea typeface="+mn-ea"/>
+                <a:cs typeface="+mn-cs"/>
+              </a:defRPr>
+            </a:lvl3pPr>
+            <a:lvl4pPr marL="2132267" indent="-304610" algn="l" defTabSz="1218438" rtl="0" eaLnBrk="1" latinLnBrk="0" hangingPunct="1">
+              <a:lnSpc>
+                <a:spcPct val="105000"/>
+              </a:lnSpc>
+              <a:spcBef>
+                <a:spcPts val="600"/>
+              </a:spcBef>
+              <a:spcAft>
+                <a:spcPts val="600"/>
+              </a:spcAft>
+              <a:buFont typeface="Wingdings" panose="05000000000000000000" pitchFamily="2" charset="2"/>
+              <a:buChar char="§"/>
+              <a:defRPr sz="2798" kern="1200">
+                <a:solidFill>
+                  <a:schemeClr val="tx1"/>
+                </a:solidFill>
+                <a:latin typeface="+mn-lt"/>
+                <a:ea typeface="+mn-ea"/>
+                <a:cs typeface="+mn-cs"/>
+              </a:defRPr>
+            </a:lvl4pPr>
+            <a:lvl5pPr marL="2741485" indent="-304610" algn="l" defTabSz="1218438" rtl="0" eaLnBrk="1" latinLnBrk="0" hangingPunct="1">
+              <a:lnSpc>
+                <a:spcPct val="105000"/>
+              </a:lnSpc>
+              <a:spcBef>
+                <a:spcPts val="600"/>
+              </a:spcBef>
+              <a:spcAft>
+                <a:spcPts val="600"/>
+              </a:spcAft>
+              <a:buFont typeface="Wingdings" panose="05000000000000000000" pitchFamily="2" charset="2"/>
+              <a:buChar char="§"/>
+              <a:defRPr sz="2598" kern="1200">
+                <a:solidFill>
+                  <a:schemeClr val="tx1"/>
+                </a:solidFill>
+                <a:latin typeface="+mn-lt"/>
+                <a:ea typeface="+mn-ea"/>
+                <a:cs typeface="+mn-cs"/>
+              </a:defRPr>
+            </a:lvl5pPr>
+            <a:lvl6pPr marL="3350704" indent="-304610" algn="l" defTabSz="1218438" rtl="0" eaLnBrk="1" latinLnBrk="0" hangingPunct="1">
+              <a:spcBef>
+                <a:spcPct val="20000"/>
+              </a:spcBef>
+              <a:buFont typeface="Arial" pitchFamily="34" charset="0"/>
+              <a:buChar char="•"/>
+              <a:defRPr sz="2665" kern="1200">
+                <a:solidFill>
+                  <a:schemeClr val="tx1"/>
+                </a:solidFill>
+                <a:latin typeface="+mn-lt"/>
+                <a:ea typeface="+mn-ea"/>
+                <a:cs typeface="+mn-cs"/>
+              </a:defRPr>
+            </a:lvl6pPr>
+            <a:lvl7pPr marL="3959924" indent="-304610" algn="l" defTabSz="1218438" rtl="0" eaLnBrk="1" latinLnBrk="0" hangingPunct="1">
+              <a:spcBef>
+                <a:spcPct val="20000"/>
+              </a:spcBef>
+              <a:buFont typeface="Arial" pitchFamily="34" charset="0"/>
+              <a:buChar char="•"/>
+              <a:defRPr sz="2665" kern="1200">
+                <a:solidFill>
+                  <a:schemeClr val="tx1"/>
+                </a:solidFill>
+                <a:latin typeface="+mn-lt"/>
+                <a:ea typeface="+mn-ea"/>
+                <a:cs typeface="+mn-cs"/>
+              </a:defRPr>
+            </a:lvl7pPr>
+            <a:lvl8pPr marL="4569143" indent="-304610" algn="l" defTabSz="1218438" rtl="0" eaLnBrk="1" latinLnBrk="0" hangingPunct="1">
+              <a:spcBef>
+                <a:spcPct val="20000"/>
+              </a:spcBef>
+              <a:buFont typeface="Arial" pitchFamily="34" charset="0"/>
+              <a:buChar char="•"/>
+              <a:defRPr sz="2665" kern="1200">
+                <a:solidFill>
+                  <a:schemeClr val="tx1"/>
+                </a:solidFill>
+                <a:latin typeface="+mn-lt"/>
+                <a:ea typeface="+mn-ea"/>
+                <a:cs typeface="+mn-cs"/>
+              </a:defRPr>
+            </a:lvl8pPr>
+            <a:lvl9pPr marL="5178362" indent="-304610" algn="l" defTabSz="1218438" rtl="0" eaLnBrk="1" latinLnBrk="0" hangingPunct="1">
+              <a:spcBef>
+                <a:spcPct val="20000"/>
+              </a:spcBef>
+              <a:buFont typeface="Arial" pitchFamily="34" charset="0"/>
+              <a:buChar char="•"/>
+              <a:defRPr sz="2665" kern="1200">
+                <a:solidFill>
+                  <a:schemeClr val="tx1"/>
+                </a:solidFill>
+                <a:latin typeface="+mn-lt"/>
+                <a:ea typeface="+mn-ea"/>
+                <a:cs typeface="+mn-cs"/>
+              </a:defRPr>
+            </a:lvl9pPr>
+          </a:lstStyle>
+          <a:p>
+            <a:pPr marL="355600" indent="-355600">
+              <a:lnSpc>
+                <a:spcPct val="100000"/>
+              </a:lnSpc>
+              <a:buClr>
+                <a:schemeClr val="bg2"/>
+              </a:buClr>
+            </a:pPr>
+            <a:r>
+              <a:rPr lang="en-US" sz="2800" b="1" dirty="0" smtClean="0">
+                <a:solidFill>
+                  <a:schemeClr val="accent1">
+                    <a:lumMod val="60000"/>
+                    <a:lumOff val="40000"/>
+                  </a:schemeClr>
+                </a:solidFill>
+              </a:rPr>
+              <a:t>TODO</a:t>
+            </a:r>
+            <a:endParaRPr lang="ru-RU" sz="2800" b="1" dirty="0" smtClean="0">
+              <a:solidFill>
+                <a:schemeClr val="bg2"/>
+              </a:solidFill>
+            </a:endParaRPr>
+          </a:p>
+        </p:txBody>
+      </p:sp>
+    </p:spTree>
+    <p:extLst>
+      <p:ext uri="{BB962C8B-B14F-4D97-AF65-F5344CB8AC3E}">
+        <p14:creationId xmlns:p14="http://schemas.microsoft.com/office/powerpoint/2010/main" val="3528394487"/>
+      </p:ext>
+    </p:extLst>
+  </p:cSld>
+  <p:clrMapOvr>
+    <a:masterClrMapping/>
+  </p:clrMapOvr>
+  <mc:AlternateContent xmlns:mc="http://schemas.openxmlformats.org/markup-compatibility/2006" xmlns:p14="http://schemas.microsoft.com/office/powerpoint/2010/main">
+    <mc:Choice Requires="p14">
+      <p:transition spd="slow" p14:dur="2000" advClick="0" advTm="5000"/>
+    </mc:Choice>
+    <mc:Fallback xmlns="">
+      <p:transition spd="slow" advClick="0" advTm="5000"/>
+    </mc:Fallback>
+  </mc:AlternateContent>
+  <p:timing>
+    <p:tnLst>
+      <p:par>
+        <p:cTn id="1" dur="indefinite" restart="never" nodeType="tmRoot"/>
+      </p:par>
+    </p:tnLst>
+  </p:timing>
+</p:sld>
+</file>
+
+<file path=ppt/slides/slide11.xml><?xml version="1.0" encoding="utf-8"?>
+<p:sld xmlns:a="http://schemas.openxmlformats.org/drawingml/2006/main" xmlns:r="http://schemas.openxmlformats.org/officeDocument/2006/relationships" xmlns:p="http://schemas.openxmlformats.org/presentationml/2006/main">
+  <p:cSld>
+    <p:spTree>
+      <p:nvGrpSpPr>
+        <p:cNvPr id="1" name=""/>
+        <p:cNvGrpSpPr/>
+        <p:nvPr/>
+      </p:nvGrpSpPr>
+      <p:grpSpPr>
+        <a:xfrm>
+          <a:off x="0" y="0"/>
+          <a:ext cx="0" cy="0"/>
+          <a:chOff x="0" y="0"/>
+          <a:chExt cx="0" cy="0"/>
+        </a:xfrm>
+      </p:grpSpPr>
+      <p:sp>
+        <p:nvSpPr>
+          <p:cNvPr id="5" name="Slide Title">
+            <a:extLst>
+              <a:ext uri="{FF2B5EF4-FFF2-40B4-BE49-F238E27FC236}">
+                <a16:creationId xmlns:a16="http://schemas.microsoft.com/office/drawing/2014/main" id="{FA0703FC-0F8F-4C80-A615-E4B381EC0E0C}"/>
+              </a:ext>
+            </a:extLst>
+          </p:cNvPr>
+          <p:cNvSpPr>
+            <a:spLocks noGrp="1"/>
+          </p:cNvSpPr>
+          <p:nvPr>
+            <p:ph type="title"/>
+          </p:nvPr>
+        </p:nvSpPr>
+        <p:spPr/>
+        <p:txBody>
+          <a:bodyPr/>
+          <a:lstStyle/>
+          <a:p>
+            <a:r>
+              <a:rPr lang="bg-BG" dirty="0"/>
+              <a:t>Въпроси</a:t>
+            </a:r>
+            <a:r>
+              <a:rPr lang="en-US" dirty="0"/>
+              <a:t>?</a:t>
+            </a:r>
+          </a:p>
+        </p:txBody>
+      </p:sp>
+      <p:sp>
+        <p:nvSpPr>
+          <p:cNvPr id="2" name="Rectangle Bottom Copyright">
+            <a:extLst>
+              <a:ext uri="{FF2B5EF4-FFF2-40B4-BE49-F238E27FC236}">
+                <a16:creationId xmlns:a16="http://schemas.microsoft.com/office/drawing/2014/main" id="{664812A4-2991-44D1-BFE9-32E55AADF8A5}"/>
+              </a:ext>
+            </a:extLst>
+          </p:cNvPr>
+          <p:cNvSpPr/>
+          <p:nvPr/>
+        </p:nvSpPr>
+        <p:spPr>
+          <a:xfrm>
+            <a:off x="111000" y="6454758"/>
+            <a:ext cx="11970000" cy="304242"/>
+          </a:xfrm>
+          <a:prstGeom prst="rect">
+            <a:avLst/>
+          </a:prstGeom>
+        </p:spPr>
+        <p:txBody>
+          <a:bodyPr wrap="square">
+            <a:noAutofit/>
+          </a:bodyPr>
+          <a:lstStyle/>
+          <a:p>
+            <a:pPr algn="ctr">
+              <a:lnSpc>
+                <a:spcPct val="100000"/>
+              </a:lnSpc>
+              <a:spcBef>
+                <a:spcPts val="0"/>
+              </a:spcBef>
+              <a:spcAft>
+                <a:spcPts val="0"/>
+              </a:spcAft>
+            </a:pPr>
+            <a:r>
+              <a:rPr lang="bg-BG" sz="1600" dirty="0">
+                <a:solidFill>
+                  <a:schemeClr val="bg2"/>
+                </a:solidFill>
+                <a:effectLst/>
+                <a:latin typeface="Calibri" panose="020F0502020204030204" pitchFamily="34" charset="0"/>
+                <a:ea typeface="Calibri" panose="020F0502020204030204" pitchFamily="34" charset="0"/>
+                <a:cs typeface="Arial" panose="020B0604020202020204" pitchFamily="34" charset="0"/>
+              </a:rPr>
+              <a:t>Проект "</a:t>
+            </a:r>
+            <a:r>
+              <a:rPr lang="bg-BG" sz="1600" dirty="0">
+                <a:solidFill>
+                  <a:schemeClr val="bg1">
+                    <a:lumMod val="20000"/>
+                    <a:lumOff val="80000"/>
+                  </a:schemeClr>
+                </a:solidFill>
+                <a:effectLst/>
+                <a:latin typeface="Calibri" panose="020F0502020204030204" pitchFamily="34" charset="0"/>
+                <a:ea typeface="Calibri" panose="020F0502020204030204" pitchFamily="34" charset="0"/>
+                <a:cs typeface="Arial" panose="020B0604020202020204" pitchFamily="34" charset="0"/>
+                <a:hlinkClick r:id="rId3">
+                  <a:extLst>
+                    <a:ext uri="{A12FA001-AC4F-418D-AE19-62706E023703}">
+                      <ahyp:hlinkClr xmlns="" xmlns:ahyp="http://schemas.microsoft.com/office/drawing/2018/hyperlinkcolor" val="tx"/>
+                    </a:ext>
+                  </a:extLst>
+                </a:hlinkClick>
+              </a:rPr>
+              <a:t>Отворено учебно съдържание по програмиране и ИТ</a:t>
+            </a:r>
+            <a:r>
+              <a:rPr lang="bg-BG" sz="1600" dirty="0">
+                <a:solidFill>
+                  <a:schemeClr val="bg2"/>
+                </a:solidFill>
+                <a:effectLst/>
+                <a:latin typeface="Calibri" panose="020F0502020204030204" pitchFamily="34" charset="0"/>
+                <a:ea typeface="Calibri" panose="020F0502020204030204" pitchFamily="34" charset="0"/>
+                <a:cs typeface="Arial" panose="020B0604020202020204" pitchFamily="34" charset="0"/>
+              </a:rPr>
+              <a:t>", СофтУни Фондация (лиценз </a:t>
+            </a:r>
+            <a:r>
+              <a:rPr lang="en-US" sz="1600" dirty="0">
+                <a:solidFill>
+                  <a:schemeClr val="bg2"/>
+                </a:solidFill>
+                <a:effectLst/>
+                <a:latin typeface="Calibri" panose="020F0502020204030204" pitchFamily="34" charset="0"/>
+                <a:ea typeface="Calibri" panose="020F0502020204030204" pitchFamily="34" charset="0"/>
+                <a:cs typeface="Arial" panose="020B0604020202020204" pitchFamily="34" charset="0"/>
+              </a:rPr>
+              <a:t>CC-BY-NC-SA</a:t>
+            </a:r>
+            <a:r>
+              <a:rPr lang="bg-BG" sz="1600" dirty="0">
+                <a:solidFill>
+                  <a:schemeClr val="bg2"/>
+                </a:solidFill>
+                <a:effectLst/>
+                <a:latin typeface="Calibri" panose="020F0502020204030204" pitchFamily="34" charset="0"/>
+                <a:ea typeface="Calibri" panose="020F0502020204030204" pitchFamily="34" charset="0"/>
+                <a:cs typeface="Arial" panose="020B0604020202020204" pitchFamily="34" charset="0"/>
+              </a:rPr>
+              <a:t>)</a:t>
+            </a:r>
+            <a:endParaRPr lang="bg-BG" sz="2400" dirty="0">
+              <a:solidFill>
+                <a:schemeClr val="bg2"/>
+              </a:solidFill>
+              <a:effectLst/>
+              <a:latin typeface="Calibri" panose="020F0502020204030204" pitchFamily="34" charset="0"/>
+              <a:ea typeface="Calibri" panose="020F0502020204030204" pitchFamily="34" charset="0"/>
+              <a:cs typeface="Arial" panose="020B0604020202020204" pitchFamily="34" charset="0"/>
+            </a:endParaRPr>
+          </a:p>
+        </p:txBody>
+      </p:sp>
+    </p:spTree>
+    <p:extLst>
+      <p:ext uri="{BB962C8B-B14F-4D97-AF65-F5344CB8AC3E}">
+        <p14:creationId xmlns:p14="http://schemas.microsoft.com/office/powerpoint/2010/main" val="1472534970"/>
+      </p:ext>
+    </p:extLst>
+  </p:cSld>
+  <p:clrMapOvr>
+    <a:masterClrMapping/>
+  </p:clrMapOvr>
+  <mc:AlternateContent xmlns:mc="http://schemas.openxmlformats.org/markup-compatibility/2006" xmlns:p14="http://schemas.microsoft.com/office/powerpoint/2010/main">
+    <mc:Choice Requires="p14">
+      <p:transition spd="slow" p14:dur="2000" advClick="0" advTm="5000"/>
+    </mc:Choice>
+    <mc:Fallback xmlns="">
+      <p:transition spd="slow" advClick="0" advTm="5000"/>
+    </mc:Fallback>
+  </mc:AlternateContent>
+  <p:timing>
+    <p:tnLst>
+      <p:par>
+        <p:cTn id="1" dur="indefinite" restart="never" nodeType="tmRoot"/>
+      </p:par>
+    </p:tnLst>
+  </p:timing>
+</p:sld>
+</file>
+
+<file path=ppt/slides/slide12.xml><?xml version="1.0" encoding="utf-8"?>
+<p:sld xmlns:a="http://schemas.openxmlformats.org/drawingml/2006/main" xmlns:r="http://schemas.openxmlformats.org/officeDocument/2006/relationships" xmlns:p="http://schemas.openxmlformats.org/presentationml/2006/main" show="0">
+  <p:cSld>
+    <p:spTree>
+      <p:nvGrpSpPr>
+        <p:cNvPr id="1" name=""/>
+        <p:cNvGrpSpPr/>
+        <p:nvPr/>
+      </p:nvGrpSpPr>
+      <p:grpSpPr>
+        <a:xfrm>
+          <a:off x="0" y="0"/>
+          <a:ext cx="0" cy="0"/>
+          <a:chOff x="0" y="0"/>
+          <a:chExt cx="0" cy="0"/>
+        </a:xfrm>
+      </p:grpSpPr>
+      <p:sp>
+        <p:nvSpPr>
+          <p:cNvPr id="5" name="Slide Number">
+            <a:extLst>
+              <a:ext uri="{FF2B5EF4-FFF2-40B4-BE49-F238E27FC236}">
+                <a16:creationId xmlns:a16="http://schemas.microsoft.com/office/drawing/2014/main" id="{F48C3C93-90A1-4D31-BEA6-B54D1106CE31}"/>
+              </a:ext>
+            </a:extLst>
+          </p:cNvPr>
+          <p:cNvSpPr>
+            <a:spLocks noGrp="1"/>
+          </p:cNvSpPr>
+          <p:nvPr>
+            <p:ph type="sldNum" sz="quarter" idx="5"/>
+          </p:nvPr>
+        </p:nvSpPr>
+        <p:spPr>
+          <a:xfrm>
+            <a:off x="11753030" y="6507000"/>
+            <a:ext cx="367414" cy="297000"/>
+          </a:xfrm>
+          <a:prstGeom prst="rect">
+            <a:avLst/>
+          </a:prstGeom>
+        </p:spPr>
+        <p:txBody>
+          <a:bodyPr vert="horz" lIns="91440" tIns="45720" rIns="91440" bIns="45720" rtlCol="0" anchor="b"/>
+          <a:lstStyle>
+            <a:lvl1pPr algn="r">
+              <a:defRPr sz="1000"/>
+            </a:lvl1pPr>
+          </a:lstStyle>
+          <a:p>
+            <a:fld id="{2BF067CD-8E6B-4360-9AA8-C5DF2A48A6D1}" type="slidenum">
+              <a:rPr lang="en-US" smtClean="0"/>
+              <a:pPr/>
+              <a:t>12</a:t>
+            </a:fld>
+            <a:endParaRPr lang="en-US" dirty="0"/>
+          </a:p>
+        </p:txBody>
+      </p:sp>
+      <p:sp>
+        <p:nvSpPr>
+          <p:cNvPr id="2" name="Slide Body">
+            <a:extLst>
+              <a:ext uri="{FF2B5EF4-FFF2-40B4-BE49-F238E27FC236}">
+                <a16:creationId xmlns:a16="http://schemas.microsoft.com/office/drawing/2014/main" id="{980F49B1-E4BE-4389-A747-7AB9B71AD920}"/>
+              </a:ext>
+            </a:extLst>
+          </p:cNvPr>
+          <p:cNvSpPr>
+            <a:spLocks noGrp="1"/>
+          </p:cNvSpPr>
+          <p:nvPr>
+            <p:ph type="body" sz="quarter" idx="10"/>
+          </p:nvPr>
+        </p:nvSpPr>
+        <p:spPr>
+          <a:xfrm>
+            <a:off x="190402" y="1269001"/>
+            <a:ext cx="9865598" cy="2474999"/>
+          </a:xfrm>
+        </p:spPr>
+        <p:txBody>
+          <a:bodyPr>
+            <a:normAutofit/>
+          </a:bodyPr>
+          <a:lstStyle/>
+          <a:p>
+            <a:pPr>
+              <a:lnSpc>
+                <a:spcPct val="120000"/>
+              </a:lnSpc>
+            </a:pPr>
+            <a:r>
+              <a:rPr lang="bg-BG" sz="3200" dirty="0"/>
+              <a:t>Този курс</a:t>
+            </a:r>
+            <a:r>
+              <a:rPr lang="en-US" sz="3200" dirty="0"/>
+              <a:t> (</a:t>
+            </a:r>
+            <a:r>
+              <a:rPr lang="bg-BG" sz="3200" dirty="0"/>
+              <a:t>презентации, примери, демонстрационен код, упражнения, домашни, видео и други активи</a:t>
+            </a:r>
+            <a:r>
+              <a:rPr lang="en-US" sz="3200" dirty="0"/>
+              <a:t>) </a:t>
+            </a:r>
+            <a:r>
+              <a:rPr lang="bg-BG" sz="3200" dirty="0"/>
+              <a:t>представлява</a:t>
+            </a:r>
+            <a:r>
+              <a:rPr lang="en-US" sz="3200" dirty="0"/>
+              <a:t> </a:t>
+            </a:r>
+            <a:r>
+              <a:rPr lang="bg-BG" sz="3200" b="1" dirty="0"/>
+              <a:t>свободно учебно съдържание </a:t>
+            </a:r>
+            <a:r>
+              <a:rPr lang="bg-BG" sz="3200" dirty="0"/>
+              <a:t>и се разпространява под свободен лиценз </a:t>
+            </a:r>
+            <a:r>
+              <a:rPr lang="en-US" sz="3200" b="1" dirty="0"/>
+              <a:t>CC-BY-NC-SA</a:t>
+            </a:r>
+            <a:endParaRPr lang="bg-BG" sz="3200" dirty="0"/>
+          </a:p>
+        </p:txBody>
+      </p:sp>
+      <p:pic>
+        <p:nvPicPr>
+          <p:cNvPr id="6" name="Picture License" descr="License">
+            <a:extLst>
+              <a:ext uri="{FF2B5EF4-FFF2-40B4-BE49-F238E27FC236}">
+                <a16:creationId xmlns:a16="http://schemas.microsoft.com/office/drawing/2014/main" id="{82BA520F-A037-4E01-AA18-27D9F1E930A6}"/>
+              </a:ext>
+            </a:extLst>
+          </p:cNvPr>
+          <p:cNvPicPr>
+            <a:picLocks noChangeAspect="1"/>
+          </p:cNvPicPr>
+          <p:nvPr/>
+        </p:nvPicPr>
+        <p:blipFill>
+          <a:blip r:embed="rId3">
+            <a:clrChange>
+              <a:clrFrom>
+                <a:srgbClr val="FFFFFF"/>
+              </a:clrFrom>
+              <a:clrTo>
+                <a:srgbClr val="FFFFFF">
+                  <a:alpha val="0"/>
+                </a:srgbClr>
+              </a:clrTo>
+            </a:clrChange>
+          </a:blip>
+          <a:stretch>
+            <a:fillRect/>
+          </a:stretch>
+        </p:blipFill>
+        <p:spPr>
+          <a:xfrm>
+            <a:off x="10226175" y="1440120"/>
+            <a:ext cx="1198986" cy="1268880"/>
+          </a:xfrm>
+          <a:prstGeom prst="rect">
+            <a:avLst/>
+          </a:prstGeom>
+        </p:spPr>
+      </p:pic>
+      <p:sp>
+        <p:nvSpPr>
+          <p:cNvPr id="3" name="Slide Title">
+            <a:extLst>
+              <a:ext uri="{FF2B5EF4-FFF2-40B4-BE49-F238E27FC236}">
+                <a16:creationId xmlns:a16="http://schemas.microsoft.com/office/drawing/2014/main" id="{E5F1FB41-80C3-4816-BC47-CCC50632E6E8}"/>
+              </a:ext>
+            </a:extLst>
+          </p:cNvPr>
+          <p:cNvSpPr>
+            <a:spLocks noGrp="1"/>
+          </p:cNvSpPr>
+          <p:nvPr>
+            <p:ph type="title"/>
+          </p:nvPr>
+        </p:nvSpPr>
+        <p:spPr/>
+        <p:txBody>
+          <a:bodyPr/>
+          <a:lstStyle/>
+          <a:p>
+            <a:r>
+              <a:rPr lang="bg-BG" dirty="0"/>
+              <a:t>Лиценз</a:t>
+            </a:r>
+          </a:p>
+        </p:txBody>
+      </p:sp>
+      <p:sp>
+        <p:nvSpPr>
+          <p:cNvPr id="11" name="TextBox 10">
+            <a:extLst>
+              <a:ext uri="{FF2B5EF4-FFF2-40B4-BE49-F238E27FC236}">
+                <a16:creationId xmlns:a16="http://schemas.microsoft.com/office/drawing/2014/main" id="{0C18DF19-B750-4C88-975B-661A6BF61F5E}"/>
+              </a:ext>
+            </a:extLst>
+          </p:cNvPr>
+          <p:cNvSpPr txBox="1"/>
+          <p:nvPr/>
+        </p:nvSpPr>
+        <p:spPr>
+          <a:xfrm>
+            <a:off x="190401" y="3927519"/>
+            <a:ext cx="11710599" cy="1979644"/>
+          </a:xfrm>
+          <a:prstGeom prst="rect">
+            <a:avLst/>
+          </a:prstGeom>
+          <a:noFill/>
+          <a:ln w="12700">
+            <a:noFill/>
+          </a:ln>
+        </p:spPr>
+        <p:txBody>
+          <a:bodyPr wrap="square">
+            <a:spAutoFit/>
+          </a:bodyPr>
+          <a:lstStyle/>
+          <a:p>
+            <a:pPr marL="360363" indent="-360363" defTabSz="1218438">
+              <a:lnSpc>
+                <a:spcPct val="120000"/>
+              </a:lnSpc>
+              <a:spcBef>
+                <a:spcPts val="600"/>
+              </a:spcBef>
+              <a:spcAft>
+                <a:spcPts val="600"/>
+              </a:spcAft>
+              <a:buFont typeface="Wingdings" panose="05000000000000000000" pitchFamily="2" charset="2"/>
+              <a:buChar char="§"/>
+              <a:defRPr/>
+            </a:pPr>
+            <a:r>
+              <a:rPr lang="bg-BG" sz="3200" dirty="0"/>
+              <a:t>Проект "</a:t>
+            </a:r>
+            <a:r>
+              <a:rPr lang="bg-BG" sz="3200" b="1" dirty="0"/>
+              <a:t>Отворено учебно съдържание по програмиране и ИТ</a:t>
+            </a:r>
+            <a:r>
+              <a:rPr lang="bg-BG" sz="3200" dirty="0"/>
+              <a:t>" към Фондация "Софтуерен университет"</a:t>
+            </a:r>
+            <a:r>
+              <a:rPr lang="en-US" sz="3200" dirty="0"/>
+              <a:t>:</a:t>
+            </a:r>
+            <a:endParaRPr lang="bg-BG" sz="3200" dirty="0"/>
+          </a:p>
+          <a:p>
+            <a:pPr marL="817563" lvl="1" indent="-360363" defTabSz="1218438">
+              <a:lnSpc>
+                <a:spcPct val="120000"/>
+              </a:lnSpc>
+              <a:spcBef>
+                <a:spcPts val="600"/>
+              </a:spcBef>
+              <a:spcAft>
+                <a:spcPts val="600"/>
+              </a:spcAft>
+              <a:buFont typeface="Wingdings" panose="05000000000000000000" pitchFamily="2" charset="2"/>
+              <a:buChar char="§"/>
+              <a:defRPr/>
+            </a:pPr>
+            <a:r>
+              <a:rPr kumimoji="0" lang="en-US" sz="3200" b="0" i="0" u="none" strike="noStrike" kern="1200" cap="none" spc="0" normalizeH="0" baseline="0" noProof="0" dirty="0">
+                <a:ln>
+                  <a:noFill/>
+                </a:ln>
+                <a:solidFill>
+                  <a:srgbClr val="234465"/>
+                </a:solidFill>
+                <a:effectLst/>
+                <a:uLnTx/>
+                <a:uFillTx/>
+                <a:latin typeface="Calibri"/>
+                <a:ea typeface="+mn-ea"/>
+                <a:cs typeface="+mn-cs"/>
+                <a:hlinkClick r:id="rId4"/>
+              </a:rPr>
+              <a:t>https://github.com/BG-IT-Edu</a:t>
+            </a:r>
+            <a:endParaRPr kumimoji="0" lang="bg-BG" sz="3200" b="0" i="0" u="none" strike="noStrike" kern="1200" cap="none" spc="0" normalizeH="0" baseline="0" noProof="0" dirty="0">
+              <a:ln>
+                <a:noFill/>
+              </a:ln>
+              <a:solidFill>
+                <a:srgbClr val="234465"/>
+              </a:solidFill>
+              <a:effectLst/>
+              <a:uLnTx/>
+              <a:uFillTx/>
+              <a:latin typeface="Calibri"/>
+              <a:ea typeface="+mn-ea"/>
+              <a:cs typeface="+mn-cs"/>
+            </a:endParaRPr>
+          </a:p>
+        </p:txBody>
+      </p:sp>
+      <p:pic>
+        <p:nvPicPr>
+          <p:cNvPr id="7" name="Picture 6" title="CC-BY-NC-SA License">
+            <a:hlinkClick r:id="rId5" tooltip="This work is licensed under the &quot;Creative Commons Attribution-NonCommercial-ShareAlike 4.0 International&quot; license"/>
+            <a:extLst>
+              <a:ext uri="{FF2B5EF4-FFF2-40B4-BE49-F238E27FC236}">
+                <a16:creationId xmlns:a16="http://schemas.microsoft.com/office/drawing/2014/main" id="{F6C77C47-F7D8-A176-5C69-7FDE5C7E8003}"/>
+              </a:ext>
+            </a:extLst>
+          </p:cNvPr>
+          <p:cNvPicPr>
+            <a:picLocks noChangeAspect="1" noChangeArrowheads="1"/>
+          </p:cNvPicPr>
+          <p:nvPr/>
+        </p:nvPicPr>
+        <p:blipFill>
+          <a:blip r:embed="rId6">
+            <a:extLst>
+              <a:ext uri="{28A0092B-C50C-407E-A947-70E740481C1C}">
+                <a14:useLocalDpi xmlns:a14="http://schemas.microsoft.com/office/drawing/2010/main"/>
+              </a:ext>
+            </a:extLst>
+          </a:blip>
+          <a:srcRect/>
+          <a:stretch>
+            <a:fillRect/>
+          </a:stretch>
+        </p:blipFill>
+        <p:spPr bwMode="auto">
+          <a:xfrm>
+            <a:off x="9831000" y="2908593"/>
+            <a:ext cx="1989336" cy="696022"/>
+          </a:xfrm>
+          <a:prstGeom prst="roundRect">
+            <a:avLst>
+              <a:gd name="adj" fmla="val 3940"/>
+            </a:avLst>
+          </a:prstGeom>
+          <a:solidFill>
+            <a:srgbClr val="231F20">
+              <a:alpha val="50000"/>
+            </a:srgbClr>
+          </a:solidFill>
+          <a:ln>
+            <a:noFill/>
+          </a:ln>
+        </p:spPr>
+      </p:pic>
+    </p:spTree>
+    <p:extLst>
+      <p:ext uri="{BB962C8B-B14F-4D97-AF65-F5344CB8AC3E}">
+        <p14:creationId xmlns:p14="http://schemas.microsoft.com/office/powerpoint/2010/main" val="3879276042"/>
+      </p:ext>
+    </p:extLst>
+  </p:cSld>
+  <p:clrMapOvr>
+    <a:masterClrMapping/>
+  </p:clrMapOvr>
+  <mc:AlternateContent xmlns:mc="http://schemas.openxmlformats.org/markup-compatibility/2006" xmlns:p14="http://schemas.microsoft.com/office/powerpoint/2010/main">
+    <mc:Choice Requires="p14">
+      <p:transition spd="slow" p14:dur="2000" advClick="0" advTm="5000"/>
+    </mc:Choice>
+    <mc:Fallback xmlns="">
+      <p:transition spd="slow" advClick="0" advTm="5000"/>
+    </mc:Fallback>
+  </mc:AlternateContent>
+  <p:timing>
+    <p:tnLst>
+      <p:par>
+        <p:cTn id="1" dur="indefinite" restart="never" nodeType="tmRoot"/>
+      </p:par>
+    </p:tnLst>
+  </p:timing>
+</p:sld>
+</file>
+
 <file path=ppt/slides/slide2.xml><?xml version="1.0" encoding="utf-8"?>
 <p:sld xmlns:a="http://schemas.openxmlformats.org/drawingml/2006/main" xmlns:r="http://schemas.openxmlformats.org/officeDocument/2006/relationships" xmlns:p="http://schemas.openxmlformats.org/presentationml/2006/main">
   <p:cSld>
@@ -7367,11 +8801,7 @@
             </a:r>
             <a:r>
               <a:rPr lang="bg-BG" dirty="0" smtClean="0"/>
-              <a:t> </a:t>
-            </a:r>
-            <a:r>
-              <a:rPr lang="bg-BG" dirty="0" smtClean="0"/>
-              <a:t>на </a:t>
+              <a:t> на </a:t>
             </a:r>
             <a:r>
               <a:rPr lang="bg-BG" b="1" dirty="0" smtClean="0"/>
@@ -7389,11 +8819,7 @@
             </a:r>
             <a:r>
               <a:rPr lang="bg-BG" dirty="0" smtClean="0"/>
-              <a:t> </a:t>
-            </a:r>
-            <a:r>
-              <a:rPr lang="bg-BG" dirty="0" smtClean="0"/>
-              <a:t>и </a:t>
+              <a:t> и </a:t>
             </a:r>
             <a:r>
               <a:rPr lang="bg-BG" b="1" dirty="0" smtClean="0"/>
@@ -7486,15 +8912,7 @@
                   <a:schemeClr val="bg1"/>
                 </a:solidFill>
               </a:rPr>
-              <a:t>Авторски </a:t>
-            </a:r>
-            <a:r>
-              <a:rPr lang="bg-BG" b="1" dirty="0" smtClean="0">
-                <a:solidFill>
-                  <a:schemeClr val="bg1"/>
-                </a:solidFill>
-              </a:rPr>
-              <a:t>права </a:t>
+              <a:t>Авторски права </a:t>
             </a:r>
             <a:r>
               <a:rPr lang="bg-BG" dirty="0" smtClean="0"/>
@@ -8678,11 +10096,7 @@
           <a:p>
             <a:r>
               <a:rPr lang="bg-BG" dirty="0" smtClean="0"/>
-              <a:t>Вмъкване на </a:t>
-            </a:r>
-            <a:r>
-              <a:rPr lang="bg-BG" dirty="0" smtClean="0"/>
-              <a:t>елементи</a:t>
+              <a:t>Вмъкване на елементи</a:t>
             </a:r>
             <a:r>
               <a:rPr lang="en-US" dirty="0" smtClean="0"/>
@@ -8780,677 +10194,70 @@
       </p:grpSpPr>
       <p:sp>
         <p:nvSpPr>
-          <p:cNvPr id="14" name="Text Placeholder 4">
-            <a:extLst>
-              <a:ext uri="{FF2B5EF4-FFF2-40B4-BE49-F238E27FC236}">
-                <a16:creationId xmlns:a16="http://schemas.microsoft.com/office/drawing/2014/main" id="{0E49D336-45B6-44D3-97C4-E28F8DEA2022}"/>
-              </a:ext>
-            </a:extLst>
-          </p:cNvPr>
+          <p:cNvPr id="5" name="Title 4"/>
           <p:cNvSpPr>
             <a:spLocks noGrp="1"/>
           </p:cNvSpPr>
           <p:nvPr>
-            <p:ph type="body" sz="quarter" idx="10"/>
+            <p:ph type="title" sz="quarter" idx="10"/>
           </p:nvPr>
         </p:nvSpPr>
         <p:spPr>
           <a:xfrm>
-            <a:off x="869725" y="1577986"/>
-            <a:ext cx="7581212" cy="4772369"/>
+            <a:off x="615109" y="4704824"/>
+            <a:ext cx="10961783" cy="1739175"/>
           </a:xfrm>
         </p:spPr>
         <p:txBody>
           <a:bodyPr/>
-          <a:lstStyle>
-            <a:lvl1pPr marL="514350" indent="-514350">
-              <a:buFont typeface="Wingdings" panose="05000000000000000000" pitchFamily="2" charset="2"/>
-              <a:buChar char="§"/>
-              <a:defRPr>
-                <a:solidFill>
-                  <a:schemeClr val="bg2"/>
-                </a:solidFill>
-              </a:defRPr>
-            </a:lvl1pPr>
-            <a:lvl2pPr marL="1123935" indent="-514350">
-              <a:buFont typeface="Wingdings" panose="05000000000000000000" pitchFamily="2" charset="2"/>
-              <a:buChar char="§"/>
-              <a:defRPr>
-                <a:solidFill>
-                  <a:schemeClr val="tx1"/>
-                </a:solidFill>
-              </a:defRPr>
-            </a:lvl2pPr>
-            <a:lvl3pPr marL="1733520" indent="-514350">
-              <a:buFont typeface="Wingdings" panose="05000000000000000000" pitchFamily="2" charset="2"/>
-              <a:buChar char="§"/>
-              <a:defRPr>
-                <a:solidFill>
-                  <a:schemeClr val="tx1"/>
-                </a:solidFill>
-              </a:defRPr>
-            </a:lvl3pPr>
-            <a:lvl4pPr marL="2343105" indent="-514350">
-              <a:buFont typeface="Wingdings" panose="05000000000000000000" pitchFamily="2" charset="2"/>
-              <a:buChar char="§"/>
-              <a:defRPr>
-                <a:solidFill>
-                  <a:schemeClr val="tx1"/>
-                </a:solidFill>
-              </a:defRPr>
-            </a:lvl4pPr>
-            <a:lvl5pPr marL="2952689" indent="-514350">
-              <a:buFont typeface="Wingdings" panose="05000000000000000000" pitchFamily="2" charset="2"/>
-              <a:buChar char="§"/>
-              <a:defRPr>
-                <a:solidFill>
-                  <a:schemeClr val="tx1"/>
-                </a:solidFill>
-              </a:defRPr>
-            </a:lvl5pPr>
-          </a:lstStyle>
-          <a:p>
-            <a:pPr lvl="0"/>
-            <a:r>
-              <a:rPr lang="en-US" dirty="0"/>
-              <a:t>…</a:t>
-            </a:r>
-          </a:p>
-          <a:p>
-            <a:pPr lvl="0"/>
-            <a:r>
-              <a:rPr lang="en-GB" dirty="0"/>
-              <a:t>…</a:t>
-            </a:r>
-            <a:endParaRPr lang="en-US" dirty="0"/>
-          </a:p>
-          <a:p>
-            <a:pPr lvl="0"/>
-            <a:r>
-              <a:rPr lang="en-GB" dirty="0"/>
-              <a:t>…</a:t>
-            </a:r>
-            <a:endParaRPr lang="en-US" dirty="0"/>
-          </a:p>
-          <a:p>
-            <a:pPr lvl="0"/>
+          <a:lstStyle/>
+          <a:p>
+            <a:r>
+              <a:rPr lang="ru-RU" dirty="0"/>
+              <a:t>͏Търсене и запазване на информация от </a:t>
+            </a:r>
+            <a:r>
+              <a:rPr lang="ru-RU" dirty="0" smtClean="0"/>
+              <a:t>интернет</a:t>
+            </a:r>
             <a:endParaRPr lang="en-US" dirty="0"/>
           </a:p>
         </p:txBody>
       </p:sp>
-      <p:sp>
-        <p:nvSpPr>
-          <p:cNvPr id="4" name="Title 3"/>
-          <p:cNvSpPr>
-            <a:spLocks noGrp="1"/>
-          </p:cNvSpPr>
-          <p:nvPr>
-            <p:ph type="title"/>
-          </p:nvPr>
-        </p:nvSpPr>
-        <p:spPr/>
-        <p:txBody>
-          <a:bodyPr>
-            <a:normAutofit/>
-          </a:bodyPr>
-          <a:lstStyle/>
-          <a:p>
-            <a:r>
-              <a:rPr lang="bg-BG" dirty="0"/>
-              <a:t>Какво научихме днес?</a:t>
-            </a:r>
-            <a:endParaRPr lang="en-US" dirty="0"/>
-          </a:p>
-        </p:txBody>
-      </p:sp>
-      <p:sp>
-        <p:nvSpPr>
-          <p:cNvPr id="6" name="Slide Number Placeholder 5"/>
-          <p:cNvSpPr>
-            <a:spLocks noGrp="1"/>
-          </p:cNvSpPr>
-          <p:nvPr>
-            <p:ph type="sldNum" sz="quarter" idx="13"/>
-          </p:nvPr>
-        </p:nvSpPr>
+      <p:pic>
+        <p:nvPicPr>
+          <p:cNvPr id="8" name="Picture 7"/>
+          <p:cNvPicPr>
+            <a:picLocks noChangeAspect="1"/>
+          </p:cNvPicPr>
+          <p:nvPr/>
+        </p:nvPicPr>
+        <p:blipFill>
+          <a:blip r:embed="rId2">
+            <a:extLst>
+              <a:ext uri="{28A0092B-C50C-407E-A947-70E740481C1C}">
+                <a14:useLocalDpi xmlns:a14="http://schemas.microsoft.com/office/drawing/2010/main" val="0"/>
+              </a:ext>
+            </a:extLst>
+          </a:blip>
+          <a:stretch>
+            <a:fillRect/>
+          </a:stretch>
+        </p:blipFill>
         <p:spPr>
           <a:xfrm>
-            <a:off x="11566412" y="6397196"/>
-            <a:ext cx="428822" cy="308845"/>
+            <a:off x="4659750" y="1179000"/>
+            <a:ext cx="2872500" cy="2872500"/>
           </a:xfrm>
           <a:prstGeom prst="rect">
             <a:avLst/>
           </a:prstGeom>
         </p:spPr>
-        <p:txBody>
-          <a:bodyPr vert="horz" lIns="36000" tIns="36000" rIns="36000" bIns="36000" rtlCol="0" anchor="ctr"/>
-          <a:lstStyle>
-            <a:defPPr>
-              <a:defRPr lang="en-US"/>
-            </a:defPPr>
-            <a:lvl1pPr marL="0" algn="r" defTabSz="914400" rtl="0" eaLnBrk="1" latinLnBrk="0" hangingPunct="1">
-              <a:defRPr sz="1000" kern="1200">
-                <a:solidFill>
-                  <a:schemeClr val="tx1"/>
-                </a:solidFill>
-                <a:latin typeface="+mn-lt"/>
-                <a:ea typeface="+mn-ea"/>
-                <a:cs typeface="+mn-cs"/>
-              </a:defRPr>
-            </a:lvl1pPr>
-            <a:lvl2pPr marL="457200" algn="l" defTabSz="914400" rtl="0" eaLnBrk="1" latinLnBrk="0" hangingPunct="1">
-              <a:defRPr sz="1800" kern="1200">
-                <a:solidFill>
-                  <a:schemeClr val="tx1"/>
-                </a:solidFill>
-                <a:latin typeface="+mn-lt"/>
-                <a:ea typeface="+mn-ea"/>
-                <a:cs typeface="+mn-cs"/>
-              </a:defRPr>
-            </a:lvl2pPr>
-            <a:lvl3pPr marL="914400" algn="l" defTabSz="914400" rtl="0" eaLnBrk="1" latinLnBrk="0" hangingPunct="1">
-              <a:defRPr sz="1800" kern="1200">
-                <a:solidFill>
-                  <a:schemeClr val="tx1"/>
-                </a:solidFill>
-                <a:latin typeface="+mn-lt"/>
-                <a:ea typeface="+mn-ea"/>
-                <a:cs typeface="+mn-cs"/>
-              </a:defRPr>
-            </a:lvl3pPr>
-            <a:lvl4pPr marL="1371600" algn="l" defTabSz="914400" rtl="0" eaLnBrk="1" latinLnBrk="0" hangingPunct="1">
-              <a:defRPr sz="1800" kern="1200">
-                <a:solidFill>
-                  <a:schemeClr val="tx1"/>
-                </a:solidFill>
-                <a:latin typeface="+mn-lt"/>
-                <a:ea typeface="+mn-ea"/>
-                <a:cs typeface="+mn-cs"/>
-              </a:defRPr>
-            </a:lvl4pPr>
-            <a:lvl5pPr marL="1828800" algn="l" defTabSz="914400" rtl="0" eaLnBrk="1" latinLnBrk="0" hangingPunct="1">
-              <a:defRPr sz="1800" kern="1200">
-                <a:solidFill>
-                  <a:schemeClr val="tx1"/>
-                </a:solidFill>
-                <a:latin typeface="+mn-lt"/>
-                <a:ea typeface="+mn-ea"/>
-                <a:cs typeface="+mn-cs"/>
-              </a:defRPr>
-            </a:lvl5pPr>
-            <a:lvl6pPr marL="2286000" algn="l" defTabSz="914400" rtl="0" eaLnBrk="1" latinLnBrk="0" hangingPunct="1">
-              <a:defRPr sz="1800" kern="1200">
-                <a:solidFill>
-                  <a:schemeClr val="tx1"/>
-                </a:solidFill>
-                <a:latin typeface="+mn-lt"/>
-                <a:ea typeface="+mn-ea"/>
-                <a:cs typeface="+mn-cs"/>
-              </a:defRPr>
-            </a:lvl6pPr>
-            <a:lvl7pPr marL="2743200" algn="l" defTabSz="914400" rtl="0" eaLnBrk="1" latinLnBrk="0" hangingPunct="1">
-              <a:defRPr sz="1800" kern="1200">
-                <a:solidFill>
-                  <a:schemeClr val="tx1"/>
-                </a:solidFill>
-                <a:latin typeface="+mn-lt"/>
-                <a:ea typeface="+mn-ea"/>
-                <a:cs typeface="+mn-cs"/>
-              </a:defRPr>
-            </a:lvl7pPr>
-            <a:lvl8pPr marL="3200400" algn="l" defTabSz="914400" rtl="0" eaLnBrk="1" latinLnBrk="0" hangingPunct="1">
-              <a:defRPr sz="1800" kern="1200">
-                <a:solidFill>
-                  <a:schemeClr val="tx1"/>
-                </a:solidFill>
-                <a:latin typeface="+mn-lt"/>
-                <a:ea typeface="+mn-ea"/>
-                <a:cs typeface="+mn-cs"/>
-              </a:defRPr>
-            </a:lvl8pPr>
-            <a:lvl9pPr marL="3657600" algn="l" defTabSz="914400" rtl="0" eaLnBrk="1" latinLnBrk="0" hangingPunct="1">
-              <a:defRPr sz="1800" kern="1200">
-                <a:solidFill>
-                  <a:schemeClr val="tx1"/>
-                </a:solidFill>
-                <a:latin typeface="+mn-lt"/>
-                <a:ea typeface="+mn-ea"/>
-                <a:cs typeface="+mn-cs"/>
-              </a:defRPr>
-            </a:lvl9pPr>
-          </a:lstStyle>
-          <a:p>
-            <a:fld id="{C014DD1E-5D91-48A3-AD6D-45FBA980D106}" type="slidenum">
-              <a:rPr lang="en-US" smtClean="0"/>
-              <a:pPr/>
-              <a:t>6</a:t>
-            </a:fld>
-            <a:endParaRPr lang="en-US" dirty="0"/>
-          </a:p>
-        </p:txBody>
-      </p:sp>
-      <p:grpSp>
-        <p:nvGrpSpPr>
-          <p:cNvPr id="9" name="Group 8">
-            <a:extLst>
-              <a:ext uri="{FF2B5EF4-FFF2-40B4-BE49-F238E27FC236}">
-                <a16:creationId xmlns:a16="http://schemas.microsoft.com/office/drawing/2014/main" id="{EBAFE522-EB7D-4931-A015-9A7E8A98517D}"/>
-              </a:ext>
-            </a:extLst>
-          </p:cNvPr>
-          <p:cNvGrpSpPr/>
-          <p:nvPr/>
-        </p:nvGrpSpPr>
-        <p:grpSpPr>
-          <a:xfrm>
-            <a:off x="196766" y="1314000"/>
-            <a:ext cx="11798468" cy="5300339"/>
-            <a:chOff x="472011" y="1508786"/>
-            <a:chExt cx="3799787" cy="4865561"/>
-          </a:xfrm>
-        </p:grpSpPr>
-        <p:sp>
-          <p:nvSpPr>
-            <p:cNvPr id="10" name="Rounded Rectangle 10">
-              <a:extLst>
-                <a:ext uri="{FF2B5EF4-FFF2-40B4-BE49-F238E27FC236}">
-                  <a16:creationId xmlns:a16="http://schemas.microsoft.com/office/drawing/2014/main" id="{18F78F23-3D09-4B63-8DF9-D49CFBB145EE}"/>
-                </a:ext>
-              </a:extLst>
-            </p:cNvPr>
-            <p:cNvSpPr/>
-            <p:nvPr userDrawn="1"/>
-          </p:nvSpPr>
-          <p:spPr>
-            <a:xfrm>
-              <a:off x="472011" y="1508786"/>
-              <a:ext cx="3799787" cy="4865561"/>
-            </a:xfrm>
-            <a:prstGeom prst="roundRect">
-              <a:avLst>
-                <a:gd name="adj" fmla="val 3968"/>
-              </a:avLst>
-            </a:prstGeom>
-            <a:solidFill>
-              <a:schemeClr val="tx2"/>
-            </a:solidFill>
-            <a:ln>
-              <a:noFill/>
-            </a:ln>
-          </p:spPr>
-          <p:style>
-            <a:lnRef idx="2">
-              <a:schemeClr val="accent1">
-                <a:shade val="50000"/>
-              </a:schemeClr>
-            </a:lnRef>
-            <a:fillRef idx="1">
-              <a:schemeClr val="accent1"/>
-            </a:fillRef>
-            <a:effectRef idx="0">
-              <a:schemeClr val="accent1"/>
-            </a:effectRef>
-            <a:fontRef idx="minor">
-              <a:schemeClr val="lt1"/>
-            </a:fontRef>
-          </p:style>
-          <p:txBody>
-            <a:bodyPr rtlCol="0" anchor="ctr"/>
-            <a:lstStyle/>
-            <a:p>
-              <a:pPr algn="ctr"/>
-              <a:endParaRPr lang="ko-KR" altLang="en-US" sz="2399" dirty="0"/>
-            </a:p>
-          </p:txBody>
-        </p:sp>
-        <p:sp>
-          <p:nvSpPr>
-            <p:cNvPr id="11" name="Rounded Rectangle 16">
-              <a:extLst>
-                <a:ext uri="{FF2B5EF4-FFF2-40B4-BE49-F238E27FC236}">
-                  <a16:creationId xmlns:a16="http://schemas.microsoft.com/office/drawing/2014/main" id="{F12C06CE-2BBE-46C2-B718-813794C58DF9}"/>
-                </a:ext>
-              </a:extLst>
-            </p:cNvPr>
-            <p:cNvSpPr/>
-            <p:nvPr userDrawn="1"/>
-          </p:nvSpPr>
-          <p:spPr>
-            <a:xfrm>
-              <a:off x="540767" y="1781251"/>
-              <a:ext cx="85794" cy="4320631"/>
-            </a:xfrm>
-            <a:prstGeom prst="roundRect">
-              <a:avLst>
-                <a:gd name="adj" fmla="val 50000"/>
-              </a:avLst>
-            </a:prstGeom>
-            <a:solidFill>
-              <a:schemeClr val="bg2">
-                <a:alpha val="41000"/>
-              </a:schemeClr>
-            </a:solidFill>
-            <a:ln>
-              <a:noFill/>
-            </a:ln>
-          </p:spPr>
-          <p:style>
-            <a:lnRef idx="2">
-              <a:schemeClr val="accent1">
-                <a:shade val="50000"/>
-              </a:schemeClr>
-            </a:lnRef>
-            <a:fillRef idx="1">
-              <a:schemeClr val="accent1"/>
-            </a:fillRef>
-            <a:effectRef idx="0">
-              <a:schemeClr val="accent1"/>
-            </a:effectRef>
-            <a:fontRef idx="minor">
-              <a:schemeClr val="lt1"/>
-            </a:fontRef>
-          </p:style>
-          <p:txBody>
-            <a:bodyPr rtlCol="0" anchor="ctr"/>
-            <a:lstStyle/>
-            <a:p>
-              <a:pPr algn="ctr"/>
-              <a:endParaRPr lang="ko-KR" altLang="en-US" sz="2399">
-                <a:solidFill>
-                  <a:schemeClr val="bg1"/>
-                </a:solidFill>
-              </a:endParaRPr>
-            </a:p>
-          </p:txBody>
-        </p:sp>
-        <p:sp>
-          <p:nvSpPr>
-            <p:cNvPr id="12" name="Half Frame 11">
-              <a:extLst>
-                <a:ext uri="{FF2B5EF4-FFF2-40B4-BE49-F238E27FC236}">
-                  <a16:creationId xmlns:a16="http://schemas.microsoft.com/office/drawing/2014/main" id="{66CDBB1E-AF3C-43FC-9F34-2DD691F81726}"/>
-                </a:ext>
-              </a:extLst>
-            </p:cNvPr>
-            <p:cNvSpPr/>
-            <p:nvPr userDrawn="1"/>
-          </p:nvSpPr>
-          <p:spPr>
-            <a:xfrm rot="5400000">
-              <a:off x="3762569" y="1912372"/>
-              <a:ext cx="669775" cy="238503"/>
-            </a:xfrm>
-            <a:prstGeom prst="halfFrame">
-              <a:avLst>
-                <a:gd name="adj1" fmla="val 23728"/>
-                <a:gd name="adj2" fmla="val 24642"/>
-              </a:avLst>
-            </a:prstGeom>
-            <a:solidFill>
-              <a:schemeClr val="bg2">
-                <a:alpha val="23000"/>
-              </a:schemeClr>
-            </a:solidFill>
-            <a:ln>
-              <a:noFill/>
-            </a:ln>
-          </p:spPr>
-          <p:style>
-            <a:lnRef idx="2">
-              <a:schemeClr val="accent1">
-                <a:shade val="50000"/>
-              </a:schemeClr>
-            </a:lnRef>
-            <a:fillRef idx="1">
-              <a:schemeClr val="accent1"/>
-            </a:fillRef>
-            <a:effectRef idx="0">
-              <a:schemeClr val="accent1"/>
-            </a:effectRef>
-            <a:fontRef idx="minor">
-              <a:schemeClr val="lt1"/>
-            </a:fontRef>
-          </p:style>
-          <p:txBody>
-            <a:bodyPr rtlCol="0" anchor="ctr"/>
-            <a:lstStyle/>
-            <a:p>
-              <a:pPr algn="ctr"/>
-              <a:endParaRPr lang="ko-KR" altLang="en-US" sz="2399">
-                <a:solidFill>
-                  <a:schemeClr val="tx1"/>
-                </a:solidFill>
-              </a:endParaRPr>
-            </a:p>
-          </p:txBody>
-        </p:sp>
-      </p:grpSp>
-      <p:sp>
-        <p:nvSpPr>
-          <p:cNvPr id="15" name="Content Placeholder 4">
-            <a:extLst>
-              <a:ext uri="{FF2B5EF4-FFF2-40B4-BE49-F238E27FC236}">
-                <a16:creationId xmlns:a16="http://schemas.microsoft.com/office/drawing/2014/main" id="{B96A0DF8-27E7-4DC8-BBE3-7238AAAEB845}"/>
-              </a:ext>
-            </a:extLst>
-          </p:cNvPr>
-          <p:cNvSpPr txBox="1">
-            <a:spLocks/>
-          </p:cNvSpPr>
-          <p:nvPr/>
-        </p:nvSpPr>
-        <p:spPr>
-          <a:xfrm>
-            <a:off x="668236" y="1610812"/>
-            <a:ext cx="11113508" cy="4894130"/>
-          </a:xfrm>
-          <a:prstGeom prst="rect">
-            <a:avLst/>
-          </a:prstGeom>
-        </p:spPr>
-        <p:txBody>
-          <a:bodyPr vert="horz" lIns="108000" tIns="36000" rIns="108000" bIns="36000" rtlCol="0">
-            <a:noAutofit/>
-          </a:bodyPr>
-          <a:lstStyle>
-            <a:lvl1pPr marL="456915" indent="-456915" algn="l" defTabSz="1218438" rtl="0" eaLnBrk="1" latinLnBrk="0" hangingPunct="1">
-              <a:lnSpc>
-                <a:spcPct val="105000"/>
-              </a:lnSpc>
-              <a:spcBef>
-                <a:spcPts val="600"/>
-              </a:spcBef>
-              <a:spcAft>
-                <a:spcPts val="600"/>
-              </a:spcAft>
-              <a:buFont typeface="Wingdings" panose="05000000000000000000" pitchFamily="2" charset="2"/>
-              <a:buChar char="§"/>
-              <a:defRPr sz="3398" kern="1200">
-                <a:solidFill>
-                  <a:schemeClr val="tx1"/>
-                </a:solidFill>
-                <a:latin typeface="+mn-lt"/>
-                <a:ea typeface="+mn-ea"/>
-                <a:cs typeface="+mn-cs"/>
-              </a:defRPr>
-            </a:lvl1pPr>
-            <a:lvl2pPr marL="989981" indent="-380762" algn="l" defTabSz="1218438" rtl="0" eaLnBrk="1" latinLnBrk="0" hangingPunct="1">
-              <a:lnSpc>
-                <a:spcPct val="105000"/>
-              </a:lnSpc>
-              <a:spcBef>
-                <a:spcPts val="600"/>
-              </a:spcBef>
-              <a:spcAft>
-                <a:spcPts val="600"/>
-              </a:spcAft>
-              <a:buFont typeface="Wingdings" panose="05000000000000000000" pitchFamily="2" charset="2"/>
-              <a:buChar char="§"/>
-              <a:defRPr sz="3198" kern="1200">
-                <a:solidFill>
-                  <a:schemeClr val="tx1"/>
-                </a:solidFill>
-                <a:latin typeface="+mn-lt"/>
-                <a:ea typeface="+mn-ea"/>
-                <a:cs typeface="+mn-cs"/>
-              </a:defRPr>
-            </a:lvl2pPr>
-            <a:lvl3pPr marL="1523048" indent="-304610" algn="l" defTabSz="1218438" rtl="0" eaLnBrk="1" latinLnBrk="0" hangingPunct="1">
-              <a:lnSpc>
-                <a:spcPct val="105000"/>
-              </a:lnSpc>
-              <a:spcBef>
-                <a:spcPts val="600"/>
-              </a:spcBef>
-              <a:spcAft>
-                <a:spcPts val="600"/>
-              </a:spcAft>
-              <a:buFont typeface="Wingdings" panose="05000000000000000000" pitchFamily="2" charset="2"/>
-              <a:buChar char="§"/>
-              <a:defRPr sz="2998" kern="1200">
-                <a:solidFill>
-                  <a:schemeClr val="tx1"/>
-                </a:solidFill>
-                <a:latin typeface="+mn-lt"/>
-                <a:ea typeface="+mn-ea"/>
-                <a:cs typeface="+mn-cs"/>
-              </a:defRPr>
-            </a:lvl3pPr>
-            <a:lvl4pPr marL="2132267" indent="-304610" algn="l" defTabSz="1218438" rtl="0" eaLnBrk="1" latinLnBrk="0" hangingPunct="1">
-              <a:lnSpc>
-                <a:spcPct val="105000"/>
-              </a:lnSpc>
-              <a:spcBef>
-                <a:spcPts val="600"/>
-              </a:spcBef>
-              <a:spcAft>
-                <a:spcPts val="600"/>
-              </a:spcAft>
-              <a:buFont typeface="Wingdings" panose="05000000000000000000" pitchFamily="2" charset="2"/>
-              <a:buChar char="§"/>
-              <a:defRPr sz="2798" kern="1200">
-                <a:solidFill>
-                  <a:schemeClr val="tx1"/>
-                </a:solidFill>
-                <a:latin typeface="+mn-lt"/>
-                <a:ea typeface="+mn-ea"/>
-                <a:cs typeface="+mn-cs"/>
-              </a:defRPr>
-            </a:lvl4pPr>
-            <a:lvl5pPr marL="2741485" indent="-304610" algn="l" defTabSz="1218438" rtl="0" eaLnBrk="1" latinLnBrk="0" hangingPunct="1">
-              <a:lnSpc>
-                <a:spcPct val="105000"/>
-              </a:lnSpc>
-              <a:spcBef>
-                <a:spcPts val="600"/>
-              </a:spcBef>
-              <a:spcAft>
-                <a:spcPts val="600"/>
-              </a:spcAft>
-              <a:buFont typeface="Wingdings" panose="05000000000000000000" pitchFamily="2" charset="2"/>
-              <a:buChar char="§"/>
-              <a:defRPr sz="2598" kern="1200">
-                <a:solidFill>
-                  <a:schemeClr val="tx1"/>
-                </a:solidFill>
-                <a:latin typeface="+mn-lt"/>
-                <a:ea typeface="+mn-ea"/>
-                <a:cs typeface="+mn-cs"/>
-              </a:defRPr>
-            </a:lvl5pPr>
-            <a:lvl6pPr marL="3350704" indent="-304610" algn="l" defTabSz="1218438" rtl="0" eaLnBrk="1" latinLnBrk="0" hangingPunct="1">
-              <a:spcBef>
-                <a:spcPct val="20000"/>
-              </a:spcBef>
-              <a:buFont typeface="Arial" pitchFamily="34" charset="0"/>
-              <a:buChar char="•"/>
-              <a:defRPr sz="2665" kern="1200">
-                <a:solidFill>
-                  <a:schemeClr val="tx1"/>
-                </a:solidFill>
-                <a:latin typeface="+mn-lt"/>
-                <a:ea typeface="+mn-ea"/>
-                <a:cs typeface="+mn-cs"/>
-              </a:defRPr>
-            </a:lvl6pPr>
-            <a:lvl7pPr marL="3959924" indent="-304610" algn="l" defTabSz="1218438" rtl="0" eaLnBrk="1" latinLnBrk="0" hangingPunct="1">
-              <a:spcBef>
-                <a:spcPct val="20000"/>
-              </a:spcBef>
-              <a:buFont typeface="Arial" pitchFamily="34" charset="0"/>
-              <a:buChar char="•"/>
-              <a:defRPr sz="2665" kern="1200">
-                <a:solidFill>
-                  <a:schemeClr val="tx1"/>
-                </a:solidFill>
-                <a:latin typeface="+mn-lt"/>
-                <a:ea typeface="+mn-ea"/>
-                <a:cs typeface="+mn-cs"/>
-              </a:defRPr>
-            </a:lvl7pPr>
-            <a:lvl8pPr marL="4569143" indent="-304610" algn="l" defTabSz="1218438" rtl="0" eaLnBrk="1" latinLnBrk="0" hangingPunct="1">
-              <a:spcBef>
-                <a:spcPct val="20000"/>
-              </a:spcBef>
-              <a:buFont typeface="Arial" pitchFamily="34" charset="0"/>
-              <a:buChar char="•"/>
-              <a:defRPr sz="2665" kern="1200">
-                <a:solidFill>
-                  <a:schemeClr val="tx1"/>
-                </a:solidFill>
-                <a:latin typeface="+mn-lt"/>
-                <a:ea typeface="+mn-ea"/>
-                <a:cs typeface="+mn-cs"/>
-              </a:defRPr>
-            </a:lvl8pPr>
-            <a:lvl9pPr marL="5178362" indent="-304610" algn="l" defTabSz="1218438" rtl="0" eaLnBrk="1" latinLnBrk="0" hangingPunct="1">
-              <a:spcBef>
-                <a:spcPct val="20000"/>
-              </a:spcBef>
-              <a:buFont typeface="Arial" pitchFamily="34" charset="0"/>
-              <a:buChar char="•"/>
-              <a:defRPr sz="2665" kern="1200">
-                <a:solidFill>
-                  <a:schemeClr val="tx1"/>
-                </a:solidFill>
-                <a:latin typeface="+mn-lt"/>
-                <a:ea typeface="+mn-ea"/>
-                <a:cs typeface="+mn-cs"/>
-              </a:defRPr>
-            </a:lvl9pPr>
-          </a:lstStyle>
-          <a:p>
-            <a:pPr marL="355600" indent="-355600">
-              <a:lnSpc>
-                <a:spcPct val="100000"/>
-              </a:lnSpc>
-              <a:buClr>
-                <a:schemeClr val="bg2"/>
-              </a:buClr>
-            </a:pPr>
-            <a:r>
-              <a:rPr lang="en-US" sz="2800" b="1" dirty="0" smtClean="0">
-                <a:solidFill>
-                  <a:schemeClr val="accent1">
-                    <a:lumMod val="60000"/>
-                    <a:lumOff val="40000"/>
-                  </a:schemeClr>
-                </a:solidFill>
-              </a:rPr>
-              <a:t>TODO</a:t>
-            </a:r>
-            <a:endParaRPr lang="ru-RU" sz="2800" b="1" dirty="0" smtClean="0">
-              <a:solidFill>
-                <a:schemeClr val="bg2"/>
-              </a:solidFill>
-            </a:endParaRPr>
-          </a:p>
-        </p:txBody>
-      </p:sp>
+      </p:pic>
     </p:spTree>
     <p:extLst>
       <p:ext uri="{BB962C8B-B14F-4D97-AF65-F5344CB8AC3E}">
-        <p14:creationId xmlns:p14="http://schemas.microsoft.com/office/powerpoint/2010/main" val="3528394487"/>
+        <p14:creationId xmlns:p14="http://schemas.microsoft.com/office/powerpoint/2010/main" val="2164369521"/>
       </p:ext>
     </p:extLst>
   </p:cSld>
@@ -9494,13 +10301,448 @@
       </p:grpSpPr>
       <p:sp>
         <p:nvSpPr>
-          <p:cNvPr id="5" name="Slide Title">
-            <a:extLst>
-              <a:ext uri="{FF2B5EF4-FFF2-40B4-BE49-F238E27FC236}">
-                <a16:creationId xmlns:a16="http://schemas.microsoft.com/office/drawing/2014/main" id="{FA0703FC-0F8F-4C80-A615-E4B381EC0E0C}"/>
-              </a:ext>
-            </a:extLst>
-          </p:cNvPr>
+          <p:cNvPr id="30" name="Rectangle 29"/>
+          <p:cNvSpPr/>
+          <p:nvPr/>
+        </p:nvSpPr>
+        <p:spPr bwMode="auto">
+          <a:xfrm>
+            <a:off x="3459106" y="5201419"/>
+            <a:ext cx="5265000" cy="396086"/>
+          </a:xfrm>
+          <a:prstGeom prst="rect">
+            <a:avLst/>
+          </a:prstGeom>
+          <a:solidFill>
+            <a:schemeClr val="accent3">
+              <a:alpha val="80000"/>
+            </a:schemeClr>
+          </a:solidFill>
+          <a:ln w="19050">
+            <a:noFill/>
+          </a:ln>
+          <a:effectLst/>
+        </p:spPr>
+        <p:style>
+          <a:lnRef idx="2">
+            <a:schemeClr val="accent1">
+              <a:shade val="50000"/>
+            </a:schemeClr>
+          </a:lnRef>
+          <a:fillRef idx="1001">
+            <a:schemeClr val="dk2"/>
+          </a:fillRef>
+          <a:effectRef idx="0">
+            <a:schemeClr val="accent1"/>
+          </a:effectRef>
+          <a:fontRef idx="minor">
+            <a:schemeClr val="lt1"/>
+          </a:fontRef>
+        </p:style>
+        <p:txBody>
+          <a:bodyPr rot="0" spcFirstLastPara="0" vertOverflow="overflow" horzOverflow="overflow" vert="horz" wrap="square" lIns="91440" tIns="45720" rIns="91440" bIns="45720" numCol="1" spcCol="0" rtlCol="0" fromWordArt="0" anchor="ctr" anchorCtr="0" forceAA="0" compatLnSpc="1">
+            <a:prstTxWarp prst="textNoShape">
+              <a:avLst/>
+            </a:prstTxWarp>
+            <a:noAutofit/>
+          </a:bodyPr>
+          <a:lstStyle/>
+          <a:p>
+            <a:pPr algn="ctr"/>
+            <a:endParaRPr lang="en-US" sz="2800" b="1" dirty="0">
+              <a:solidFill>
+                <a:srgbClr val="FFFFFF"/>
+              </a:solidFill>
+              <a:effectLst>
+                <a:outerShdw blurRad="38100" dist="38100" dir="2700000" algn="tl">
+                  <a:srgbClr val="000000">
+                    <a:alpha val="43137"/>
+                  </a:srgbClr>
+                </a:outerShdw>
+              </a:effectLst>
+            </a:endParaRPr>
+          </a:p>
+        </p:txBody>
+      </p:sp>
+      <p:sp>
+        <p:nvSpPr>
+          <p:cNvPr id="33" name="Rectangle 32"/>
+          <p:cNvSpPr/>
+          <p:nvPr/>
+        </p:nvSpPr>
+        <p:spPr bwMode="auto">
+          <a:xfrm>
+            <a:off x="3570701" y="5639533"/>
+            <a:ext cx="5040000" cy="396969"/>
+          </a:xfrm>
+          <a:prstGeom prst="rect">
+            <a:avLst/>
+          </a:prstGeom>
+          <a:solidFill>
+            <a:schemeClr val="accent3">
+              <a:alpha val="80000"/>
+            </a:schemeClr>
+          </a:solidFill>
+          <a:ln w="19050">
+            <a:noFill/>
+          </a:ln>
+          <a:effectLst/>
+        </p:spPr>
+        <p:style>
+          <a:lnRef idx="2">
+            <a:schemeClr val="accent1">
+              <a:shade val="50000"/>
+            </a:schemeClr>
+          </a:lnRef>
+          <a:fillRef idx="1001">
+            <a:schemeClr val="dk2"/>
+          </a:fillRef>
+          <a:effectRef idx="0">
+            <a:schemeClr val="accent1"/>
+          </a:effectRef>
+          <a:fontRef idx="minor">
+            <a:schemeClr val="lt1"/>
+          </a:fontRef>
+        </p:style>
+        <p:txBody>
+          <a:bodyPr rot="0" spcFirstLastPara="0" vertOverflow="overflow" horzOverflow="overflow" vert="horz" wrap="square" lIns="91440" tIns="45720" rIns="91440" bIns="45720" numCol="1" spcCol="0" rtlCol="0" fromWordArt="0" anchor="ctr" anchorCtr="0" forceAA="0" compatLnSpc="1">
+            <a:prstTxWarp prst="textNoShape">
+              <a:avLst/>
+            </a:prstTxWarp>
+            <a:noAutofit/>
+          </a:bodyPr>
+          <a:lstStyle/>
+          <a:p>
+            <a:pPr algn="ctr"/>
+            <a:endParaRPr lang="en-US" sz="2800" b="1" dirty="0">
+              <a:solidFill>
+                <a:srgbClr val="FFFFFF"/>
+              </a:solidFill>
+              <a:effectLst>
+                <a:outerShdw blurRad="38100" dist="38100" dir="2700000" algn="tl">
+                  <a:srgbClr val="000000">
+                    <a:alpha val="43137"/>
+                  </a:srgbClr>
+                </a:outerShdw>
+              </a:effectLst>
+            </a:endParaRPr>
+          </a:p>
+        </p:txBody>
+      </p:sp>
+      <p:sp>
+        <p:nvSpPr>
+          <p:cNvPr id="34" name="Rectangle 33"/>
+          <p:cNvSpPr/>
+          <p:nvPr/>
+        </p:nvSpPr>
+        <p:spPr bwMode="auto">
+          <a:xfrm>
+            <a:off x="3711000" y="6078530"/>
+            <a:ext cx="4770000" cy="365469"/>
+          </a:xfrm>
+          <a:prstGeom prst="rect">
+            <a:avLst/>
+          </a:prstGeom>
+          <a:solidFill>
+            <a:schemeClr val="accent3">
+              <a:alpha val="80000"/>
+            </a:schemeClr>
+          </a:solidFill>
+          <a:ln w="19050">
+            <a:noFill/>
+          </a:ln>
+          <a:effectLst/>
+        </p:spPr>
+        <p:style>
+          <a:lnRef idx="2">
+            <a:schemeClr val="accent1">
+              <a:shade val="50000"/>
+            </a:schemeClr>
+          </a:lnRef>
+          <a:fillRef idx="1001">
+            <a:schemeClr val="dk2"/>
+          </a:fillRef>
+          <a:effectRef idx="0">
+            <a:schemeClr val="accent1"/>
+          </a:effectRef>
+          <a:fontRef idx="minor">
+            <a:schemeClr val="lt1"/>
+          </a:fontRef>
+        </p:style>
+        <p:txBody>
+          <a:bodyPr rot="0" spcFirstLastPara="0" vertOverflow="overflow" horzOverflow="overflow" vert="horz" wrap="square" lIns="91440" tIns="45720" rIns="91440" bIns="45720" numCol="1" spcCol="0" rtlCol="0" fromWordArt="0" anchor="ctr" anchorCtr="0" forceAA="0" compatLnSpc="1">
+            <a:prstTxWarp prst="textNoShape">
+              <a:avLst/>
+            </a:prstTxWarp>
+            <a:noAutofit/>
+          </a:bodyPr>
+          <a:lstStyle/>
+          <a:p>
+            <a:pPr algn="ctr"/>
+            <a:endParaRPr lang="en-US" sz="2800" b="1" dirty="0">
+              <a:solidFill>
+                <a:srgbClr val="FFFFFF"/>
+              </a:solidFill>
+              <a:effectLst>
+                <a:outerShdw blurRad="38100" dist="38100" dir="2700000" algn="tl">
+                  <a:srgbClr val="000000">
+                    <a:alpha val="43137"/>
+                  </a:srgbClr>
+                </a:outerShdw>
+              </a:effectLst>
+            </a:endParaRPr>
+          </a:p>
+        </p:txBody>
+      </p:sp>
+      <p:sp>
+        <p:nvSpPr>
+          <p:cNvPr id="15" name="TextBox 14"/>
+          <p:cNvSpPr txBox="1"/>
+          <p:nvPr/>
+        </p:nvSpPr>
+        <p:spPr>
+          <a:xfrm>
+            <a:off x="3352050" y="5068229"/>
+            <a:ext cx="5487901" cy="1510771"/>
+          </a:xfrm>
+          <a:prstGeom prst="rect">
+            <a:avLst/>
+          </a:prstGeom>
+          <a:solidFill>
+            <a:schemeClr val="accent6">
+              <a:lumMod val="75000"/>
+              <a:alpha val="15000"/>
+            </a:schemeClr>
+          </a:solidFill>
+          <a:ln w="12700">
+            <a:solidFill>
+              <a:schemeClr val="tx1">
+                <a:lumMod val="75000"/>
+              </a:schemeClr>
+            </a:solidFill>
+          </a:ln>
+        </p:spPr>
+        <p:txBody>
+          <a:bodyPr vert="horz" wrap="square" lIns="144000" tIns="108000" rIns="144000" bIns="108000" rtlCol="0">
+            <a:spAutoFit/>
+          </a:bodyPr>
+          <a:lstStyle/>
+          <a:p>
+            <a:pPr algn="ctr"/>
+            <a:r>
+              <a:rPr lang="ru-RU" sz="2800" i="1" dirty="0"/>
+              <a:t>Две хубави очи. Душата на дете</a:t>
+            </a:r>
+            <a:br>
+              <a:rPr lang="ru-RU" sz="2800" i="1" dirty="0"/>
+            </a:br>
+            <a:r>
+              <a:rPr lang="ru-RU" sz="2800" i="1" dirty="0"/>
+              <a:t>в две хубави очи; -музика – лъчи</a:t>
+            </a:r>
+            <a:br>
+              <a:rPr lang="ru-RU" sz="2800" i="1" dirty="0"/>
+            </a:br>
+            <a:r>
+              <a:rPr lang="ru-RU" sz="2800" i="1" dirty="0"/>
+              <a:t>Не искат и не обещават те</a:t>
+            </a:r>
+            <a:r>
+              <a:rPr lang="ru-RU" sz="2800" i="1" dirty="0" smtClean="0"/>
+              <a:t>…</a:t>
+            </a:r>
+            <a:endParaRPr lang="ru-RU" sz="2800" i="1" dirty="0"/>
+          </a:p>
+        </p:txBody>
+      </p:sp>
+      <p:sp>
+        <p:nvSpPr>
+          <p:cNvPr id="7" name="Text Placeholder 6"/>
+          <p:cNvSpPr>
+            <a:spLocks noGrp="1"/>
+          </p:cNvSpPr>
+          <p:nvPr>
+            <p:ph type="body" sz="quarter" idx="10"/>
+          </p:nvPr>
+        </p:nvSpPr>
+        <p:spPr>
+          <a:xfrm>
+            <a:off x="190402" y="1196125"/>
+            <a:ext cx="11800598" cy="5528766"/>
+          </a:xfrm>
+        </p:spPr>
+        <p:txBody>
+          <a:bodyPr/>
+          <a:lstStyle/>
+          <a:p>
+            <a:r>
+              <a:rPr lang="bg-BG" dirty="0" smtClean="0"/>
+              <a:t>За да </a:t>
+            </a:r>
+            <a:r>
+              <a:rPr lang="bg-BG" b="1" dirty="0" smtClean="0"/>
+              <a:t>копирате </a:t>
+            </a:r>
+            <a:r>
+              <a:rPr lang="bg-BG" dirty="0" smtClean="0"/>
+              <a:t>текстов материал от </a:t>
+            </a:r>
+            <a:r>
+              <a:rPr lang="bg-BG" b="1" dirty="0" smtClean="0"/>
+              <a:t>интернет</a:t>
+            </a:r>
+            <a:r>
+              <a:rPr lang="bg-BG" dirty="0" smtClean="0"/>
+              <a:t>, трябва да:</a:t>
+            </a:r>
+          </a:p>
+          <a:p>
+            <a:pPr lvl="1"/>
+            <a:r>
+              <a:rPr lang="bg-BG" b="1" dirty="0" smtClean="0"/>
+              <a:t>Маркирате </a:t>
+            </a:r>
+            <a:r>
+              <a:rPr lang="bg-BG" b="1" dirty="0"/>
+              <a:t>текста </a:t>
+            </a:r>
+            <a:r>
+              <a:rPr lang="bg-BG" dirty="0" smtClean="0"/>
+              <a:t>от уеб страница</a:t>
+            </a:r>
+          </a:p>
+          <a:p>
+            <a:pPr lvl="1"/>
+            <a:r>
+              <a:rPr lang="en-US" dirty="0" smtClean="0"/>
+              <a:t>K</a:t>
+            </a:r>
+            <a:r>
+              <a:rPr lang="bg-BG" dirty="0" smtClean="0"/>
+              <a:t>опирате с </a:t>
+            </a:r>
+            <a:r>
+              <a:rPr lang="bg-BG" b="1" dirty="0" smtClean="0"/>
+              <a:t>комбинацията</a:t>
+            </a:r>
+            <a:r>
+              <a:rPr lang="bg-BG" dirty="0" smtClean="0"/>
+              <a:t> </a:t>
+            </a:r>
+            <a:r>
+              <a:rPr lang="en-US" dirty="0" smtClean="0"/>
+              <a:t>[</a:t>
+            </a:r>
+            <a:r>
+              <a:rPr lang="en-US" b="1" dirty="0" smtClean="0">
+                <a:solidFill>
+                  <a:schemeClr val="bg1"/>
+                </a:solidFill>
+              </a:rPr>
+              <a:t>Ctrl</a:t>
+            </a:r>
+            <a:r>
+              <a:rPr lang="en-US" dirty="0" smtClean="0"/>
+              <a:t> + </a:t>
+            </a:r>
+            <a:r>
+              <a:rPr lang="en-US" b="1" dirty="0" smtClean="0">
+                <a:solidFill>
+                  <a:schemeClr val="bg1"/>
+                </a:solidFill>
+              </a:rPr>
+              <a:t>C</a:t>
+            </a:r>
+            <a:r>
+              <a:rPr lang="en-US" dirty="0" smtClean="0"/>
+              <a:t>]</a:t>
+            </a:r>
+            <a:r>
+              <a:rPr lang="bg-BG" dirty="0" smtClean="0"/>
+              <a:t> </a:t>
+            </a:r>
+            <a:r>
+              <a:rPr lang="bg-BG" dirty="0"/>
+              <a:t>или</a:t>
+            </a:r>
+            <a:r>
+              <a:rPr lang="en-US" dirty="0" smtClean="0"/>
+              <a:t> </a:t>
+            </a:r>
+            <a:r>
+              <a:rPr lang="bg-BG" b="1" dirty="0" smtClean="0"/>
+              <a:t>командата </a:t>
+            </a:r>
+            <a:r>
+              <a:rPr lang="en-US" b="1" dirty="0">
+                <a:solidFill>
+                  <a:schemeClr val="bg1"/>
+                </a:solidFill>
+              </a:rPr>
+              <a:t>Copy</a:t>
+            </a:r>
+            <a:r>
+              <a:rPr lang="en-US" b="1" dirty="0"/>
+              <a:t> </a:t>
+            </a:r>
+            <a:r>
+              <a:rPr lang="bg-BG" dirty="0"/>
+              <a:t>от </a:t>
+            </a:r>
+            <a:r>
+              <a:rPr lang="bg-BG" b="1" dirty="0"/>
+              <a:t>контекстното меню </a:t>
+            </a:r>
+            <a:endParaRPr lang="en-US" b="1" dirty="0" smtClean="0"/>
+          </a:p>
+          <a:p>
+            <a:r>
+              <a:rPr lang="bg-BG" dirty="0" smtClean="0"/>
+              <a:t>Така може да </a:t>
+            </a:r>
+            <a:r>
+              <a:rPr lang="bg-BG" b="1" dirty="0" smtClean="0"/>
+              <a:t>вмъкнете</a:t>
+            </a:r>
+            <a:r>
+              <a:rPr lang="bg-BG" dirty="0" smtClean="0"/>
+              <a:t> копирания </a:t>
+            </a:r>
+            <a:r>
+              <a:rPr lang="bg-BG" b="1" dirty="0" smtClean="0"/>
+              <a:t>текст</a:t>
+            </a:r>
+            <a:r>
+              <a:rPr lang="bg-BG" dirty="0" smtClean="0"/>
+              <a:t> в </a:t>
+            </a:r>
+            <a:r>
+              <a:rPr lang="bg-BG" b="1" dirty="0" smtClean="0"/>
+              <a:t>текстови документ</a:t>
+            </a:r>
+            <a:r>
+              <a:rPr lang="bg-BG" dirty="0" smtClean="0"/>
+              <a:t> и да го </a:t>
+            </a:r>
+            <a:r>
+              <a:rPr lang="bg-BG" b="1" dirty="0" smtClean="0"/>
+              <a:t>редактирате</a:t>
+            </a:r>
+            <a:r>
+              <a:rPr lang="bg-BG" dirty="0" smtClean="0"/>
+              <a:t> или </a:t>
+            </a:r>
+            <a:r>
+              <a:rPr lang="bg-BG" b="1" dirty="0" smtClean="0"/>
+              <a:t>форматирате</a:t>
+            </a:r>
+            <a:endParaRPr lang="en-US" b="1" dirty="0" smtClean="0"/>
+          </a:p>
+        </p:txBody>
+      </p:sp>
+      <p:sp>
+        <p:nvSpPr>
+          <p:cNvPr id="6" name="Title 5"/>
           <p:cNvSpPr>
             <a:spLocks noGrp="1"/>
           </p:cNvSpPr>
@@ -9514,140 +10756,117 @@
           <a:lstStyle/>
           <a:p>
             <a:r>
-              <a:rPr lang="bg-BG" dirty="0"/>
-              <a:t>Въпроси</a:t>
-            </a:r>
-            <a:r>
-              <a:rPr lang="en-US" dirty="0"/>
-              <a:t>?</a:t>
-            </a:r>
+              <a:rPr lang="bg-BG" dirty="0" smtClean="0"/>
+              <a:t>Копиране на текст от интернет</a:t>
+            </a:r>
+            <a:endParaRPr lang="en-US" dirty="0"/>
           </a:p>
         </p:txBody>
       </p:sp>
-      <p:sp>
-        <p:nvSpPr>
-          <p:cNvPr id="2" name="Rectangle Bottom Copyright">
+      <p:pic>
+        <p:nvPicPr>
+          <p:cNvPr id="2050" name="Picture 2" descr="Mouse Cursor Symbol on Transparent Background 17178335 PNG"/>
+          <p:cNvPicPr>
+            <a:picLocks noChangeAspect="1" noChangeArrowheads="1"/>
+          </p:cNvPicPr>
+          <p:nvPr/>
+        </p:nvPicPr>
+        <p:blipFill>
+          <a:blip r:embed="rId3" cstate="hqprint">
             <a:extLst>
-              <a:ext uri="{FF2B5EF4-FFF2-40B4-BE49-F238E27FC236}">
-                <a16:creationId xmlns:a16="http://schemas.microsoft.com/office/drawing/2014/main" id="{664812A4-2991-44D1-BFE9-32E55AADF8A5}"/>
+              <a:ext uri="{28A0092B-C50C-407E-A947-70E740481C1C}">
+                <a14:useLocalDpi xmlns:a14="http://schemas.microsoft.com/office/drawing/2010/main" val="0"/>
               </a:ext>
             </a:extLst>
-          </p:cNvPr>
-          <p:cNvSpPr/>
+          </a:blip>
+          <a:srcRect/>
+          <a:stretch>
+            <a:fillRect/>
+          </a:stretch>
+        </p:blipFill>
+        <p:spPr bwMode="auto">
+          <a:xfrm>
+            <a:off x="3341451" y="5310812"/>
+            <a:ext cx="677099" cy="677099"/>
+          </a:xfrm>
+          <a:prstGeom prst="rect">
+            <a:avLst/>
+          </a:prstGeom>
+          <a:noFill/>
+          <a:extLst>
+            <a:ext uri="{909E8E84-426E-40DD-AFC4-6F175D3DCCD1}">
+              <a14:hiddenFill xmlns:a14="http://schemas.microsoft.com/office/drawing/2010/main">
+                <a:solidFill>
+                  <a:srgbClr val="FFFFFF"/>
+                </a:solidFill>
+              </a14:hiddenFill>
+            </a:ext>
+          </a:extLst>
+        </p:spPr>
+      </p:pic>
+      <p:pic>
+        <p:nvPicPr>
+          <p:cNvPr id="31" name="Picture 30"/>
+          <p:cNvPicPr>
+            <a:picLocks noChangeAspect="1"/>
+          </p:cNvPicPr>
           <p:nvPr/>
-        </p:nvSpPr>
+        </p:nvPicPr>
+        <p:blipFill rotWithShape="1">
+          <a:blip r:embed="rId4">
+            <a:extLst>
+              <a:ext uri="{28A0092B-C50C-407E-A947-70E740481C1C}">
+                <a14:useLocalDpi xmlns:a14="http://schemas.microsoft.com/office/drawing/2010/main" val="0"/>
+              </a:ext>
+            </a:extLst>
+          </a:blip>
+          <a:srcRect t="27056" b="23811"/>
+          <a:stretch/>
+        </p:blipFill>
         <p:spPr>
           <a:xfrm>
-            <a:off x="111000" y="6454758"/>
-            <a:ext cx="11970000" cy="304242"/>
+            <a:off x="486237" y="5192882"/>
+            <a:ext cx="2478391" cy="1358390"/>
           </a:xfrm>
           <a:prstGeom prst="rect">
             <a:avLst/>
           </a:prstGeom>
         </p:spPr>
-        <p:txBody>
-          <a:bodyPr wrap="square">
-            <a:noAutofit/>
-          </a:bodyPr>
-          <a:lstStyle/>
-          <a:p>
-            <a:pPr algn="ctr">
-              <a:lnSpc>
-                <a:spcPct val="100000"/>
-              </a:lnSpc>
-              <a:spcBef>
-                <a:spcPts val="0"/>
-              </a:spcBef>
-              <a:spcAft>
-                <a:spcPts val="0"/>
-              </a:spcAft>
-            </a:pPr>
-            <a:r>
-              <a:rPr lang="bg-BG" sz="1600" dirty="0">
-                <a:solidFill>
-                  <a:schemeClr val="bg2"/>
-                </a:solidFill>
-                <a:effectLst/>
-                <a:latin typeface="Calibri" panose="020F0502020204030204" pitchFamily="34" charset="0"/>
-                <a:ea typeface="Calibri" panose="020F0502020204030204" pitchFamily="34" charset="0"/>
-                <a:cs typeface="Arial" panose="020B0604020202020204" pitchFamily="34" charset="0"/>
-              </a:rPr>
-              <a:t>Проект "</a:t>
-            </a:r>
-            <a:r>
-              <a:rPr lang="bg-BG" sz="1600" dirty="0">
-                <a:solidFill>
-                  <a:schemeClr val="bg1">
-                    <a:lumMod val="20000"/>
-                    <a:lumOff val="80000"/>
-                  </a:schemeClr>
-                </a:solidFill>
-                <a:effectLst/>
-                <a:latin typeface="Calibri" panose="020F0502020204030204" pitchFamily="34" charset="0"/>
-                <a:ea typeface="Calibri" panose="020F0502020204030204" pitchFamily="34" charset="0"/>
-                <a:cs typeface="Arial" panose="020B0604020202020204" pitchFamily="34" charset="0"/>
-                <a:hlinkClick r:id="rId3">
-                  <a:extLst>
-                    <a:ext uri="{A12FA001-AC4F-418D-AE19-62706E023703}">
-                      <ahyp:hlinkClr xmlns:ahyp="http://schemas.microsoft.com/office/drawing/2018/hyperlinkcolor" xmlns="" val="tx"/>
-                    </a:ext>
-                  </a:extLst>
-                </a:hlinkClick>
-              </a:rPr>
-              <a:t>Отворено учебно съдържание по програмиране и ИТ</a:t>
-            </a:r>
-            <a:r>
-              <a:rPr lang="bg-BG" sz="1600" dirty="0">
-                <a:solidFill>
-                  <a:schemeClr val="bg2"/>
-                </a:solidFill>
-                <a:effectLst/>
-                <a:latin typeface="Calibri" panose="020F0502020204030204" pitchFamily="34" charset="0"/>
-                <a:ea typeface="Calibri" panose="020F0502020204030204" pitchFamily="34" charset="0"/>
-                <a:cs typeface="Arial" panose="020B0604020202020204" pitchFamily="34" charset="0"/>
-              </a:rPr>
-              <a:t>", СофтУни Фондация (лиценз </a:t>
-            </a:r>
-            <a:r>
-              <a:rPr lang="en-US" sz="1600" dirty="0">
-                <a:solidFill>
-                  <a:schemeClr val="bg2"/>
-                </a:solidFill>
-                <a:effectLst/>
-                <a:latin typeface="Calibri" panose="020F0502020204030204" pitchFamily="34" charset="0"/>
-                <a:ea typeface="Calibri" panose="020F0502020204030204" pitchFamily="34" charset="0"/>
-                <a:cs typeface="Arial" panose="020B0604020202020204" pitchFamily="34" charset="0"/>
-              </a:rPr>
-              <a:t>CC-BY-NC-SA</a:t>
-            </a:r>
-            <a:r>
-              <a:rPr lang="bg-BG" sz="1600" dirty="0">
-                <a:solidFill>
-                  <a:schemeClr val="bg2"/>
-                </a:solidFill>
-                <a:effectLst/>
-                <a:latin typeface="Calibri" panose="020F0502020204030204" pitchFamily="34" charset="0"/>
-                <a:ea typeface="Calibri" panose="020F0502020204030204" pitchFamily="34" charset="0"/>
-                <a:cs typeface="Arial" panose="020B0604020202020204" pitchFamily="34" charset="0"/>
-              </a:rPr>
-              <a:t>)</a:t>
-            </a:r>
-            <a:endParaRPr lang="bg-BG" sz="2400" dirty="0">
-              <a:solidFill>
-                <a:schemeClr val="bg2"/>
-              </a:solidFill>
-              <a:effectLst/>
-              <a:latin typeface="Calibri" panose="020F0502020204030204" pitchFamily="34" charset="0"/>
-              <a:ea typeface="Calibri" panose="020F0502020204030204" pitchFamily="34" charset="0"/>
-              <a:cs typeface="Arial" panose="020B0604020202020204" pitchFamily="34" charset="0"/>
-            </a:endParaRPr>
-          </a:p>
-        </p:txBody>
-      </p:sp>
+      </p:pic>
+      <p:pic>
+        <p:nvPicPr>
+          <p:cNvPr id="2049" name="Picture 2048"/>
+          <p:cNvPicPr>
+            <a:picLocks noChangeAspect="1"/>
+          </p:cNvPicPr>
+          <p:nvPr/>
+        </p:nvPicPr>
+        <p:blipFill rotWithShape="1">
+          <a:blip r:embed="rId5"/>
+          <a:srcRect l="4314" t="654" r="4658" b="6580"/>
+          <a:stretch/>
+        </p:blipFill>
+        <p:spPr>
+          <a:xfrm>
+            <a:off x="9776176" y="4689000"/>
+            <a:ext cx="2225423" cy="2013478"/>
+          </a:xfrm>
+          <a:prstGeom prst="rect">
+            <a:avLst/>
+          </a:prstGeom>
+          <a:ln>
+            <a:solidFill>
+              <a:schemeClr val="bg2">
+                <a:lumMod val="75000"/>
+              </a:schemeClr>
+            </a:solidFill>
+          </a:ln>
+        </p:spPr>
+      </p:pic>
     </p:spTree>
     <p:extLst>
       <p:ext uri="{BB962C8B-B14F-4D97-AF65-F5344CB8AC3E}">
-        <p14:creationId xmlns:p14="http://schemas.microsoft.com/office/powerpoint/2010/main" val="1472534970"/>
+        <p14:creationId xmlns:p14="http://schemas.microsoft.com/office/powerpoint/2010/main" val="2167334162"/>
       </p:ext>
     </p:extLst>
   </p:cSld>
@@ -9665,15 +10884,506 @@
   <p:timing>
     <p:tnLst>
       <p:par>
-        <p:cTn id="1" dur="indefinite" restart="never" nodeType="tmRoot"/>
+        <p:cTn id="1" dur="indefinite" restart="never" nodeType="tmRoot">
+          <p:childTnLst>
+            <p:seq concurrent="1" nextAc="seek">
+              <p:cTn id="2" dur="indefinite" nodeType="mainSeq">
+                <p:childTnLst>
+                  <p:par>
+                    <p:cTn id="3" fill="hold">
+                      <p:stCondLst>
+                        <p:cond delay="indefinite"/>
+                      </p:stCondLst>
+                      <p:childTnLst>
+                        <p:par>
+                          <p:cTn id="4" fill="hold">
+                            <p:stCondLst>
+                              <p:cond delay="0"/>
+                            </p:stCondLst>
+                            <p:childTnLst>
+                              <p:par>
+                                <p:cTn id="5" presetID="1" presetClass="entr" presetSubtype="0" fill="hold" nodeType="clickEffect">
+                                  <p:stCondLst>
+                                    <p:cond delay="0"/>
+                                  </p:stCondLst>
+                                  <p:childTnLst>
+                                    <p:set>
+                                      <p:cBhvr>
+                                        <p:cTn id="6" dur="1" fill="hold">
+                                          <p:stCondLst>
+                                            <p:cond delay="0"/>
+                                          </p:stCondLst>
+                                        </p:cTn>
+                                        <p:tgtEl>
+                                          <p:spTgt spid="7">
+                                            <p:txEl>
+                                              <p:pRg st="1" end="1"/>
+                                            </p:txEl>
+                                          </p:spTgt>
+                                        </p:tgtEl>
+                                        <p:attrNameLst>
+                                          <p:attrName>style.visibility</p:attrName>
+                                        </p:attrNameLst>
+                                      </p:cBhvr>
+                                      <p:to>
+                                        <p:strVal val="visible"/>
+                                      </p:to>
+                                    </p:set>
+                                  </p:childTnLst>
+                                </p:cTn>
+                              </p:par>
+                              <p:par>
+                                <p:cTn id="7" presetID="1" presetClass="entr" presetSubtype="0" fill="hold" grpId="0" nodeType="withEffect">
+                                  <p:stCondLst>
+                                    <p:cond delay="0"/>
+                                  </p:stCondLst>
+                                  <p:childTnLst>
+                                    <p:set>
+                                      <p:cBhvr>
+                                        <p:cTn id="8" dur="1" fill="hold">
+                                          <p:stCondLst>
+                                            <p:cond delay="0"/>
+                                          </p:stCondLst>
+                                        </p:cTn>
+                                        <p:tgtEl>
+                                          <p:spTgt spid="15"/>
+                                        </p:tgtEl>
+                                        <p:attrNameLst>
+                                          <p:attrName>style.visibility</p:attrName>
+                                        </p:attrNameLst>
+                                      </p:cBhvr>
+                                      <p:to>
+                                        <p:strVal val="visible"/>
+                                      </p:to>
+                                    </p:set>
+                                  </p:childTnLst>
+                                </p:cTn>
+                              </p:par>
+                            </p:childTnLst>
+                          </p:cTn>
+                        </p:par>
+                      </p:childTnLst>
+                    </p:cTn>
+                  </p:par>
+                  <p:par>
+                    <p:cTn id="9" fill="hold">
+                      <p:stCondLst>
+                        <p:cond delay="indefinite"/>
+                      </p:stCondLst>
+                      <p:childTnLst>
+                        <p:par>
+                          <p:cTn id="10" fill="hold">
+                            <p:stCondLst>
+                              <p:cond delay="0"/>
+                            </p:stCondLst>
+                            <p:childTnLst>
+                              <p:par>
+                                <p:cTn id="11" presetID="1" presetClass="entr" presetSubtype="0" fill="hold" nodeType="clickEffect">
+                                  <p:stCondLst>
+                                    <p:cond delay="0"/>
+                                  </p:stCondLst>
+                                  <p:childTnLst>
+                                    <p:set>
+                                      <p:cBhvr>
+                                        <p:cTn id="12" dur="1" fill="hold">
+                                          <p:stCondLst>
+                                            <p:cond delay="0"/>
+                                          </p:stCondLst>
+                                        </p:cTn>
+                                        <p:tgtEl>
+                                          <p:spTgt spid="2050"/>
+                                        </p:tgtEl>
+                                        <p:attrNameLst>
+                                          <p:attrName>style.visibility</p:attrName>
+                                        </p:attrNameLst>
+                                      </p:cBhvr>
+                                      <p:to>
+                                        <p:strVal val="visible"/>
+                                      </p:to>
+                                    </p:set>
+                                  </p:childTnLst>
+                                </p:cTn>
+                              </p:par>
+                              <p:par>
+                                <p:cTn id="13" presetID="22" presetClass="entr" presetSubtype="8" fill="hold" grpId="0" nodeType="withEffect">
+                                  <p:stCondLst>
+                                    <p:cond delay="0"/>
+                                  </p:stCondLst>
+                                  <p:childTnLst>
+                                    <p:set>
+                                      <p:cBhvr>
+                                        <p:cTn id="14" dur="1" fill="hold">
+                                          <p:stCondLst>
+                                            <p:cond delay="0"/>
+                                          </p:stCondLst>
+                                        </p:cTn>
+                                        <p:tgtEl>
+                                          <p:spTgt spid="30"/>
+                                        </p:tgtEl>
+                                        <p:attrNameLst>
+                                          <p:attrName>style.visibility</p:attrName>
+                                        </p:attrNameLst>
+                                      </p:cBhvr>
+                                      <p:to>
+                                        <p:strVal val="visible"/>
+                                      </p:to>
+                                    </p:set>
+                                    <p:animEffect transition="in" filter="wipe(left)">
+                                      <p:cBhvr>
+                                        <p:cTn id="15" dur="1250"/>
+                                        <p:tgtEl>
+                                          <p:spTgt spid="30"/>
+                                        </p:tgtEl>
+                                      </p:cBhvr>
+                                    </p:animEffect>
+                                  </p:childTnLst>
+                                </p:cTn>
+                              </p:par>
+                              <p:par>
+                                <p:cTn id="16" presetID="63" presetClass="path" presetSubtype="0" fill="hold" nodeType="withEffect">
+                                  <p:stCondLst>
+                                    <p:cond delay="0"/>
+                                  </p:stCondLst>
+                                  <p:childTnLst>
+                                    <p:animMotion origin="layout" path="M -2.91667E-6 -2.59259E-6 L 0.41979 -2.59259E-6 " pathEditMode="relative" rAng="0" ptsTypes="AA">
+                                      <p:cBhvr>
+                                        <p:cTn id="17" dur="1000" fill="hold"/>
+                                        <p:tgtEl>
+                                          <p:spTgt spid="2050"/>
+                                        </p:tgtEl>
+                                        <p:attrNameLst>
+                                          <p:attrName>ppt_x</p:attrName>
+                                          <p:attrName>ppt_y</p:attrName>
+                                        </p:attrNameLst>
+                                      </p:cBhvr>
+                                      <p:rCtr x="20990" y="0"/>
+                                    </p:animMotion>
+                                  </p:childTnLst>
+                                </p:cTn>
+                              </p:par>
+                            </p:childTnLst>
+                          </p:cTn>
+                        </p:par>
+                        <p:par>
+                          <p:cTn id="18" fill="hold">
+                            <p:stCondLst>
+                              <p:cond delay="1250"/>
+                            </p:stCondLst>
+                            <p:childTnLst>
+                              <p:par>
+                                <p:cTn id="19" presetID="22" presetClass="entr" presetSubtype="8" fill="hold" grpId="0" nodeType="afterEffect">
+                                  <p:stCondLst>
+                                    <p:cond delay="0"/>
+                                  </p:stCondLst>
+                                  <p:childTnLst>
+                                    <p:set>
+                                      <p:cBhvr>
+                                        <p:cTn id="20" dur="1" fill="hold">
+                                          <p:stCondLst>
+                                            <p:cond delay="0"/>
+                                          </p:stCondLst>
+                                        </p:cTn>
+                                        <p:tgtEl>
+                                          <p:spTgt spid="33"/>
+                                        </p:tgtEl>
+                                        <p:attrNameLst>
+                                          <p:attrName>style.visibility</p:attrName>
+                                        </p:attrNameLst>
+                                      </p:cBhvr>
+                                      <p:to>
+                                        <p:strVal val="visible"/>
+                                      </p:to>
+                                    </p:set>
+                                    <p:animEffect transition="in" filter="wipe(left)">
+                                      <p:cBhvr>
+                                        <p:cTn id="21" dur="1250"/>
+                                        <p:tgtEl>
+                                          <p:spTgt spid="33"/>
+                                        </p:tgtEl>
+                                      </p:cBhvr>
+                                    </p:animEffect>
+                                  </p:childTnLst>
+                                </p:cTn>
+                              </p:par>
+                              <p:par>
+                                <p:cTn id="22" presetID="63" presetClass="path" presetSubtype="0" fill="hold" nodeType="withEffect">
+                                  <p:stCondLst>
+                                    <p:cond delay="0"/>
+                                  </p:stCondLst>
+                                  <p:childTnLst>
+                                    <p:animMotion origin="layout" path="M 0.0056 0.06296 L 0.41159 0.06296 " pathEditMode="relative" rAng="0" ptsTypes="AA">
+                                      <p:cBhvr>
+                                        <p:cTn id="23" dur="1000" fill="hold"/>
+                                        <p:tgtEl>
+                                          <p:spTgt spid="2050"/>
+                                        </p:tgtEl>
+                                        <p:attrNameLst>
+                                          <p:attrName>ppt_x</p:attrName>
+                                          <p:attrName>ppt_y</p:attrName>
+                                        </p:attrNameLst>
+                                      </p:cBhvr>
+                                      <p:rCtr x="20299" y="0"/>
+                                    </p:animMotion>
+                                  </p:childTnLst>
+                                </p:cTn>
+                              </p:par>
+                            </p:childTnLst>
+                          </p:cTn>
+                        </p:par>
+                        <p:par>
+                          <p:cTn id="24" fill="hold">
+                            <p:stCondLst>
+                              <p:cond delay="2500"/>
+                            </p:stCondLst>
+                            <p:childTnLst>
+                              <p:par>
+                                <p:cTn id="25" presetID="22" presetClass="entr" presetSubtype="8" fill="hold" grpId="0" nodeType="afterEffect">
+                                  <p:stCondLst>
+                                    <p:cond delay="0"/>
+                                  </p:stCondLst>
+                                  <p:childTnLst>
+                                    <p:set>
+                                      <p:cBhvr>
+                                        <p:cTn id="26" dur="1" fill="hold">
+                                          <p:stCondLst>
+                                            <p:cond delay="0"/>
+                                          </p:stCondLst>
+                                        </p:cTn>
+                                        <p:tgtEl>
+                                          <p:spTgt spid="34"/>
+                                        </p:tgtEl>
+                                        <p:attrNameLst>
+                                          <p:attrName>style.visibility</p:attrName>
+                                        </p:attrNameLst>
+                                      </p:cBhvr>
+                                      <p:to>
+                                        <p:strVal val="visible"/>
+                                      </p:to>
+                                    </p:set>
+                                    <p:animEffect transition="in" filter="wipe(left)">
+                                      <p:cBhvr>
+                                        <p:cTn id="27" dur="1500"/>
+                                        <p:tgtEl>
+                                          <p:spTgt spid="34"/>
+                                        </p:tgtEl>
+                                      </p:cBhvr>
+                                    </p:animEffect>
+                                  </p:childTnLst>
+                                </p:cTn>
+                              </p:par>
+                              <p:par>
+                                <p:cTn id="28" presetID="63" presetClass="path" presetSubtype="0" fill="hold" nodeType="withEffect">
+                                  <p:stCondLst>
+                                    <p:cond delay="0"/>
+                                  </p:stCondLst>
+                                  <p:childTnLst>
+                                    <p:animMotion origin="layout" path="M 0.01367 0.11597 L 0.40443 0.11597 " pathEditMode="relative" rAng="0" ptsTypes="AA">
+                                      <p:cBhvr>
+                                        <p:cTn id="29" dur="1250" fill="hold"/>
+                                        <p:tgtEl>
+                                          <p:spTgt spid="2050"/>
+                                        </p:tgtEl>
+                                        <p:attrNameLst>
+                                          <p:attrName>ppt_x</p:attrName>
+                                          <p:attrName>ppt_y</p:attrName>
+                                        </p:attrNameLst>
+                                      </p:cBhvr>
+                                      <p:rCtr x="19531" y="0"/>
+                                    </p:animMotion>
+                                  </p:childTnLst>
+                                </p:cTn>
+                              </p:par>
+                            </p:childTnLst>
+                          </p:cTn>
+                        </p:par>
+                      </p:childTnLst>
+                    </p:cTn>
+                  </p:par>
+                  <p:par>
+                    <p:cTn id="30" fill="hold">
+                      <p:stCondLst>
+                        <p:cond delay="indefinite"/>
+                      </p:stCondLst>
+                      <p:childTnLst>
+                        <p:par>
+                          <p:cTn id="31" fill="hold">
+                            <p:stCondLst>
+                              <p:cond delay="0"/>
+                            </p:stCondLst>
+                            <p:childTnLst>
+                              <p:par>
+                                <p:cTn id="32" presetID="1" presetClass="entr" presetSubtype="0" fill="hold" nodeType="clickEffect">
+                                  <p:stCondLst>
+                                    <p:cond delay="0"/>
+                                  </p:stCondLst>
+                                  <p:childTnLst>
+                                    <p:set>
+                                      <p:cBhvr>
+                                        <p:cTn id="33" dur="1" fill="hold">
+                                          <p:stCondLst>
+                                            <p:cond delay="0"/>
+                                          </p:stCondLst>
+                                        </p:cTn>
+                                        <p:tgtEl>
+                                          <p:spTgt spid="7">
+                                            <p:txEl>
+                                              <p:pRg st="2" end="2"/>
+                                            </p:txEl>
+                                          </p:spTgt>
+                                        </p:tgtEl>
+                                        <p:attrNameLst>
+                                          <p:attrName>style.visibility</p:attrName>
+                                        </p:attrNameLst>
+                                      </p:cBhvr>
+                                      <p:to>
+                                        <p:strVal val="visible"/>
+                                      </p:to>
+                                    </p:set>
+                                  </p:childTnLst>
+                                </p:cTn>
+                              </p:par>
+                              <p:par>
+                                <p:cTn id="34" presetID="1" presetClass="entr" presetSubtype="0" fill="hold" nodeType="withEffect">
+                                  <p:stCondLst>
+                                    <p:cond delay="0"/>
+                                  </p:stCondLst>
+                                  <p:childTnLst>
+                                    <p:set>
+                                      <p:cBhvr>
+                                        <p:cTn id="35" dur="1" fill="hold">
+                                          <p:stCondLst>
+                                            <p:cond delay="0"/>
+                                          </p:stCondLst>
+                                        </p:cTn>
+                                        <p:tgtEl>
+                                          <p:spTgt spid="31"/>
+                                        </p:tgtEl>
+                                        <p:attrNameLst>
+                                          <p:attrName>style.visibility</p:attrName>
+                                        </p:attrNameLst>
+                                      </p:cBhvr>
+                                      <p:to>
+                                        <p:strVal val="visible"/>
+                                      </p:to>
+                                    </p:set>
+                                  </p:childTnLst>
+                                </p:cTn>
+                              </p:par>
+                              <p:par>
+                                <p:cTn id="36" presetID="1" presetClass="entr" presetSubtype="0" fill="hold" nodeType="withEffect">
+                                  <p:stCondLst>
+                                    <p:cond delay="0"/>
+                                  </p:stCondLst>
+                                  <p:childTnLst>
+                                    <p:set>
+                                      <p:cBhvr>
+                                        <p:cTn id="37" dur="1" fill="hold">
+                                          <p:stCondLst>
+                                            <p:cond delay="0"/>
+                                          </p:stCondLst>
+                                        </p:cTn>
+                                        <p:tgtEl>
+                                          <p:spTgt spid="2049"/>
+                                        </p:tgtEl>
+                                        <p:attrNameLst>
+                                          <p:attrName>style.visibility</p:attrName>
+                                        </p:attrNameLst>
+                                      </p:cBhvr>
+                                      <p:to>
+                                        <p:strVal val="visible"/>
+                                      </p:to>
+                                    </p:set>
+                                  </p:childTnLst>
+                                </p:cTn>
+                              </p:par>
+                            </p:childTnLst>
+                          </p:cTn>
+                        </p:par>
+                      </p:childTnLst>
+                    </p:cTn>
+                  </p:par>
+                  <p:par>
+                    <p:cTn id="38" fill="hold">
+                      <p:stCondLst>
+                        <p:cond delay="indefinite"/>
+                      </p:stCondLst>
+                      <p:childTnLst>
+                        <p:par>
+                          <p:cTn id="39" fill="hold">
+                            <p:stCondLst>
+                              <p:cond delay="0"/>
+                            </p:stCondLst>
+                            <p:childTnLst>
+                              <p:par>
+                                <p:cTn id="40" presetID="1" presetClass="entr" presetSubtype="0" fill="hold" nodeType="clickEffect">
+                                  <p:stCondLst>
+                                    <p:cond delay="0"/>
+                                  </p:stCondLst>
+                                  <p:childTnLst>
+                                    <p:set>
+                                      <p:cBhvr>
+                                        <p:cTn id="41" dur="1" fill="hold">
+                                          <p:stCondLst>
+                                            <p:cond delay="0"/>
+                                          </p:stCondLst>
+                                        </p:cTn>
+                                        <p:tgtEl>
+                                          <p:spTgt spid="7">
+                                            <p:txEl>
+                                              <p:pRg st="3" end="3"/>
+                                            </p:txEl>
+                                          </p:spTgt>
+                                        </p:tgtEl>
+                                        <p:attrNameLst>
+                                          <p:attrName>style.visibility</p:attrName>
+                                        </p:attrNameLst>
+                                      </p:cBhvr>
+                                      <p:to>
+                                        <p:strVal val="visible"/>
+                                      </p:to>
+                                    </p:set>
+                                  </p:childTnLst>
+                                </p:cTn>
+                              </p:par>
+                            </p:childTnLst>
+                          </p:cTn>
+                        </p:par>
+                      </p:childTnLst>
+                    </p:cTn>
+                  </p:par>
+                </p:childTnLst>
+              </p:cTn>
+              <p:prevCondLst>
+                <p:cond evt="onPrev" delay="0">
+                  <p:tgtEl>
+                    <p:sldTgt/>
+                  </p:tgtEl>
+                </p:cond>
+              </p:prevCondLst>
+              <p:nextCondLst>
+                <p:cond evt="onNext" delay="0">
+                  <p:tgtEl>
+                    <p:sldTgt/>
+                  </p:tgtEl>
+                </p:cond>
+              </p:nextCondLst>
+            </p:seq>
+          </p:childTnLst>
+        </p:cTn>
       </p:par>
     </p:tnLst>
+    <p:bldLst>
+      <p:bldP spid="30" grpId="0" animBg="1"/>
+      <p:bldP spid="33" grpId="0" animBg="1"/>
+      <p:bldP spid="34" grpId="0" animBg="1"/>
+      <p:bldP spid="15" grpId="0" animBg="1"/>
+    </p:bldLst>
   </p:timing>
 </p:sld>
 </file>
 
 <file path=ppt/slides/slide8.xml><?xml version="1.0" encoding="utf-8"?>
-<p:sld xmlns:a="http://schemas.openxmlformats.org/drawingml/2006/main" xmlns:r="http://schemas.openxmlformats.org/officeDocument/2006/relationships" xmlns:p="http://schemas.openxmlformats.org/presentationml/2006/main" show="0">
+<p:sld xmlns:a="http://schemas.openxmlformats.org/drawingml/2006/main" xmlns:r="http://schemas.openxmlformats.org/officeDocument/2006/relationships" xmlns:p="http://schemas.openxmlformats.org/presentationml/2006/main">
   <p:cSld>
     <p:spTree>
       <p:nvGrpSpPr>
@@ -9691,13 +11401,7 @@
       </p:grpSpPr>
       <p:sp>
         <p:nvSpPr>
-          <p:cNvPr id="5" name="Slide Number">
-            <a:extLst>
-              <a:ext uri="{FF2B5EF4-FFF2-40B4-BE49-F238E27FC236}">
-                <a16:creationId xmlns:a16="http://schemas.microsoft.com/office/drawing/2014/main" id="{F48C3C93-90A1-4D31-BEA6-B54D1106CE31}"/>
-              </a:ext>
-            </a:extLst>
-          </p:cNvPr>
+          <p:cNvPr id="2" name="Slide Number Placeholder 1"/>
           <p:cNvSpPr>
             <a:spLocks noGrp="1"/>
           </p:cNvSpPr>
@@ -9705,41 +11409,23 @@
             <p:ph type="sldNum" sz="quarter" idx="5"/>
           </p:nvPr>
         </p:nvSpPr>
-        <p:spPr>
-          <a:xfrm>
-            <a:off x="11753030" y="6507000"/>
-            <a:ext cx="367414" cy="297000"/>
-          </a:xfrm>
-          <a:prstGeom prst="rect">
-            <a:avLst/>
-          </a:prstGeom>
-        </p:spPr>
+        <p:spPr/>
         <p:txBody>
-          <a:bodyPr vert="horz" lIns="91440" tIns="45720" rIns="91440" bIns="45720" rtlCol="0" anchor="b"/>
-          <a:lstStyle>
-            <a:lvl1pPr algn="r">
-              <a:defRPr sz="1000"/>
-            </a:lvl1pPr>
-          </a:lstStyle>
+          <a:bodyPr/>
+          <a:lstStyle/>
           <a:p>
             <a:fld id="{2BF067CD-8E6B-4360-9AA8-C5DF2A48A6D1}" type="slidenum">
-              <a:rPr lang="en-US" smtClean="0"/>
+              <a:rPr lang="en-US" noProof="0" smtClean="0"/>
               <a:pPr/>
               <a:t>8</a:t>
             </a:fld>
-            <a:endParaRPr lang="en-US" dirty="0"/>
+            <a:endParaRPr lang="en-US" noProof="0" dirty="0"/>
           </a:p>
         </p:txBody>
       </p:sp>
       <p:sp>
         <p:nvSpPr>
-          <p:cNvPr id="2" name="Slide Body">
-            <a:extLst>
-              <a:ext uri="{FF2B5EF4-FFF2-40B4-BE49-F238E27FC236}">
-                <a16:creationId xmlns:a16="http://schemas.microsoft.com/office/drawing/2014/main" id="{980F49B1-E4BE-4389-A747-7AB9B71AD920}"/>
-              </a:ext>
-            </a:extLst>
-          </p:cNvPr>
+          <p:cNvPr id="3" name="Text Placeholder 2"/>
           <p:cNvSpPr>
             <a:spLocks noGrp="1"/>
           </p:cNvSpPr>
@@ -9749,111 +11435,153 @@
         </p:nvSpPr>
         <p:spPr>
           <a:xfrm>
-            <a:off x="190402" y="1269001"/>
-            <a:ext cx="9865598" cy="2474999"/>
+            <a:off x="190402" y="1196125"/>
+            <a:ext cx="7691038" cy="5528766"/>
           </a:xfrm>
         </p:spPr>
         <p:txBody>
-          <a:bodyPr>
-            <a:normAutofit/>
-          </a:bodyPr>
+          <a:bodyPr/>
           <a:lstStyle/>
           <a:p>
-            <a:pPr>
-              <a:lnSpc>
-                <a:spcPct val="120000"/>
-              </a:lnSpc>
-            </a:pPr>
-            <a:r>
-              <a:rPr lang="bg-BG" sz="3200" dirty="0"/>
-              <a:t>Този курс</a:t>
-            </a:r>
-            <a:r>
-              <a:rPr lang="en-US" sz="3200" dirty="0"/>
-              <a:t> (</a:t>
-            </a:r>
-            <a:r>
-              <a:rPr lang="bg-BG" sz="3200" dirty="0"/>
-              <a:t>презентации, примери, демонстрационен код, упражнения, домашни, видео и други активи</a:t>
-            </a:r>
-            <a:r>
-              <a:rPr lang="en-US" sz="3200" dirty="0"/>
-              <a:t>) </a:t>
-            </a:r>
-            <a:r>
-              <a:rPr lang="bg-BG" sz="3200" dirty="0"/>
-              <a:t>представлява</a:t>
-            </a:r>
-            <a:r>
-              <a:rPr lang="en-US" sz="3200" dirty="0"/>
+            <a:r>
+              <a:rPr lang="bg-BG" dirty="0"/>
+              <a:t>За да </a:t>
+            </a:r>
+            <a:r>
+              <a:rPr lang="bg-BG" b="1" dirty="0"/>
+              <a:t>копирате </a:t>
+            </a:r>
+            <a:r>
+              <a:rPr lang="bg-BG" dirty="0" smtClean="0"/>
+              <a:t>изображение от </a:t>
+            </a:r>
+            <a:r>
+              <a:rPr lang="bg-BG" b="1" dirty="0"/>
+              <a:t>интернет</a:t>
+            </a:r>
+            <a:r>
+              <a:rPr lang="bg-BG" dirty="0"/>
+              <a:t>, трябва да</a:t>
+            </a:r>
+            <a:r>
+              <a:rPr lang="bg-BG" dirty="0" smtClean="0"/>
+              <a:t>:</a:t>
+            </a:r>
+          </a:p>
+          <a:p>
+            <a:pPr lvl="1"/>
+            <a:r>
+              <a:rPr lang="bg-BG" dirty="0" smtClean="0"/>
+              <a:t>Щракнете с </a:t>
+            </a:r>
+            <a:r>
+              <a:rPr lang="bg-BG" b="1" dirty="0" smtClean="0"/>
+              <a:t>десния бутон </a:t>
+            </a:r>
+            <a:r>
+              <a:rPr lang="bg-BG" dirty="0" smtClean="0"/>
+              <a:t>на </a:t>
+            </a:r>
+            <a:r>
+              <a:rPr lang="bg-BG" b="1" dirty="0" smtClean="0"/>
+              <a:t>мишката</a:t>
+            </a:r>
+            <a:r>
+              <a:rPr lang="bg-BG" dirty="0" smtClean="0"/>
+              <a:t> върху графичното изображение</a:t>
+            </a:r>
+          </a:p>
+          <a:p>
+            <a:pPr lvl="1"/>
+            <a:r>
+              <a:rPr lang="bg-BG" dirty="0" smtClean="0"/>
+              <a:t>Изберете </a:t>
+            </a:r>
+            <a:r>
+              <a:rPr lang="bg-BG" b="1" dirty="0" smtClean="0"/>
+              <a:t>командата</a:t>
+            </a:r>
+            <a:r>
+              <a:rPr lang="bg-BG" dirty="0" smtClean="0"/>
               <a:t> </a:t>
             </a:r>
             <a:r>
-              <a:rPr lang="bg-BG" sz="3200" b="1" dirty="0"/>
-              <a:t>свободно учебно съдържание </a:t>
-            </a:r>
-            <a:r>
-              <a:rPr lang="bg-BG" sz="3200" dirty="0"/>
-              <a:t>и се разпространява под свободен лиценз </a:t>
-            </a:r>
-            <a:r>
-              <a:rPr lang="en-US" sz="3200" b="1" dirty="0"/>
-              <a:t>CC-BY-NC-SA</a:t>
-            </a:r>
-            <a:endParaRPr lang="bg-BG" sz="3200" dirty="0"/>
+              <a:rPr lang="en-US" b="1" dirty="0" smtClean="0">
+                <a:solidFill>
+                  <a:schemeClr val="bg1"/>
+                </a:solidFill>
+              </a:rPr>
+              <a:t>Copy image</a:t>
+            </a:r>
+            <a:endParaRPr lang="en-US" b="1" dirty="0">
+              <a:solidFill>
+                <a:schemeClr val="bg1"/>
+              </a:solidFill>
+            </a:endParaRPr>
+          </a:p>
+          <a:p>
+            <a:r>
+              <a:rPr lang="bg-BG" dirty="0"/>
+              <a:t>Така може да </a:t>
+            </a:r>
+            <a:r>
+              <a:rPr lang="bg-BG" b="1" dirty="0"/>
+              <a:t>вмъкнете</a:t>
+            </a:r>
+            <a:r>
+              <a:rPr lang="bg-BG" dirty="0"/>
+              <a:t> </a:t>
+            </a:r>
+            <a:r>
+              <a:rPr lang="bg-BG" dirty="0" smtClean="0"/>
+              <a:t>графичното</a:t>
+            </a:r>
+            <a:r>
+              <a:rPr lang="bg-BG" b="1" dirty="0" smtClean="0"/>
+              <a:t> изображение</a:t>
+            </a:r>
+            <a:r>
+              <a:rPr lang="bg-BG" dirty="0" smtClean="0"/>
+              <a:t> във </a:t>
+            </a:r>
+            <a:r>
+              <a:rPr lang="bg-BG" b="1" dirty="0" smtClean="0"/>
+              <a:t>файла</a:t>
+            </a:r>
+            <a:r>
+              <a:rPr lang="bg-BG" dirty="0" smtClean="0"/>
+              <a:t>, в който работите, с </a:t>
+            </a:r>
+            <a:r>
+              <a:rPr lang="bg-BG" b="1" dirty="0" smtClean="0"/>
+              <a:t>командата</a:t>
+            </a:r>
+            <a:r>
+              <a:rPr lang="bg-BG" dirty="0" smtClean="0"/>
+              <a:t> </a:t>
+            </a:r>
+            <a:r>
+              <a:rPr lang="en-US" b="1" dirty="0" smtClean="0">
+                <a:solidFill>
+                  <a:schemeClr val="bg1"/>
+                </a:solidFill>
+              </a:rPr>
+              <a:t>Paste</a:t>
+            </a:r>
+            <a:endParaRPr lang="en-US" b="1" dirty="0">
+              <a:solidFill>
+                <a:schemeClr val="bg1"/>
+              </a:solidFill>
+            </a:endParaRPr>
+          </a:p>
+          <a:p>
+            <a:endParaRPr lang="en-US" dirty="0" smtClean="0"/>
           </a:p>
         </p:txBody>
       </p:sp>
-      <p:pic>
-        <p:nvPicPr>
-          <p:cNvPr id="6" name="Picture License" descr="License">
-            <a:extLst>
-              <a:ext uri="{FF2B5EF4-FFF2-40B4-BE49-F238E27FC236}">
-                <a16:creationId xmlns:a16="http://schemas.microsoft.com/office/drawing/2014/main" id="{82BA520F-A037-4E01-AA18-27D9F1E930A6}"/>
-              </a:ext>
-            </a:extLst>
-          </p:cNvPr>
-          <p:cNvPicPr>
-            <a:picLocks noChangeAspect="1"/>
-          </p:cNvPicPr>
-          <p:nvPr/>
-        </p:nvPicPr>
-        <p:blipFill>
-          <a:blip r:embed="rId3">
-            <a:clrChange>
-              <a:clrFrom>
-                <a:srgbClr val="FFFFFF"/>
-              </a:clrFrom>
-              <a:clrTo>
-                <a:srgbClr val="FFFFFF">
-                  <a:alpha val="0"/>
-                </a:srgbClr>
-              </a:clrTo>
-            </a:clrChange>
-          </a:blip>
-          <a:stretch>
-            <a:fillRect/>
-          </a:stretch>
-        </p:blipFill>
-        <p:spPr>
-          <a:xfrm>
-            <a:off x="10226175" y="1440120"/>
-            <a:ext cx="1198986" cy="1268880"/>
-          </a:xfrm>
-          <a:prstGeom prst="rect">
-            <a:avLst/>
-          </a:prstGeom>
-        </p:spPr>
-      </p:pic>
       <p:sp>
         <p:nvSpPr>
-          <p:cNvPr id="3" name="Slide Title">
-            <a:extLst>
-              <a:ext uri="{FF2B5EF4-FFF2-40B4-BE49-F238E27FC236}">
-                <a16:creationId xmlns:a16="http://schemas.microsoft.com/office/drawing/2014/main" id="{E5F1FB41-80C3-4816-BC47-CCC50632E6E8}"/>
-              </a:ext>
-            </a:extLst>
-          </p:cNvPr>
+          <p:cNvPr id="4" name="Title 3"/>
           <p:cNvSpPr>
             <a:spLocks noGrp="1"/>
           </p:cNvSpPr>
@@ -9863,149 +11591,32 @@
         </p:nvSpPr>
         <p:spPr/>
         <p:txBody>
-          <a:bodyPr/>
-          <a:lstStyle/>
-          <a:p>
-            <a:r>
-              <a:rPr lang="bg-BG" dirty="0"/>
-              <a:t>Лиценз</a:t>
-            </a:r>
-          </a:p>
-        </p:txBody>
-      </p:sp>
-      <p:sp>
-        <p:nvSpPr>
-          <p:cNvPr id="11" name="TextBox 10">
-            <a:extLst>
-              <a:ext uri="{FF2B5EF4-FFF2-40B4-BE49-F238E27FC236}">
-                <a16:creationId xmlns:a16="http://schemas.microsoft.com/office/drawing/2014/main" id="{0C18DF19-B750-4C88-975B-661A6BF61F5E}"/>
-              </a:ext>
-            </a:extLst>
-          </p:cNvPr>
-          <p:cNvSpPr txBox="1"/>
-          <p:nvPr/>
-        </p:nvSpPr>
-        <p:spPr>
-          <a:xfrm>
-            <a:off x="190401" y="3927519"/>
-            <a:ext cx="11710599" cy="1979644"/>
-          </a:xfrm>
-          <a:prstGeom prst="rect">
-            <a:avLst/>
-          </a:prstGeom>
-          <a:noFill/>
-          <a:ln w="12700">
-            <a:noFill/>
-          </a:ln>
-        </p:spPr>
-        <p:txBody>
-          <a:bodyPr wrap="square">
-            <a:spAutoFit/>
+          <a:bodyPr>
+            <a:normAutofit fontScale="90000"/>
           </a:bodyPr>
           <a:lstStyle/>
           <a:p>
-            <a:pPr marL="360363" indent="-360363" defTabSz="1218438">
-              <a:lnSpc>
-                <a:spcPct val="120000"/>
-              </a:lnSpc>
-              <a:spcBef>
-                <a:spcPts val="600"/>
-              </a:spcBef>
-              <a:spcAft>
-                <a:spcPts val="600"/>
-              </a:spcAft>
-              <a:buFont typeface="Wingdings" panose="05000000000000000000" pitchFamily="2" charset="2"/>
-              <a:buChar char="§"/>
-              <a:defRPr/>
-            </a:pPr>
-            <a:r>
-              <a:rPr lang="bg-BG" sz="3200" dirty="0"/>
-              <a:t>Проект "</a:t>
-            </a:r>
-            <a:r>
-              <a:rPr lang="bg-BG" sz="3200" b="1" dirty="0"/>
-              <a:t>Отворено учебно съдържание по програмиране и ИТ</a:t>
-            </a:r>
-            <a:r>
-              <a:rPr lang="bg-BG" sz="3200" dirty="0"/>
-              <a:t>" към Фондация "Софтуерен университет"</a:t>
-            </a:r>
-            <a:r>
-              <a:rPr lang="en-US" sz="3200" dirty="0"/>
-              <a:t>:</a:t>
-            </a:r>
-            <a:endParaRPr lang="bg-BG" sz="3200" dirty="0"/>
-          </a:p>
-          <a:p>
-            <a:pPr marL="817563" lvl="1" indent="-360363" defTabSz="1218438">
-              <a:lnSpc>
-                <a:spcPct val="120000"/>
-              </a:lnSpc>
-              <a:spcBef>
-                <a:spcPts val="600"/>
-              </a:spcBef>
-              <a:spcAft>
-                <a:spcPts val="600"/>
-              </a:spcAft>
-              <a:buFont typeface="Wingdings" panose="05000000000000000000" pitchFamily="2" charset="2"/>
-              <a:buChar char="§"/>
-              <a:defRPr/>
-            </a:pPr>
-            <a:r>
-              <a:rPr kumimoji="0" lang="en-US" sz="3200" b="0" i="0" u="none" strike="noStrike" kern="1200" cap="none" spc="0" normalizeH="0" baseline="0" noProof="0" dirty="0">
-                <a:ln>
-                  <a:noFill/>
-                </a:ln>
-                <a:solidFill>
-                  <a:srgbClr val="234465"/>
-                </a:solidFill>
-                <a:effectLst/>
-                <a:uLnTx/>
-                <a:uFillTx/>
-                <a:latin typeface="Calibri"/>
-                <a:ea typeface="+mn-ea"/>
-                <a:cs typeface="+mn-cs"/>
-                <a:hlinkClick r:id="rId4"/>
-              </a:rPr>
-              <a:t>https://github.com/BG-IT-Edu</a:t>
-            </a:r>
-            <a:endParaRPr kumimoji="0" lang="bg-BG" sz="3200" b="0" i="0" u="none" strike="noStrike" kern="1200" cap="none" spc="0" normalizeH="0" baseline="0" noProof="0" dirty="0">
-              <a:ln>
-                <a:noFill/>
-              </a:ln>
-              <a:solidFill>
-                <a:srgbClr val="234465"/>
-              </a:solidFill>
-              <a:effectLst/>
-              <a:uLnTx/>
-              <a:uFillTx/>
-              <a:latin typeface="Calibri"/>
-              <a:ea typeface="+mn-ea"/>
-              <a:cs typeface="+mn-cs"/>
-            </a:endParaRPr>
+            <a:r>
+              <a:rPr lang="bg-BG" dirty="0" smtClean="0"/>
+              <a:t>Копиране на графично изображение от интернет</a:t>
+            </a:r>
+            <a:endParaRPr lang="en-US" dirty="0"/>
           </a:p>
         </p:txBody>
       </p:sp>
       <p:pic>
         <p:nvPicPr>
-          <p:cNvPr id="7" name="Picture 6" title="CC-BY-NC-SA License">
-            <a:hlinkClick r:id="rId5" tooltip="This work is licensed under the &quot;Creative Commons Attribution-NonCommercial-ShareAlike 4.0 International&quot; license"/>
-            <a:extLst>
-              <a:ext uri="{FF2B5EF4-FFF2-40B4-BE49-F238E27FC236}">
-                <a16:creationId xmlns:a16="http://schemas.microsoft.com/office/drawing/2014/main" id="{F6C77C47-F7D8-A176-5C69-7FDE5C7E8003}"/>
-              </a:ext>
-            </a:extLst>
-          </p:cNvPr>
+          <p:cNvPr id="8" name="Picture 4" descr="Kangaroo facts and photos"/>
           <p:cNvPicPr>
             <a:picLocks noChangeAspect="1" noChangeArrowheads="1"/>
           </p:cNvPicPr>
           <p:nvPr/>
         </p:nvPicPr>
         <p:blipFill>
-          <a:blip r:embed="rId6">
+          <a:blip r:embed="rId2" cstate="hqprint">
             <a:extLst>
               <a:ext uri="{28A0092B-C50C-407E-A947-70E740481C1C}">
-                <a14:useLocalDpi xmlns:a14="http://schemas.microsoft.com/office/drawing/2010/main"/>
+                <a14:useLocalDpi xmlns:a14="http://schemas.microsoft.com/office/drawing/2010/main" val="0"/>
               </a:ext>
             </a:extLst>
           </a:blip>
@@ -10016,28 +11627,203 @@
         </p:blipFill>
         <p:spPr bwMode="auto">
           <a:xfrm>
-            <a:off x="9831000" y="2908593"/>
-            <a:ext cx="1989336" cy="696022"/>
+            <a:off x="7881440" y="1989000"/>
+            <a:ext cx="4103706" cy="4103706"/>
           </a:xfrm>
-          <a:prstGeom prst="roundRect">
-            <a:avLst>
-              <a:gd name="adj" fmla="val 3940"/>
-            </a:avLst>
+          <a:prstGeom prst="rect">
+            <a:avLst/>
           </a:prstGeom>
-          <a:solidFill>
-            <a:srgbClr val="231F20">
-              <a:alpha val="50000"/>
-            </a:srgbClr>
-          </a:solidFill>
+          <a:noFill/>
           <a:ln>
-            <a:noFill/>
+            <a:solidFill>
+              <a:schemeClr val="bg2">
+                <a:lumMod val="75000"/>
+              </a:schemeClr>
+            </a:solidFill>
+          </a:ln>
+          <a:extLst>
+            <a:ext uri="{909E8E84-426E-40DD-AFC4-6F175D3DCCD1}">
+              <a14:hiddenFill xmlns:a14="http://schemas.microsoft.com/office/drawing/2010/main">
+                <a:solidFill>
+                  <a:srgbClr val="FFFFFF"/>
+                </a:solidFill>
+              </a14:hiddenFill>
+            </a:ext>
+          </a:extLst>
+        </p:spPr>
+      </p:pic>
+      <p:pic>
+        <p:nvPicPr>
+          <p:cNvPr id="5" name="Picture 4"/>
+          <p:cNvPicPr>
+            <a:picLocks noChangeAspect="1"/>
+          </p:cNvPicPr>
+          <p:nvPr/>
+        </p:nvPicPr>
+        <p:blipFill rotWithShape="1">
+          <a:blip r:embed="rId3"/>
+          <a:srcRect l="11323" t="50179" r="11025" b="8371"/>
+          <a:stretch/>
+        </p:blipFill>
+        <p:spPr>
+          <a:xfrm>
+            <a:off x="8771214" y="4236161"/>
+            <a:ext cx="2713425" cy="2351184"/>
+          </a:xfrm>
+          <a:prstGeom prst="rect">
+            <a:avLst/>
+          </a:prstGeom>
+          <a:ln>
+            <a:solidFill>
+              <a:schemeClr val="bg2">
+                <a:lumMod val="75000"/>
+              </a:schemeClr>
+            </a:solidFill>
           </a:ln>
         </p:spPr>
       </p:pic>
+      <p:pic>
+        <p:nvPicPr>
+          <p:cNvPr id="3078" name="Picture 6" descr="200+ Free Cursor &amp; Click Images - Pixabay"/>
+          <p:cNvPicPr>
+            <a:picLocks noChangeAspect="1" noChangeArrowheads="1"/>
+          </p:cNvPicPr>
+          <p:nvPr/>
+        </p:nvPicPr>
+        <p:blipFill>
+          <a:blip r:embed="rId4" cstate="hqprint">
+            <a:extLst>
+              <a:ext uri="{28A0092B-C50C-407E-A947-70E740481C1C}">
+                <a14:useLocalDpi xmlns:a14="http://schemas.microsoft.com/office/drawing/2010/main" val="0"/>
+              </a:ext>
+            </a:extLst>
+          </a:blip>
+          <a:srcRect/>
+          <a:stretch>
+            <a:fillRect/>
+          </a:stretch>
+        </p:blipFill>
+        <p:spPr bwMode="auto">
+          <a:xfrm>
+            <a:off x="8506555" y="4145285"/>
+            <a:ext cx="749533" cy="971055"/>
+          </a:xfrm>
+          <a:prstGeom prst="rect">
+            <a:avLst/>
+          </a:prstGeom>
+          <a:noFill/>
+          <a:extLst>
+            <a:ext uri="{909E8E84-426E-40DD-AFC4-6F175D3DCCD1}">
+              <a14:hiddenFill xmlns:a14="http://schemas.microsoft.com/office/drawing/2010/main">
+                <a:solidFill>
+                  <a:srgbClr val="FFFFFF"/>
+                </a:solidFill>
+              </a14:hiddenFill>
+            </a:ext>
+          </a:extLst>
+        </p:spPr>
+      </p:pic>
+      <p:pic>
+        <p:nvPicPr>
+          <p:cNvPr id="6" name="Picture 5"/>
+          <p:cNvPicPr>
+            <a:picLocks noChangeAspect="1"/>
+          </p:cNvPicPr>
+          <p:nvPr/>
+        </p:nvPicPr>
+        <p:blipFill>
+          <a:blip r:embed="rId5">
+            <a:extLst>
+              <a:ext uri="{28A0092B-C50C-407E-A947-70E740481C1C}">
+                <a14:useLocalDpi xmlns:a14="http://schemas.microsoft.com/office/drawing/2010/main" val="0"/>
+              </a:ext>
+            </a:extLst>
+          </a:blip>
+          <a:stretch>
+            <a:fillRect/>
+          </a:stretch>
+        </p:blipFill>
+        <p:spPr>
+          <a:xfrm rot="1022919">
+            <a:off x="8111847" y="3821826"/>
+            <a:ext cx="1318731" cy="1318731"/>
+          </a:xfrm>
+          <a:prstGeom prst="rect">
+            <a:avLst/>
+          </a:prstGeom>
+        </p:spPr>
+      </p:pic>
+      <p:sp>
+        <p:nvSpPr>
+          <p:cNvPr id="7" name="Rectangle 6"/>
+          <p:cNvSpPr/>
+          <p:nvPr/>
+        </p:nvSpPr>
+        <p:spPr bwMode="auto">
+          <a:xfrm>
+            <a:off x="8771212" y="4976239"/>
+            <a:ext cx="2713427" cy="310553"/>
+          </a:xfrm>
+          <a:prstGeom prst="rect">
+            <a:avLst/>
+          </a:prstGeom>
+          <a:noFill/>
+          <a:ln w="38100">
+            <a:solidFill>
+              <a:schemeClr val="bg1">
+                <a:lumMod val="60000"/>
+                <a:lumOff val="40000"/>
+                <a:alpha val="80000"/>
+              </a:schemeClr>
+            </a:solidFill>
+          </a:ln>
+          <a:effectLst/>
+        </p:spPr>
+        <p:style>
+          <a:lnRef idx="2">
+            <a:schemeClr val="accent1">
+              <a:shade val="50000"/>
+            </a:schemeClr>
+          </a:lnRef>
+          <a:fillRef idx="1001">
+            <a:schemeClr val="dk2"/>
+          </a:fillRef>
+          <a:effectRef idx="0">
+            <a:schemeClr val="accent1"/>
+          </a:effectRef>
+          <a:fontRef idx="minor">
+            <a:schemeClr val="lt1"/>
+          </a:fontRef>
+        </p:style>
+        <p:txBody>
+          <a:bodyPr rot="0" spcFirstLastPara="0" vertOverflow="overflow" horzOverflow="overflow" vert="horz" wrap="square" lIns="91440" tIns="45720" rIns="91440" bIns="45720" numCol="1" spcCol="0" rtlCol="0" fromWordArt="0" anchor="ctr" anchorCtr="0" forceAA="0" compatLnSpc="1">
+            <a:prstTxWarp prst="textNoShape">
+              <a:avLst/>
+            </a:prstTxWarp>
+            <a:noAutofit/>
+          </a:bodyPr>
+          <a:lstStyle/>
+          <a:p>
+            <a:pPr algn="ctr"/>
+            <a:endParaRPr lang="en-US" sz="2800" b="1" dirty="0">
+              <a:solidFill>
+                <a:srgbClr val="FFFFFF"/>
+              </a:solidFill>
+              <a:effectLst>
+                <a:outerShdw blurRad="38100" dist="38100" dir="2700000" algn="tl">
+                  <a:srgbClr val="000000">
+                    <a:alpha val="43137"/>
+                  </a:srgbClr>
+                </a:outerShdw>
+              </a:effectLst>
+            </a:endParaRPr>
+          </a:p>
+        </p:txBody>
+      </p:sp>
     </p:spTree>
     <p:extLst>
       <p:ext uri="{BB962C8B-B14F-4D97-AF65-F5344CB8AC3E}">
-        <p14:creationId xmlns:p14="http://schemas.microsoft.com/office/powerpoint/2010/main" val="3879276042"/>
+        <p14:creationId xmlns:p14="http://schemas.microsoft.com/office/powerpoint/2010/main" val="3368223636"/>
       </p:ext>
     </p:extLst>
   </p:cSld>
@@ -10052,6 +11838,1336 @@
       <p:transition spd="slow" advClick="0" advTm="5000"/>
     </mc:Fallback>
   </mc:AlternateContent>
+  <p:timing>
+    <p:tnLst>
+      <p:par>
+        <p:cTn id="1" dur="indefinite" restart="never" nodeType="tmRoot">
+          <p:childTnLst>
+            <p:seq concurrent="1" nextAc="seek">
+              <p:cTn id="2" dur="indefinite" nodeType="mainSeq">
+                <p:childTnLst>
+                  <p:par>
+                    <p:cTn id="3" fill="hold">
+                      <p:stCondLst>
+                        <p:cond delay="indefinite"/>
+                      </p:stCondLst>
+                      <p:childTnLst>
+                        <p:par>
+                          <p:cTn id="4" fill="hold">
+                            <p:stCondLst>
+                              <p:cond delay="0"/>
+                            </p:stCondLst>
+                            <p:childTnLst>
+                              <p:par>
+                                <p:cTn id="5" presetID="1" presetClass="entr" presetSubtype="0" fill="hold" nodeType="clickEffect">
+                                  <p:stCondLst>
+                                    <p:cond delay="0"/>
+                                  </p:stCondLst>
+                                  <p:childTnLst>
+                                    <p:set>
+                                      <p:cBhvr>
+                                        <p:cTn id="6" dur="1" fill="hold">
+                                          <p:stCondLst>
+                                            <p:cond delay="0"/>
+                                          </p:stCondLst>
+                                        </p:cTn>
+                                        <p:tgtEl>
+                                          <p:spTgt spid="3">
+                                            <p:txEl>
+                                              <p:pRg st="1" end="1"/>
+                                            </p:txEl>
+                                          </p:spTgt>
+                                        </p:tgtEl>
+                                        <p:attrNameLst>
+                                          <p:attrName>style.visibility</p:attrName>
+                                        </p:attrNameLst>
+                                      </p:cBhvr>
+                                      <p:to>
+                                        <p:strVal val="visible"/>
+                                      </p:to>
+                                    </p:set>
+                                  </p:childTnLst>
+                                </p:cTn>
+                              </p:par>
+                            </p:childTnLst>
+                          </p:cTn>
+                        </p:par>
+                      </p:childTnLst>
+                    </p:cTn>
+                  </p:par>
+                  <p:par>
+                    <p:cTn id="7" fill="hold">
+                      <p:stCondLst>
+                        <p:cond delay="indefinite"/>
+                      </p:stCondLst>
+                      <p:childTnLst>
+                        <p:par>
+                          <p:cTn id="8" fill="hold">
+                            <p:stCondLst>
+                              <p:cond delay="0"/>
+                            </p:stCondLst>
+                            <p:childTnLst>
+                              <p:par>
+                                <p:cTn id="9" presetID="1" presetClass="entr" presetSubtype="0" fill="hold" nodeType="clickEffect">
+                                  <p:stCondLst>
+                                    <p:cond delay="0"/>
+                                  </p:stCondLst>
+                                  <p:childTnLst>
+                                    <p:set>
+                                      <p:cBhvr>
+                                        <p:cTn id="10" dur="1" fill="hold">
+                                          <p:stCondLst>
+                                            <p:cond delay="0"/>
+                                          </p:stCondLst>
+                                        </p:cTn>
+                                        <p:tgtEl>
+                                          <p:spTgt spid="3078"/>
+                                        </p:tgtEl>
+                                        <p:attrNameLst>
+                                          <p:attrName>style.visibility</p:attrName>
+                                        </p:attrNameLst>
+                                      </p:cBhvr>
+                                      <p:to>
+                                        <p:strVal val="visible"/>
+                                      </p:to>
+                                    </p:set>
+                                  </p:childTnLst>
+                                </p:cTn>
+                              </p:par>
+                            </p:childTnLst>
+                          </p:cTn>
+                        </p:par>
+                        <p:par>
+                          <p:cTn id="11" fill="hold">
+                            <p:stCondLst>
+                              <p:cond delay="0"/>
+                            </p:stCondLst>
+                            <p:childTnLst>
+                              <p:par>
+                                <p:cTn id="12" presetID="1" presetClass="entr" presetSubtype="0" fill="hold" nodeType="afterEffect">
+                                  <p:stCondLst>
+                                    <p:cond delay="0"/>
+                                  </p:stCondLst>
+                                  <p:childTnLst>
+                                    <p:set>
+                                      <p:cBhvr>
+                                        <p:cTn id="13" dur="1" fill="hold">
+                                          <p:stCondLst>
+                                            <p:cond delay="0"/>
+                                          </p:stCondLst>
+                                        </p:cTn>
+                                        <p:tgtEl>
+                                          <p:spTgt spid="6"/>
+                                        </p:tgtEl>
+                                        <p:attrNameLst>
+                                          <p:attrName>style.visibility</p:attrName>
+                                        </p:attrNameLst>
+                                      </p:cBhvr>
+                                      <p:to>
+                                        <p:strVal val="visible"/>
+                                      </p:to>
+                                    </p:set>
+                                  </p:childTnLst>
+                                </p:cTn>
+                              </p:par>
+                            </p:childTnLst>
+                          </p:cTn>
+                        </p:par>
+                        <p:par>
+                          <p:cTn id="14" fill="hold">
+                            <p:stCondLst>
+                              <p:cond delay="0"/>
+                            </p:stCondLst>
+                            <p:childTnLst>
+                              <p:par>
+                                <p:cTn id="15" presetID="1" presetClass="exit" presetSubtype="0" fill="hold" nodeType="afterEffect">
+                                  <p:stCondLst>
+                                    <p:cond delay="500"/>
+                                  </p:stCondLst>
+                                  <p:childTnLst>
+                                    <p:set>
+                                      <p:cBhvr>
+                                        <p:cTn id="16" dur="1" fill="hold">
+                                          <p:stCondLst>
+                                            <p:cond delay="0"/>
+                                          </p:stCondLst>
+                                        </p:cTn>
+                                        <p:tgtEl>
+                                          <p:spTgt spid="3078"/>
+                                        </p:tgtEl>
+                                        <p:attrNameLst>
+                                          <p:attrName>style.visibility</p:attrName>
+                                        </p:attrNameLst>
+                                      </p:cBhvr>
+                                      <p:to>
+                                        <p:strVal val="hidden"/>
+                                      </p:to>
+                                    </p:set>
+                                  </p:childTnLst>
+                                </p:cTn>
+                              </p:par>
+                            </p:childTnLst>
+                          </p:cTn>
+                        </p:par>
+                        <p:par>
+                          <p:cTn id="17" fill="hold">
+                            <p:stCondLst>
+                              <p:cond delay="500"/>
+                            </p:stCondLst>
+                            <p:childTnLst>
+                              <p:par>
+                                <p:cTn id="18" presetID="1" presetClass="entr" presetSubtype="0" fill="hold" nodeType="afterEffect">
+                                  <p:stCondLst>
+                                    <p:cond delay="10"/>
+                                  </p:stCondLst>
+                                  <p:childTnLst>
+                                    <p:set>
+                                      <p:cBhvr>
+                                        <p:cTn id="19" dur="1" fill="hold">
+                                          <p:stCondLst>
+                                            <p:cond delay="0"/>
+                                          </p:stCondLst>
+                                        </p:cTn>
+                                        <p:tgtEl>
+                                          <p:spTgt spid="5"/>
+                                        </p:tgtEl>
+                                        <p:attrNameLst>
+                                          <p:attrName>style.visibility</p:attrName>
+                                        </p:attrNameLst>
+                                      </p:cBhvr>
+                                      <p:to>
+                                        <p:strVal val="visible"/>
+                                      </p:to>
+                                    </p:set>
+                                  </p:childTnLst>
+                                </p:cTn>
+                              </p:par>
+                              <p:par>
+                                <p:cTn id="20" presetID="1" presetClass="exit" presetSubtype="0" fill="hold" nodeType="withEffect">
+                                  <p:stCondLst>
+                                    <p:cond delay="10"/>
+                                  </p:stCondLst>
+                                  <p:childTnLst>
+                                    <p:set>
+                                      <p:cBhvr>
+                                        <p:cTn id="21" dur="1" fill="hold">
+                                          <p:stCondLst>
+                                            <p:cond delay="0"/>
+                                          </p:stCondLst>
+                                        </p:cTn>
+                                        <p:tgtEl>
+                                          <p:spTgt spid="6"/>
+                                        </p:tgtEl>
+                                        <p:attrNameLst>
+                                          <p:attrName>style.visibility</p:attrName>
+                                        </p:attrNameLst>
+                                      </p:cBhvr>
+                                      <p:to>
+                                        <p:strVal val="hidden"/>
+                                      </p:to>
+                                    </p:set>
+                                  </p:childTnLst>
+                                </p:cTn>
+                              </p:par>
+                            </p:childTnLst>
+                          </p:cTn>
+                        </p:par>
+                      </p:childTnLst>
+                    </p:cTn>
+                  </p:par>
+                  <p:par>
+                    <p:cTn id="22" fill="hold">
+                      <p:stCondLst>
+                        <p:cond delay="indefinite"/>
+                      </p:stCondLst>
+                      <p:childTnLst>
+                        <p:par>
+                          <p:cTn id="23" fill="hold">
+                            <p:stCondLst>
+                              <p:cond delay="0"/>
+                            </p:stCondLst>
+                            <p:childTnLst>
+                              <p:par>
+                                <p:cTn id="24" presetID="1" presetClass="entr" presetSubtype="0" fill="hold" nodeType="clickEffect">
+                                  <p:stCondLst>
+                                    <p:cond delay="0"/>
+                                  </p:stCondLst>
+                                  <p:childTnLst>
+                                    <p:set>
+                                      <p:cBhvr>
+                                        <p:cTn id="25" dur="1" fill="hold">
+                                          <p:stCondLst>
+                                            <p:cond delay="0"/>
+                                          </p:stCondLst>
+                                        </p:cTn>
+                                        <p:tgtEl>
+                                          <p:spTgt spid="3">
+                                            <p:txEl>
+                                              <p:pRg st="2" end="2"/>
+                                            </p:txEl>
+                                          </p:spTgt>
+                                        </p:tgtEl>
+                                        <p:attrNameLst>
+                                          <p:attrName>style.visibility</p:attrName>
+                                        </p:attrNameLst>
+                                      </p:cBhvr>
+                                      <p:to>
+                                        <p:strVal val="visible"/>
+                                      </p:to>
+                                    </p:set>
+                                  </p:childTnLst>
+                                </p:cTn>
+                              </p:par>
+                              <p:par>
+                                <p:cTn id="26" presetID="1" presetClass="entr" presetSubtype="0" fill="hold" grpId="0" nodeType="withEffect">
+                                  <p:stCondLst>
+                                    <p:cond delay="0"/>
+                                  </p:stCondLst>
+                                  <p:childTnLst>
+                                    <p:set>
+                                      <p:cBhvr>
+                                        <p:cTn id="27" dur="1" fill="hold">
+                                          <p:stCondLst>
+                                            <p:cond delay="0"/>
+                                          </p:stCondLst>
+                                        </p:cTn>
+                                        <p:tgtEl>
+                                          <p:spTgt spid="7"/>
+                                        </p:tgtEl>
+                                        <p:attrNameLst>
+                                          <p:attrName>style.visibility</p:attrName>
+                                        </p:attrNameLst>
+                                      </p:cBhvr>
+                                      <p:to>
+                                        <p:strVal val="visible"/>
+                                      </p:to>
+                                    </p:set>
+                                  </p:childTnLst>
+                                </p:cTn>
+                              </p:par>
+                            </p:childTnLst>
+                          </p:cTn>
+                        </p:par>
+                      </p:childTnLst>
+                    </p:cTn>
+                  </p:par>
+                  <p:par>
+                    <p:cTn id="28" fill="hold">
+                      <p:stCondLst>
+                        <p:cond delay="indefinite"/>
+                      </p:stCondLst>
+                      <p:childTnLst>
+                        <p:par>
+                          <p:cTn id="29" fill="hold">
+                            <p:stCondLst>
+                              <p:cond delay="0"/>
+                            </p:stCondLst>
+                            <p:childTnLst>
+                              <p:par>
+                                <p:cTn id="30" presetID="1" presetClass="entr" presetSubtype="0" fill="hold" nodeType="clickEffect">
+                                  <p:stCondLst>
+                                    <p:cond delay="0"/>
+                                  </p:stCondLst>
+                                  <p:childTnLst>
+                                    <p:set>
+                                      <p:cBhvr>
+                                        <p:cTn id="31" dur="1" fill="hold">
+                                          <p:stCondLst>
+                                            <p:cond delay="0"/>
+                                          </p:stCondLst>
+                                        </p:cTn>
+                                        <p:tgtEl>
+                                          <p:spTgt spid="3">
+                                            <p:txEl>
+                                              <p:pRg st="3" end="3"/>
+                                            </p:txEl>
+                                          </p:spTgt>
+                                        </p:tgtEl>
+                                        <p:attrNameLst>
+                                          <p:attrName>style.visibility</p:attrName>
+                                        </p:attrNameLst>
+                                      </p:cBhvr>
+                                      <p:to>
+                                        <p:strVal val="visible"/>
+                                      </p:to>
+                                    </p:set>
+                                  </p:childTnLst>
+                                </p:cTn>
+                              </p:par>
+                            </p:childTnLst>
+                          </p:cTn>
+                        </p:par>
+                      </p:childTnLst>
+                    </p:cTn>
+                  </p:par>
+                </p:childTnLst>
+              </p:cTn>
+              <p:prevCondLst>
+                <p:cond evt="onPrev" delay="0">
+                  <p:tgtEl>
+                    <p:sldTgt/>
+                  </p:tgtEl>
+                </p:cond>
+              </p:prevCondLst>
+              <p:nextCondLst>
+                <p:cond evt="onNext" delay="0">
+                  <p:tgtEl>
+                    <p:sldTgt/>
+                  </p:tgtEl>
+                </p:cond>
+              </p:nextCondLst>
+            </p:seq>
+          </p:childTnLst>
+        </p:cTn>
+      </p:par>
+    </p:tnLst>
+    <p:bldLst>
+      <p:bldP spid="7" grpId="0" animBg="1"/>
+    </p:bldLst>
+  </p:timing>
+</p:sld>
+</file>
+
+<file path=ppt/slides/slide9.xml><?xml version="1.0" encoding="utf-8"?>
+<p:sld xmlns:a="http://schemas.openxmlformats.org/drawingml/2006/main" xmlns:r="http://schemas.openxmlformats.org/officeDocument/2006/relationships" xmlns:p="http://schemas.openxmlformats.org/presentationml/2006/main">
+  <p:cSld>
+    <p:spTree>
+      <p:nvGrpSpPr>
+        <p:cNvPr id="1" name=""/>
+        <p:cNvGrpSpPr/>
+        <p:nvPr/>
+      </p:nvGrpSpPr>
+      <p:grpSpPr>
+        <a:xfrm>
+          <a:off x="0" y="0"/>
+          <a:ext cx="0" cy="0"/>
+          <a:chOff x="0" y="0"/>
+          <a:chExt cx="0" cy="0"/>
+        </a:xfrm>
+      </p:grpSpPr>
+      <p:pic>
+        <p:nvPicPr>
+          <p:cNvPr id="4098" name="Picture 2" descr="Тасманийски дяволи се родиха в австралийската пустиня за първи път от 3  хиляди години - Dimitrovgrad.bgvesti.NET"/>
+          <p:cNvPicPr>
+            <a:picLocks noChangeAspect="1" noChangeArrowheads="1"/>
+          </p:cNvPicPr>
+          <p:nvPr/>
+        </p:nvPicPr>
+        <p:blipFill>
+          <a:blip r:embed="rId2">
+            <a:extLst>
+              <a:ext uri="{28A0092B-C50C-407E-A947-70E740481C1C}">
+                <a14:useLocalDpi xmlns:a14="http://schemas.microsoft.com/office/drawing/2010/main" val="0"/>
+              </a:ext>
+            </a:extLst>
+          </a:blip>
+          <a:srcRect/>
+          <a:stretch>
+            <a:fillRect/>
+          </a:stretch>
+        </p:blipFill>
+        <p:spPr bwMode="auto">
+          <a:xfrm>
+            <a:off x="7347500" y="1716355"/>
+            <a:ext cx="4637645" cy="4637645"/>
+          </a:xfrm>
+          <a:prstGeom prst="rect">
+            <a:avLst/>
+          </a:prstGeom>
+          <a:noFill/>
+          <a:ln>
+            <a:solidFill>
+              <a:schemeClr val="bg2">
+                <a:lumMod val="75000"/>
+              </a:schemeClr>
+            </a:solidFill>
+          </a:ln>
+          <a:extLst>
+            <a:ext uri="{909E8E84-426E-40DD-AFC4-6F175D3DCCD1}">
+              <a14:hiddenFill xmlns:a14="http://schemas.microsoft.com/office/drawing/2010/main">
+                <a:solidFill>
+                  <a:srgbClr val="FFFFFF"/>
+                </a:solidFill>
+              </a14:hiddenFill>
+            </a:ext>
+          </a:extLst>
+        </p:spPr>
+      </p:pic>
+      <p:sp>
+        <p:nvSpPr>
+          <p:cNvPr id="2" name="Slide Number Placeholder 1"/>
+          <p:cNvSpPr>
+            <a:spLocks noGrp="1"/>
+          </p:cNvSpPr>
+          <p:nvPr>
+            <p:ph type="sldNum" sz="quarter" idx="5"/>
+          </p:nvPr>
+        </p:nvSpPr>
+        <p:spPr/>
+        <p:txBody>
+          <a:bodyPr/>
+          <a:lstStyle/>
+          <a:p>
+            <a:fld id="{2BF067CD-8E6B-4360-9AA8-C5DF2A48A6D1}" type="slidenum">
+              <a:rPr lang="en-US" noProof="0" smtClean="0"/>
+              <a:pPr/>
+              <a:t>9</a:t>
+            </a:fld>
+            <a:endParaRPr lang="en-US" noProof="0" dirty="0"/>
+          </a:p>
+        </p:txBody>
+      </p:sp>
+      <p:sp>
+        <p:nvSpPr>
+          <p:cNvPr id="3" name="Text Placeholder 2"/>
+          <p:cNvSpPr>
+            <a:spLocks noGrp="1"/>
+          </p:cNvSpPr>
+          <p:nvPr>
+            <p:ph type="body" sz="quarter" idx="10"/>
+          </p:nvPr>
+        </p:nvSpPr>
+        <p:spPr>
+          <a:xfrm>
+            <a:off x="190402" y="1196125"/>
+            <a:ext cx="7120598" cy="5528766"/>
+          </a:xfrm>
+        </p:spPr>
+        <p:txBody>
+          <a:bodyPr/>
+          <a:lstStyle/>
+          <a:p>
+            <a:r>
+              <a:rPr lang="bg-BG" dirty="0"/>
+              <a:t>За да </a:t>
+            </a:r>
+            <a:r>
+              <a:rPr lang="bg-BG" b="1" dirty="0" smtClean="0"/>
+              <a:t>запазите </a:t>
+            </a:r>
+            <a:r>
+              <a:rPr lang="bg-BG" dirty="0"/>
+              <a:t>изображение от </a:t>
+            </a:r>
+            <a:r>
+              <a:rPr lang="bg-BG" b="1" dirty="0"/>
+              <a:t>интернет</a:t>
+            </a:r>
+            <a:r>
+              <a:rPr lang="bg-BG" dirty="0"/>
+              <a:t>, трябва да</a:t>
+            </a:r>
+            <a:r>
+              <a:rPr lang="bg-BG" dirty="0" smtClean="0"/>
+              <a:t>:</a:t>
+            </a:r>
+          </a:p>
+          <a:p>
+            <a:pPr lvl="1"/>
+            <a:r>
+              <a:rPr lang="bg-BG" dirty="0"/>
+              <a:t>Щракнете с </a:t>
+            </a:r>
+            <a:r>
+              <a:rPr lang="bg-BG" b="1" dirty="0"/>
+              <a:t>десния бутон </a:t>
+            </a:r>
+            <a:r>
+              <a:rPr lang="bg-BG" dirty="0"/>
+              <a:t>на </a:t>
+            </a:r>
+            <a:r>
+              <a:rPr lang="bg-BG" b="1" dirty="0"/>
+              <a:t>мишката</a:t>
+            </a:r>
+            <a:r>
+              <a:rPr lang="bg-BG" dirty="0"/>
+              <a:t> върху графичното изображение</a:t>
+            </a:r>
+          </a:p>
+          <a:p>
+            <a:pPr lvl="1"/>
+            <a:r>
+              <a:rPr lang="bg-BG" dirty="0"/>
+              <a:t>Изберете </a:t>
+            </a:r>
+            <a:r>
+              <a:rPr lang="bg-BG" b="1" dirty="0"/>
+              <a:t>командата</a:t>
+            </a:r>
+            <a:r>
+              <a:rPr lang="bg-BG" dirty="0"/>
+              <a:t> </a:t>
+            </a:r>
+            <a:r>
+              <a:rPr lang="en-US" b="1" dirty="0" smtClean="0">
+                <a:solidFill>
+                  <a:schemeClr val="bg1"/>
+                </a:solidFill>
+              </a:rPr>
+              <a:t>Save image as </a:t>
+            </a:r>
+          </a:p>
+          <a:p>
+            <a:pPr lvl="1"/>
+            <a:r>
+              <a:rPr lang="bg-BG" dirty="0"/>
+              <a:t>Укажете </a:t>
+            </a:r>
+            <a:r>
+              <a:rPr lang="bg-BG" b="1" dirty="0" smtClean="0"/>
+              <a:t>мястото</a:t>
+            </a:r>
+            <a:r>
+              <a:rPr lang="bg-BG" dirty="0" smtClean="0"/>
+              <a:t>, където да се </a:t>
+            </a:r>
+            <a:r>
+              <a:rPr lang="bg-BG" b="1" dirty="0" smtClean="0"/>
+              <a:t>съхрани изображението</a:t>
+            </a:r>
+            <a:endParaRPr lang="bg-BG" b="1" dirty="0"/>
+          </a:p>
+        </p:txBody>
+      </p:sp>
+      <p:sp>
+        <p:nvSpPr>
+          <p:cNvPr id="4" name="Title 3"/>
+          <p:cNvSpPr>
+            <a:spLocks noGrp="1"/>
+          </p:cNvSpPr>
+          <p:nvPr>
+            <p:ph type="title"/>
+          </p:nvPr>
+        </p:nvSpPr>
+        <p:spPr/>
+        <p:txBody>
+          <a:bodyPr>
+            <a:normAutofit fontScale="90000"/>
+          </a:bodyPr>
+          <a:lstStyle/>
+          <a:p>
+            <a:r>
+              <a:rPr lang="bg-BG" dirty="0" smtClean="0"/>
+              <a:t>Запазване на графично изображеие от интернет</a:t>
+            </a:r>
+            <a:endParaRPr lang="en-US" dirty="0"/>
+          </a:p>
+        </p:txBody>
+      </p:sp>
+      <p:pic>
+        <p:nvPicPr>
+          <p:cNvPr id="6" name="Picture 5"/>
+          <p:cNvPicPr>
+            <a:picLocks noChangeAspect="1"/>
+          </p:cNvPicPr>
+          <p:nvPr/>
+        </p:nvPicPr>
+        <p:blipFill rotWithShape="1">
+          <a:blip r:embed="rId3"/>
+          <a:srcRect l="11323" t="50179" r="11025" b="8371"/>
+          <a:stretch/>
+        </p:blipFill>
+        <p:spPr>
+          <a:xfrm>
+            <a:off x="8133657" y="3654000"/>
+            <a:ext cx="2713425" cy="2351184"/>
+          </a:xfrm>
+          <a:prstGeom prst="rect">
+            <a:avLst/>
+          </a:prstGeom>
+          <a:ln>
+            <a:solidFill>
+              <a:schemeClr val="bg2">
+                <a:lumMod val="75000"/>
+              </a:schemeClr>
+            </a:solidFill>
+          </a:ln>
+        </p:spPr>
+      </p:pic>
+      <p:pic>
+        <p:nvPicPr>
+          <p:cNvPr id="7" name="Picture 6" descr="200+ Free Cursor &amp; Click Images - Pixabay"/>
+          <p:cNvPicPr>
+            <a:picLocks noChangeAspect="1" noChangeArrowheads="1"/>
+          </p:cNvPicPr>
+          <p:nvPr/>
+        </p:nvPicPr>
+        <p:blipFill>
+          <a:blip r:embed="rId4" cstate="hqprint">
+            <a:extLst>
+              <a:ext uri="{28A0092B-C50C-407E-A947-70E740481C1C}">
+                <a14:useLocalDpi xmlns:a14="http://schemas.microsoft.com/office/drawing/2010/main" val="0"/>
+              </a:ext>
+            </a:extLst>
+          </a:blip>
+          <a:srcRect/>
+          <a:stretch>
+            <a:fillRect/>
+          </a:stretch>
+        </p:blipFill>
+        <p:spPr bwMode="auto">
+          <a:xfrm>
+            <a:off x="7868998" y="3563124"/>
+            <a:ext cx="749533" cy="971055"/>
+          </a:xfrm>
+          <a:prstGeom prst="rect">
+            <a:avLst/>
+          </a:prstGeom>
+          <a:noFill/>
+          <a:extLst>
+            <a:ext uri="{909E8E84-426E-40DD-AFC4-6F175D3DCCD1}">
+              <a14:hiddenFill xmlns:a14="http://schemas.microsoft.com/office/drawing/2010/main">
+                <a:solidFill>
+                  <a:srgbClr val="FFFFFF"/>
+                </a:solidFill>
+              </a14:hiddenFill>
+            </a:ext>
+          </a:extLst>
+        </p:spPr>
+      </p:pic>
+      <p:pic>
+        <p:nvPicPr>
+          <p:cNvPr id="8" name="Picture 7"/>
+          <p:cNvPicPr>
+            <a:picLocks noChangeAspect="1"/>
+          </p:cNvPicPr>
+          <p:nvPr/>
+        </p:nvPicPr>
+        <p:blipFill>
+          <a:blip r:embed="rId5">
+            <a:extLst>
+              <a:ext uri="{28A0092B-C50C-407E-A947-70E740481C1C}">
+                <a14:useLocalDpi xmlns:a14="http://schemas.microsoft.com/office/drawing/2010/main" val="0"/>
+              </a:ext>
+            </a:extLst>
+          </a:blip>
+          <a:stretch>
+            <a:fillRect/>
+          </a:stretch>
+        </p:blipFill>
+        <p:spPr>
+          <a:xfrm rot="1022919">
+            <a:off x="7474290" y="3239665"/>
+            <a:ext cx="1318731" cy="1318731"/>
+          </a:xfrm>
+          <a:prstGeom prst="rect">
+            <a:avLst/>
+          </a:prstGeom>
+        </p:spPr>
+      </p:pic>
+      <p:sp>
+        <p:nvSpPr>
+          <p:cNvPr id="9" name="Rectangle 8"/>
+          <p:cNvSpPr/>
+          <p:nvPr/>
+        </p:nvSpPr>
+        <p:spPr bwMode="auto">
+          <a:xfrm>
+            <a:off x="8133655" y="4059000"/>
+            <a:ext cx="2713427" cy="310553"/>
+          </a:xfrm>
+          <a:prstGeom prst="rect">
+            <a:avLst/>
+          </a:prstGeom>
+          <a:noFill/>
+          <a:ln w="38100">
+            <a:solidFill>
+              <a:schemeClr val="bg1">
+                <a:lumMod val="60000"/>
+                <a:lumOff val="40000"/>
+                <a:alpha val="80000"/>
+              </a:schemeClr>
+            </a:solidFill>
+          </a:ln>
+          <a:effectLst/>
+        </p:spPr>
+        <p:style>
+          <a:lnRef idx="2">
+            <a:schemeClr val="accent1">
+              <a:shade val="50000"/>
+            </a:schemeClr>
+          </a:lnRef>
+          <a:fillRef idx="1001">
+            <a:schemeClr val="dk2"/>
+          </a:fillRef>
+          <a:effectRef idx="0">
+            <a:schemeClr val="accent1"/>
+          </a:effectRef>
+          <a:fontRef idx="minor">
+            <a:schemeClr val="lt1"/>
+          </a:fontRef>
+        </p:style>
+        <p:txBody>
+          <a:bodyPr rot="0" spcFirstLastPara="0" vertOverflow="overflow" horzOverflow="overflow" vert="horz" wrap="square" lIns="91440" tIns="45720" rIns="91440" bIns="45720" numCol="1" spcCol="0" rtlCol="0" fromWordArt="0" anchor="ctr" anchorCtr="0" forceAA="0" compatLnSpc="1">
+            <a:prstTxWarp prst="textNoShape">
+              <a:avLst/>
+            </a:prstTxWarp>
+            <a:noAutofit/>
+          </a:bodyPr>
+          <a:lstStyle/>
+          <a:p>
+            <a:pPr algn="ctr"/>
+            <a:endParaRPr lang="en-US" sz="2800" b="1" dirty="0">
+              <a:solidFill>
+                <a:srgbClr val="FFFFFF"/>
+              </a:solidFill>
+              <a:effectLst>
+                <a:outerShdw blurRad="38100" dist="38100" dir="2700000" algn="tl">
+                  <a:srgbClr val="000000">
+                    <a:alpha val="43137"/>
+                  </a:srgbClr>
+                </a:outerShdw>
+              </a:effectLst>
+            </a:endParaRPr>
+          </a:p>
+        </p:txBody>
+      </p:sp>
+      <p:pic>
+        <p:nvPicPr>
+          <p:cNvPr id="11" name="Picture 10"/>
+          <p:cNvPicPr>
+            <a:picLocks noChangeAspect="1"/>
+          </p:cNvPicPr>
+          <p:nvPr/>
+        </p:nvPicPr>
+        <p:blipFill>
+          <a:blip r:embed="rId6"/>
+          <a:stretch>
+            <a:fillRect/>
+          </a:stretch>
+        </p:blipFill>
+        <p:spPr>
+          <a:xfrm>
+            <a:off x="6703796" y="1252091"/>
+            <a:ext cx="5049234" cy="2941909"/>
+          </a:xfrm>
+          <a:prstGeom prst="rect">
+            <a:avLst/>
+          </a:prstGeom>
+          <a:ln>
+            <a:solidFill>
+              <a:schemeClr val="bg2">
+                <a:lumMod val="75000"/>
+              </a:schemeClr>
+            </a:solidFill>
+          </a:ln>
+        </p:spPr>
+      </p:pic>
+    </p:spTree>
+    <p:extLst>
+      <p:ext uri="{BB962C8B-B14F-4D97-AF65-F5344CB8AC3E}">
+        <p14:creationId xmlns:p14="http://schemas.microsoft.com/office/powerpoint/2010/main" val="1397534067"/>
+      </p:ext>
+    </p:extLst>
+  </p:cSld>
+  <p:clrMapOvr>
+    <a:masterClrMapping/>
+  </p:clrMapOvr>
+  <mc:AlternateContent xmlns:mc="http://schemas.openxmlformats.org/markup-compatibility/2006" xmlns:p14="http://schemas.microsoft.com/office/powerpoint/2010/main">
+    <mc:Choice Requires="p14">
+      <p:transition spd="slow" p14:dur="2000" advClick="0" advTm="5000"/>
+    </mc:Choice>
+    <mc:Fallback xmlns="">
+      <p:transition spd="slow" advClick="0" advTm="5000"/>
+    </mc:Fallback>
+  </mc:AlternateContent>
+  <p:timing>
+    <p:tnLst>
+      <p:par>
+        <p:cTn id="1" dur="indefinite" restart="never" nodeType="tmRoot">
+          <p:childTnLst>
+            <p:seq concurrent="1" nextAc="seek">
+              <p:cTn id="2" dur="indefinite" nodeType="mainSeq">
+                <p:childTnLst>
+                  <p:par>
+                    <p:cTn id="3" fill="hold">
+                      <p:stCondLst>
+                        <p:cond delay="indefinite"/>
+                      </p:stCondLst>
+                      <p:childTnLst>
+                        <p:par>
+                          <p:cTn id="4" fill="hold">
+                            <p:stCondLst>
+                              <p:cond delay="0"/>
+                            </p:stCondLst>
+                            <p:childTnLst>
+                              <p:par>
+                                <p:cTn id="5" presetID="1" presetClass="entr" presetSubtype="0" fill="hold" nodeType="clickEffect">
+                                  <p:stCondLst>
+                                    <p:cond delay="0"/>
+                                  </p:stCondLst>
+                                  <p:childTnLst>
+                                    <p:set>
+                                      <p:cBhvr>
+                                        <p:cTn id="6" dur="1" fill="hold">
+                                          <p:stCondLst>
+                                            <p:cond delay="0"/>
+                                          </p:stCondLst>
+                                        </p:cTn>
+                                        <p:tgtEl>
+                                          <p:spTgt spid="3">
+                                            <p:txEl>
+                                              <p:pRg st="1" end="1"/>
+                                            </p:txEl>
+                                          </p:spTgt>
+                                        </p:tgtEl>
+                                        <p:attrNameLst>
+                                          <p:attrName>style.visibility</p:attrName>
+                                        </p:attrNameLst>
+                                      </p:cBhvr>
+                                      <p:to>
+                                        <p:strVal val="visible"/>
+                                      </p:to>
+                                    </p:set>
+                                  </p:childTnLst>
+                                </p:cTn>
+                              </p:par>
+                            </p:childTnLst>
+                          </p:cTn>
+                        </p:par>
+                      </p:childTnLst>
+                    </p:cTn>
+                  </p:par>
+                  <p:par>
+                    <p:cTn id="7" fill="hold">
+                      <p:stCondLst>
+                        <p:cond delay="indefinite"/>
+                      </p:stCondLst>
+                      <p:childTnLst>
+                        <p:par>
+                          <p:cTn id="8" fill="hold">
+                            <p:stCondLst>
+                              <p:cond delay="0"/>
+                            </p:stCondLst>
+                            <p:childTnLst>
+                              <p:par>
+                                <p:cTn id="9" presetID="1" presetClass="entr" presetSubtype="0" fill="hold" nodeType="clickEffect">
+                                  <p:stCondLst>
+                                    <p:cond delay="0"/>
+                                  </p:stCondLst>
+                                  <p:childTnLst>
+                                    <p:set>
+                                      <p:cBhvr>
+                                        <p:cTn id="10" dur="1" fill="hold">
+                                          <p:stCondLst>
+                                            <p:cond delay="0"/>
+                                          </p:stCondLst>
+                                        </p:cTn>
+                                        <p:tgtEl>
+                                          <p:spTgt spid="7"/>
+                                        </p:tgtEl>
+                                        <p:attrNameLst>
+                                          <p:attrName>style.visibility</p:attrName>
+                                        </p:attrNameLst>
+                                      </p:cBhvr>
+                                      <p:to>
+                                        <p:strVal val="visible"/>
+                                      </p:to>
+                                    </p:set>
+                                  </p:childTnLst>
+                                </p:cTn>
+                              </p:par>
+                            </p:childTnLst>
+                          </p:cTn>
+                        </p:par>
+                        <p:par>
+                          <p:cTn id="11" fill="hold">
+                            <p:stCondLst>
+                              <p:cond delay="0"/>
+                            </p:stCondLst>
+                            <p:childTnLst>
+                              <p:par>
+                                <p:cTn id="12" presetID="1" presetClass="entr" presetSubtype="0" fill="hold" nodeType="afterEffect">
+                                  <p:stCondLst>
+                                    <p:cond delay="0"/>
+                                  </p:stCondLst>
+                                  <p:childTnLst>
+                                    <p:set>
+                                      <p:cBhvr>
+                                        <p:cTn id="13" dur="1" fill="hold">
+                                          <p:stCondLst>
+                                            <p:cond delay="0"/>
+                                          </p:stCondLst>
+                                        </p:cTn>
+                                        <p:tgtEl>
+                                          <p:spTgt spid="8"/>
+                                        </p:tgtEl>
+                                        <p:attrNameLst>
+                                          <p:attrName>style.visibility</p:attrName>
+                                        </p:attrNameLst>
+                                      </p:cBhvr>
+                                      <p:to>
+                                        <p:strVal val="visible"/>
+                                      </p:to>
+                                    </p:set>
+                                  </p:childTnLst>
+                                </p:cTn>
+                              </p:par>
+                            </p:childTnLst>
+                          </p:cTn>
+                        </p:par>
+                        <p:par>
+                          <p:cTn id="14" fill="hold">
+                            <p:stCondLst>
+                              <p:cond delay="0"/>
+                            </p:stCondLst>
+                            <p:childTnLst>
+                              <p:par>
+                                <p:cTn id="15" presetID="1" presetClass="exit" presetSubtype="0" fill="hold" nodeType="afterEffect">
+                                  <p:stCondLst>
+                                    <p:cond delay="500"/>
+                                  </p:stCondLst>
+                                  <p:childTnLst>
+                                    <p:set>
+                                      <p:cBhvr>
+                                        <p:cTn id="16" dur="1" fill="hold">
+                                          <p:stCondLst>
+                                            <p:cond delay="0"/>
+                                          </p:stCondLst>
+                                        </p:cTn>
+                                        <p:tgtEl>
+                                          <p:spTgt spid="7"/>
+                                        </p:tgtEl>
+                                        <p:attrNameLst>
+                                          <p:attrName>style.visibility</p:attrName>
+                                        </p:attrNameLst>
+                                      </p:cBhvr>
+                                      <p:to>
+                                        <p:strVal val="hidden"/>
+                                      </p:to>
+                                    </p:set>
+                                  </p:childTnLst>
+                                </p:cTn>
+                              </p:par>
+                            </p:childTnLst>
+                          </p:cTn>
+                        </p:par>
+                        <p:par>
+                          <p:cTn id="17" fill="hold">
+                            <p:stCondLst>
+                              <p:cond delay="500"/>
+                            </p:stCondLst>
+                            <p:childTnLst>
+                              <p:par>
+                                <p:cTn id="18" presetID="1" presetClass="entr" presetSubtype="0" fill="hold" nodeType="afterEffect">
+                                  <p:stCondLst>
+                                    <p:cond delay="10"/>
+                                  </p:stCondLst>
+                                  <p:childTnLst>
+                                    <p:set>
+                                      <p:cBhvr>
+                                        <p:cTn id="19" dur="1" fill="hold">
+                                          <p:stCondLst>
+                                            <p:cond delay="0"/>
+                                          </p:stCondLst>
+                                        </p:cTn>
+                                        <p:tgtEl>
+                                          <p:spTgt spid="6"/>
+                                        </p:tgtEl>
+                                        <p:attrNameLst>
+                                          <p:attrName>style.visibility</p:attrName>
+                                        </p:attrNameLst>
+                                      </p:cBhvr>
+                                      <p:to>
+                                        <p:strVal val="visible"/>
+                                      </p:to>
+                                    </p:set>
+                                  </p:childTnLst>
+                                </p:cTn>
+                              </p:par>
+                              <p:par>
+                                <p:cTn id="20" presetID="1" presetClass="exit" presetSubtype="0" fill="hold" nodeType="withEffect">
+                                  <p:stCondLst>
+                                    <p:cond delay="10"/>
+                                  </p:stCondLst>
+                                  <p:childTnLst>
+                                    <p:set>
+                                      <p:cBhvr>
+                                        <p:cTn id="21" dur="1" fill="hold">
+                                          <p:stCondLst>
+                                            <p:cond delay="0"/>
+                                          </p:stCondLst>
+                                        </p:cTn>
+                                        <p:tgtEl>
+                                          <p:spTgt spid="8"/>
+                                        </p:tgtEl>
+                                        <p:attrNameLst>
+                                          <p:attrName>style.visibility</p:attrName>
+                                        </p:attrNameLst>
+                                      </p:cBhvr>
+                                      <p:to>
+                                        <p:strVal val="hidden"/>
+                                      </p:to>
+                                    </p:set>
+                                  </p:childTnLst>
+                                </p:cTn>
+                              </p:par>
+                            </p:childTnLst>
+                          </p:cTn>
+                        </p:par>
+                      </p:childTnLst>
+                    </p:cTn>
+                  </p:par>
+                  <p:par>
+                    <p:cTn id="22" fill="hold">
+                      <p:stCondLst>
+                        <p:cond delay="indefinite"/>
+                      </p:stCondLst>
+                      <p:childTnLst>
+                        <p:par>
+                          <p:cTn id="23" fill="hold">
+                            <p:stCondLst>
+                              <p:cond delay="0"/>
+                            </p:stCondLst>
+                            <p:childTnLst>
+                              <p:par>
+                                <p:cTn id="24" presetID="1" presetClass="entr" presetSubtype="0" fill="hold" nodeType="clickEffect">
+                                  <p:stCondLst>
+                                    <p:cond delay="0"/>
+                                  </p:stCondLst>
+                                  <p:childTnLst>
+                                    <p:set>
+                                      <p:cBhvr>
+                                        <p:cTn id="25" dur="1" fill="hold">
+                                          <p:stCondLst>
+                                            <p:cond delay="0"/>
+                                          </p:stCondLst>
+                                        </p:cTn>
+                                        <p:tgtEl>
+                                          <p:spTgt spid="3">
+                                            <p:txEl>
+                                              <p:pRg st="2" end="2"/>
+                                            </p:txEl>
+                                          </p:spTgt>
+                                        </p:tgtEl>
+                                        <p:attrNameLst>
+                                          <p:attrName>style.visibility</p:attrName>
+                                        </p:attrNameLst>
+                                      </p:cBhvr>
+                                      <p:to>
+                                        <p:strVal val="visible"/>
+                                      </p:to>
+                                    </p:set>
+                                  </p:childTnLst>
+                                </p:cTn>
+                              </p:par>
+                              <p:par>
+                                <p:cTn id="26" presetID="1" presetClass="entr" presetSubtype="0" fill="hold" grpId="0" nodeType="withEffect">
+                                  <p:stCondLst>
+                                    <p:cond delay="0"/>
+                                  </p:stCondLst>
+                                  <p:childTnLst>
+                                    <p:set>
+                                      <p:cBhvr>
+                                        <p:cTn id="27" dur="1" fill="hold">
+                                          <p:stCondLst>
+                                            <p:cond delay="0"/>
+                                          </p:stCondLst>
+                                        </p:cTn>
+                                        <p:tgtEl>
+                                          <p:spTgt spid="9"/>
+                                        </p:tgtEl>
+                                        <p:attrNameLst>
+                                          <p:attrName>style.visibility</p:attrName>
+                                        </p:attrNameLst>
+                                      </p:cBhvr>
+                                      <p:to>
+                                        <p:strVal val="visible"/>
+                                      </p:to>
+                                    </p:set>
+                                  </p:childTnLst>
+                                </p:cTn>
+                              </p:par>
+                            </p:childTnLst>
+                          </p:cTn>
+                        </p:par>
+                      </p:childTnLst>
+                    </p:cTn>
+                  </p:par>
+                  <p:par>
+                    <p:cTn id="28" fill="hold">
+                      <p:stCondLst>
+                        <p:cond delay="indefinite"/>
+                      </p:stCondLst>
+                      <p:childTnLst>
+                        <p:par>
+                          <p:cTn id="29" fill="hold">
+                            <p:stCondLst>
+                              <p:cond delay="0"/>
+                            </p:stCondLst>
+                            <p:childTnLst>
+                              <p:par>
+                                <p:cTn id="30" presetID="1" presetClass="entr" presetSubtype="0" fill="hold" nodeType="clickEffect">
+                                  <p:stCondLst>
+                                    <p:cond delay="0"/>
+                                  </p:stCondLst>
+                                  <p:childTnLst>
+                                    <p:set>
+                                      <p:cBhvr>
+                                        <p:cTn id="31" dur="1" fill="hold">
+                                          <p:stCondLst>
+                                            <p:cond delay="0"/>
+                                          </p:stCondLst>
+                                        </p:cTn>
+                                        <p:tgtEl>
+                                          <p:spTgt spid="3">
+                                            <p:txEl>
+                                              <p:pRg st="3" end="3"/>
+                                            </p:txEl>
+                                          </p:spTgt>
+                                        </p:tgtEl>
+                                        <p:attrNameLst>
+                                          <p:attrName>style.visibility</p:attrName>
+                                        </p:attrNameLst>
+                                      </p:cBhvr>
+                                      <p:to>
+                                        <p:strVal val="visible"/>
+                                      </p:to>
+                                    </p:set>
+                                  </p:childTnLst>
+                                </p:cTn>
+                              </p:par>
+                              <p:par>
+                                <p:cTn id="32" presetID="1" presetClass="entr" presetSubtype="0" fill="hold" nodeType="withEffect">
+                                  <p:stCondLst>
+                                    <p:cond delay="0"/>
+                                  </p:stCondLst>
+                                  <p:childTnLst>
+                                    <p:set>
+                                      <p:cBhvr>
+                                        <p:cTn id="33" dur="1" fill="hold">
+                                          <p:stCondLst>
+                                            <p:cond delay="0"/>
+                                          </p:stCondLst>
+                                        </p:cTn>
+                                        <p:tgtEl>
+                                          <p:spTgt spid="11"/>
+                                        </p:tgtEl>
+                                        <p:attrNameLst>
+                                          <p:attrName>style.visibility</p:attrName>
+                                        </p:attrNameLst>
+                                      </p:cBhvr>
+                                      <p:to>
+                                        <p:strVal val="visible"/>
+                                      </p:to>
+                                    </p:set>
+                                  </p:childTnLst>
+                                </p:cTn>
+                              </p:par>
+                              <p:par>
+                                <p:cTn id="34" presetID="1" presetClass="exit" presetSubtype="0" fill="hold" nodeType="withEffect">
+                                  <p:stCondLst>
+                                    <p:cond delay="0"/>
+                                  </p:stCondLst>
+                                  <p:childTnLst>
+                                    <p:set>
+                                      <p:cBhvr>
+                                        <p:cTn id="35" dur="1" fill="hold">
+                                          <p:stCondLst>
+                                            <p:cond delay="0"/>
+                                          </p:stCondLst>
+                                        </p:cTn>
+                                        <p:tgtEl>
+                                          <p:spTgt spid="6"/>
+                                        </p:tgtEl>
+                                        <p:attrNameLst>
+                                          <p:attrName>style.visibility</p:attrName>
+                                        </p:attrNameLst>
+                                      </p:cBhvr>
+                                      <p:to>
+                                        <p:strVal val="hidden"/>
+                                      </p:to>
+                                    </p:set>
+                                  </p:childTnLst>
+                                </p:cTn>
+                              </p:par>
+                              <p:par>
+                                <p:cTn id="36" presetID="1" presetClass="exit" presetSubtype="0" fill="hold" grpId="1" nodeType="withEffect">
+                                  <p:stCondLst>
+                                    <p:cond delay="0"/>
+                                  </p:stCondLst>
+                                  <p:childTnLst>
+                                    <p:set>
+                                      <p:cBhvr>
+                                        <p:cTn id="37" dur="1" fill="hold">
+                                          <p:stCondLst>
+                                            <p:cond delay="0"/>
+                                          </p:stCondLst>
+                                        </p:cTn>
+                                        <p:tgtEl>
+                                          <p:spTgt spid="9"/>
+                                        </p:tgtEl>
+                                        <p:attrNameLst>
+                                          <p:attrName>style.visibility</p:attrName>
+                                        </p:attrNameLst>
+                                      </p:cBhvr>
+                                      <p:to>
+                                        <p:strVal val="hidden"/>
+                                      </p:to>
+                                    </p:set>
+                                  </p:childTnLst>
+                                </p:cTn>
+                              </p:par>
+                              <p:par>
+                                <p:cTn id="38" presetID="1" presetClass="exit" presetSubtype="0" fill="hold" nodeType="withEffect">
+                                  <p:stCondLst>
+                                    <p:cond delay="0"/>
+                                  </p:stCondLst>
+                                  <p:childTnLst>
+                                    <p:set>
+                                      <p:cBhvr>
+                                        <p:cTn id="39" dur="1" fill="hold">
+                                          <p:stCondLst>
+                                            <p:cond delay="0"/>
+                                          </p:stCondLst>
+                                        </p:cTn>
+                                        <p:tgtEl>
+                                          <p:spTgt spid="4098"/>
+                                        </p:tgtEl>
+                                        <p:attrNameLst>
+                                          <p:attrName>style.visibility</p:attrName>
+                                        </p:attrNameLst>
+                                      </p:cBhvr>
+                                      <p:to>
+                                        <p:strVal val="hidden"/>
+                                      </p:to>
+                                    </p:set>
+                                  </p:childTnLst>
+                                </p:cTn>
+                              </p:par>
+                            </p:childTnLst>
+                          </p:cTn>
+                        </p:par>
+                      </p:childTnLst>
+                    </p:cTn>
+                  </p:par>
+                </p:childTnLst>
+              </p:cTn>
+              <p:prevCondLst>
+                <p:cond evt="onPrev" delay="0">
+                  <p:tgtEl>
+                    <p:sldTgt/>
+                  </p:tgtEl>
+                </p:cond>
+              </p:prevCondLst>
+              <p:nextCondLst>
+                <p:cond evt="onNext" delay="0">
+                  <p:tgtEl>
+                    <p:sldTgt/>
+                  </p:tgtEl>
+                </p:cond>
+              </p:nextCondLst>
+            </p:seq>
+          </p:childTnLst>
+        </p:cTn>
+      </p:par>
+    </p:tnLst>
+    <p:bldLst>
+      <p:bldP spid="9" grpId="0" animBg="1"/>
+      <p:bldP spid="9" grpId="1" animBg="1"/>
+    </p:bldLst>
+  </p:timing>
 </p:sld>
 </file>
 

--- a/Courses/Computer-Modeling-and-IT/Computer-Modeling-and-IT-6-Class/24-Search-for-Materials-on-a-Given-Topic/24-Search-for-Materials-on-a-Given-Topic.pptx
+++ b/Courses/Computer-Modeling-and-IT/Computer-Modeling-and-IT-6-Class/24-Search-for-Materials-on-a-Given-Topic/24-Search-for-Materials-on-a-Given-Topic.pptx
@@ -5,10 +5,10 @@
     <p:sldMasterId id="2147483675" r:id="rId1"/>
   </p:sldMasterIdLst>
   <p:notesMasterIdLst>
-    <p:notesMasterId r:id="rId14"/>
+    <p:notesMasterId r:id="rId21"/>
   </p:notesMasterIdLst>
   <p:handoutMasterIdLst>
-    <p:handoutMasterId r:id="rId15"/>
+    <p:handoutMasterId r:id="rId22"/>
   </p:handoutMasterIdLst>
   <p:sldIdLst>
     <p:sldId id="503" r:id="rId2"/>
@@ -20,9 +20,16 @@
     <p:sldId id="591" r:id="rId8"/>
     <p:sldId id="592" r:id="rId9"/>
     <p:sldId id="593" r:id="rId10"/>
-    <p:sldId id="586" r:id="rId11"/>
-    <p:sldId id="504" r:id="rId12"/>
-    <p:sldId id="505" r:id="rId13"/>
+    <p:sldId id="594" r:id="rId11"/>
+    <p:sldId id="595" r:id="rId12"/>
+    <p:sldId id="596" r:id="rId13"/>
+    <p:sldId id="597" r:id="rId14"/>
+    <p:sldId id="598" r:id="rId15"/>
+    <p:sldId id="599" r:id="rId16"/>
+    <p:sldId id="600" r:id="rId17"/>
+    <p:sldId id="586" r:id="rId18"/>
+    <p:sldId id="504" r:id="rId19"/>
+    <p:sldId id="505" r:id="rId20"/>
   </p:sldIdLst>
   <p:sldSz cx="12192000" cy="6858000"/>
   <p:notesSz cx="6858000" cy="9144000"/>
@@ -145,6 +152,17 @@
             <p14:sldId id="593"/>
           </p14:sldIdLst>
         </p14:section>
+        <p14:section name="͏Google преводач" id="{9EBC57B0-4051-42B1-9FA7-3801EEAB795C}">
+          <p14:sldIdLst>
+            <p14:sldId id="594"/>
+            <p14:sldId id="595"/>
+            <p14:sldId id="596"/>
+            <p14:sldId id="597"/>
+            <p14:sldId id="598"/>
+            <p14:sldId id="599"/>
+            <p14:sldId id="600"/>
+          </p14:sldIdLst>
+        </p14:section>
         <p14:section name="Заключение" id="{E19D07F1-86E2-47E9-B2AB-7ADC4F89DC12}">
           <p14:sldIdLst>
             <p14:sldId id="586"/>
@@ -269,7 +287,7 @@
           <a:p>
             <a:fld id="{4E087215-0C8F-4762-A664-737A353EC9A4}" type="datetimeFigureOut">
               <a:rPr lang="bg-BG" smtClean="0"/>
-              <a:t>7.9.2024 г.</a:t>
+              <a:t>8.9.2024 г.</a:t>
             </a:fld>
             <a:endParaRPr lang="bg-BG"/>
           </a:p>
@@ -465,7 +483,7 @@
           <a:p>
             <a:fld id="{72D84649-876A-46C9-8472-14CB09C070D8}" type="datetimeFigureOut">
               <a:rPr lang="en-US" smtClean="0"/>
-              <a:t>9/7/2024</a:t>
+              <a:t>9/8/2024</a:t>
             </a:fld>
             <a:endParaRPr lang="en-US"/>
           </a:p>
@@ -1492,7 +1510,7 @@
             <a:fld id="{3EBA5BD7-F043-4D1B-AA17-CD412FC534DE}" type="slidenum">
               <a:rPr lang="en-US" smtClean="0"/>
               <a:pPr/>
-              <a:t>10</a:t>
+              <a:t>17</a:t>
             </a:fld>
             <a:endParaRPr lang="en-US" dirty="0"/>
           </a:p>
@@ -1683,7 +1701,7 @@
             <a:fld id="{3EBA5BD7-F043-4D1B-AA17-CD412FC534DE}" type="slidenum">
               <a:rPr lang="en-US" smtClean="0"/>
               <a:pPr/>
-              <a:t>11</a:t>
+              <a:t>18</a:t>
             </a:fld>
             <a:endParaRPr lang="en-US" dirty="0"/>
           </a:p>
@@ -1913,7 +1931,7 @@
             <a:fld id="{3EBA5BD7-F043-4D1B-AA17-CD412FC534DE}" type="slidenum">
               <a:rPr lang="en-US" smtClean="0"/>
               <a:pPr/>
-              <a:t>12</a:t>
+              <a:t>19</a:t>
             </a:fld>
             <a:endParaRPr lang="en-US" dirty="0"/>
           </a:p>
@@ -7338,6 +7356,3115 @@
       </p:grpSpPr>
       <p:sp>
         <p:nvSpPr>
+          <p:cNvPr id="6" name="Subtitle 5"/>
+          <p:cNvSpPr>
+            <a:spLocks noGrp="1"/>
+          </p:cNvSpPr>
+          <p:nvPr>
+            <p:ph type="subTitle" sz="quarter" idx="11"/>
+          </p:nvPr>
+        </p:nvSpPr>
+        <p:spPr/>
+        <p:txBody>
+          <a:bodyPr/>
+          <a:lstStyle/>
+          <a:p>
+            <a:r>
+              <a:rPr lang="bg-BG" dirty="0" smtClean="0"/>
+              <a:t>Електронен речник за превод на текст</a:t>
+            </a:r>
+            <a:endParaRPr lang="en-US" dirty="0"/>
+          </a:p>
+        </p:txBody>
+      </p:sp>
+      <p:sp>
+        <p:nvSpPr>
+          <p:cNvPr id="5" name="Title 4"/>
+          <p:cNvSpPr>
+            <a:spLocks noGrp="1"/>
+          </p:cNvSpPr>
+          <p:nvPr>
+            <p:ph type="title" sz="quarter" idx="10"/>
+          </p:nvPr>
+        </p:nvSpPr>
+        <p:spPr/>
+        <p:txBody>
+          <a:bodyPr/>
+          <a:lstStyle/>
+          <a:p>
+            <a:r>
+              <a:rPr lang="en-US" dirty="0"/>
+              <a:t>͏</a:t>
+            </a:r>
+            <a:r>
+              <a:rPr lang="en-US" dirty="0">
+                <a:solidFill>
+                  <a:schemeClr val="accent3"/>
+                </a:solidFill>
+              </a:rPr>
+              <a:t>G</a:t>
+            </a:r>
+            <a:r>
+              <a:rPr lang="en-US" dirty="0">
+                <a:solidFill>
+                  <a:srgbClr val="FF0000"/>
+                </a:solidFill>
+              </a:rPr>
+              <a:t>o</a:t>
+            </a:r>
+            <a:r>
+              <a:rPr lang="en-US" dirty="0">
+                <a:solidFill>
+                  <a:schemeClr val="accent1"/>
+                </a:solidFill>
+              </a:rPr>
+              <a:t>o</a:t>
+            </a:r>
+            <a:r>
+              <a:rPr lang="en-US" dirty="0">
+                <a:solidFill>
+                  <a:srgbClr val="00B0F0"/>
+                </a:solidFill>
+              </a:rPr>
+              <a:t>g</a:t>
+            </a:r>
+            <a:r>
+              <a:rPr lang="en-US" dirty="0">
+                <a:solidFill>
+                  <a:schemeClr val="accent2"/>
+                </a:solidFill>
+              </a:rPr>
+              <a:t>l</a:t>
+            </a:r>
+            <a:r>
+              <a:rPr lang="en-US" dirty="0">
+                <a:solidFill>
+                  <a:srgbClr val="FF0000"/>
+                </a:solidFill>
+              </a:rPr>
+              <a:t>e</a:t>
+            </a:r>
+            <a:r>
+              <a:rPr lang="bg-BG" dirty="0"/>
+              <a:t> </a:t>
+            </a:r>
+            <a:r>
+              <a:rPr lang="bg-BG" dirty="0" smtClean="0"/>
+              <a:t>преводач</a:t>
+            </a:r>
+            <a:endParaRPr lang="en-US" dirty="0"/>
+          </a:p>
+        </p:txBody>
+      </p:sp>
+      <p:pic>
+        <p:nvPicPr>
+          <p:cNvPr id="1026" name="Picture 2" descr="File:Google Translate logo.svg - Wikimedia Commons"/>
+          <p:cNvPicPr>
+            <a:picLocks noChangeAspect="1" noChangeArrowheads="1"/>
+          </p:cNvPicPr>
+          <p:nvPr/>
+        </p:nvPicPr>
+        <p:blipFill>
+          <a:blip r:embed="rId2" cstate="hqprint">
+            <a:extLst>
+              <a:ext uri="{28A0092B-C50C-407E-A947-70E740481C1C}">
+                <a14:useLocalDpi xmlns:a14="http://schemas.microsoft.com/office/drawing/2010/main" val="0"/>
+              </a:ext>
+            </a:extLst>
+          </a:blip>
+          <a:srcRect/>
+          <a:stretch>
+            <a:fillRect/>
+          </a:stretch>
+        </p:blipFill>
+        <p:spPr bwMode="auto">
+          <a:xfrm>
+            <a:off x="5016000" y="1584000"/>
+            <a:ext cx="2171413" cy="2171413"/>
+          </a:xfrm>
+          <a:prstGeom prst="rect">
+            <a:avLst/>
+          </a:prstGeom>
+          <a:noFill/>
+          <a:extLst>
+            <a:ext uri="{909E8E84-426E-40DD-AFC4-6F175D3DCCD1}">
+              <a14:hiddenFill xmlns:a14="http://schemas.microsoft.com/office/drawing/2010/main">
+                <a:solidFill>
+                  <a:srgbClr val="FFFFFF"/>
+                </a:solidFill>
+              </a14:hiddenFill>
+            </a:ext>
+          </a:extLst>
+        </p:spPr>
+      </p:pic>
+    </p:spTree>
+    <p:extLst>
+      <p:ext uri="{BB962C8B-B14F-4D97-AF65-F5344CB8AC3E}">
+        <p14:creationId xmlns:p14="http://schemas.microsoft.com/office/powerpoint/2010/main" val="2471840576"/>
+      </p:ext>
+    </p:extLst>
+  </p:cSld>
+  <p:clrMapOvr>
+    <a:masterClrMapping/>
+  </p:clrMapOvr>
+  <mc:AlternateContent xmlns:mc="http://schemas.openxmlformats.org/markup-compatibility/2006" xmlns:p14="http://schemas.microsoft.com/office/powerpoint/2010/main">
+    <mc:Choice Requires="p14">
+      <p:transition spd="slow" p14:dur="2000" advClick="0" advTm="5000"/>
+    </mc:Choice>
+    <mc:Fallback xmlns="">
+      <p:transition spd="slow" advClick="0" advTm="5000"/>
+    </mc:Fallback>
+  </mc:AlternateContent>
+  <p:timing>
+    <p:tnLst>
+      <p:par>
+        <p:cTn id="1" dur="indefinite" restart="never" nodeType="tmRoot"/>
+      </p:par>
+    </p:tnLst>
+  </p:timing>
+</p:sld>
+</file>
+
+<file path=ppt/slides/slide11.xml><?xml version="1.0" encoding="utf-8"?>
+<p:sld xmlns:a="http://schemas.openxmlformats.org/drawingml/2006/main" xmlns:r="http://schemas.openxmlformats.org/officeDocument/2006/relationships" xmlns:p="http://schemas.openxmlformats.org/presentationml/2006/main">
+  <p:cSld>
+    <p:spTree>
+      <p:nvGrpSpPr>
+        <p:cNvPr id="1" name=""/>
+        <p:cNvGrpSpPr/>
+        <p:nvPr/>
+      </p:nvGrpSpPr>
+      <p:grpSpPr>
+        <a:xfrm>
+          <a:off x="0" y="0"/>
+          <a:ext cx="0" cy="0"/>
+          <a:chOff x="0" y="0"/>
+          <a:chExt cx="0" cy="0"/>
+        </a:xfrm>
+      </p:grpSpPr>
+      <p:sp>
+        <p:nvSpPr>
+          <p:cNvPr id="5" name="Text Placeholder 4"/>
+          <p:cNvSpPr>
+            <a:spLocks noGrp="1"/>
+          </p:cNvSpPr>
+          <p:nvPr>
+            <p:ph type="body" sz="quarter" idx="10"/>
+          </p:nvPr>
+        </p:nvSpPr>
+        <p:spPr/>
+        <p:txBody>
+          <a:bodyPr/>
+          <a:lstStyle/>
+          <a:p>
+            <a:r>
+              <a:rPr lang="bg-BG" dirty="0" smtClean="0"/>
+              <a:t>Често при </a:t>
+            </a:r>
+            <a:r>
+              <a:rPr lang="bg-BG" b="1" dirty="0" smtClean="0"/>
+              <a:t>разработване</a:t>
+            </a:r>
+            <a:r>
+              <a:rPr lang="bg-BG" dirty="0" smtClean="0"/>
+              <a:t> на </a:t>
+            </a:r>
+            <a:r>
+              <a:rPr lang="bg-BG" b="1" dirty="0" smtClean="0"/>
+              <a:t>проект</a:t>
+            </a:r>
+            <a:r>
+              <a:rPr lang="bg-BG" dirty="0" smtClean="0"/>
+              <a:t> намираме </a:t>
+            </a:r>
+            <a:r>
+              <a:rPr lang="bg-BG" b="1" dirty="0" smtClean="0"/>
+              <a:t>информация</a:t>
+            </a:r>
+            <a:r>
+              <a:rPr lang="bg-BG" dirty="0" smtClean="0"/>
+              <a:t> на </a:t>
+            </a:r>
+            <a:r>
+              <a:rPr lang="bg-BG" b="1" dirty="0" smtClean="0"/>
+              <a:t>чужд език</a:t>
+            </a:r>
+            <a:r>
+              <a:rPr lang="bg-BG" dirty="0" smtClean="0"/>
+              <a:t>, която невинаги разбираме</a:t>
+            </a:r>
+          </a:p>
+          <a:p>
+            <a:r>
+              <a:rPr lang="bg-BG" dirty="0" smtClean="0"/>
+              <a:t>В </a:t>
+            </a:r>
+            <a:r>
+              <a:rPr lang="bg-BG" b="1" dirty="0" smtClean="0"/>
+              <a:t>Уикипедия</a:t>
+            </a:r>
+            <a:r>
+              <a:rPr lang="bg-BG" dirty="0" smtClean="0"/>
+              <a:t> например някои </a:t>
+            </a:r>
+            <a:r>
+              <a:rPr lang="bg-BG" b="1" dirty="0" smtClean="0"/>
+              <a:t>страници</a:t>
+            </a:r>
+            <a:r>
+              <a:rPr lang="bg-BG" dirty="0" smtClean="0"/>
+              <a:t> на </a:t>
+            </a:r>
+            <a:r>
+              <a:rPr lang="bg-BG" b="1" dirty="0" smtClean="0"/>
+              <a:t>чужд език </a:t>
+            </a:r>
+            <a:r>
+              <a:rPr lang="bg-BG" dirty="0" smtClean="0"/>
+              <a:t>са много </a:t>
+            </a:r>
+            <a:r>
+              <a:rPr lang="bg-BG" b="1" dirty="0" smtClean="0"/>
+              <a:t>по-развити</a:t>
+            </a:r>
+            <a:r>
+              <a:rPr lang="bg-BG" dirty="0" smtClean="0"/>
+              <a:t> от тези на родния ни език</a:t>
+            </a:r>
+            <a:endParaRPr lang="en-US" dirty="0" smtClean="0"/>
+          </a:p>
+          <a:p>
+            <a:r>
+              <a:rPr lang="bg-BG" dirty="0" smtClean="0"/>
+              <a:t>Сравнете страницата за </a:t>
+            </a:r>
+            <a:r>
+              <a:rPr lang="bg-BG" b="1" dirty="0" smtClean="0"/>
+              <a:t>интернет доставчик </a:t>
+            </a:r>
+            <a:r>
+              <a:rPr lang="bg-BG" dirty="0" smtClean="0"/>
+              <a:t>на </a:t>
+            </a:r>
+            <a:r>
+              <a:rPr lang="bg-BG" b="1" dirty="0" smtClean="0"/>
+              <a:t>български</a:t>
+            </a:r>
+            <a:r>
+              <a:rPr lang="bg-BG" dirty="0" smtClean="0"/>
+              <a:t> и </a:t>
+            </a:r>
+            <a:r>
+              <a:rPr lang="bg-BG" b="1" dirty="0" smtClean="0"/>
+              <a:t>френски</a:t>
+            </a:r>
+            <a:r>
+              <a:rPr lang="bg-BG" dirty="0" smtClean="0"/>
+              <a:t> език:</a:t>
+            </a:r>
+          </a:p>
+          <a:p>
+            <a:pPr lvl="1"/>
+            <a:r>
+              <a:rPr lang="en-US" dirty="0" smtClean="0">
+                <a:hlinkClick r:id="rId2"/>
+              </a:rPr>
+              <a:t>https://bg.wikipedia.org/wiki/</a:t>
+            </a:r>
+            <a:r>
+              <a:rPr lang="bg-BG" dirty="0" smtClean="0">
+                <a:hlinkClick r:id="rId2"/>
+              </a:rPr>
+              <a:t>Интернет_доставчик</a:t>
+            </a:r>
+            <a:endParaRPr lang="bg-BG" dirty="0" smtClean="0"/>
+          </a:p>
+          <a:p>
+            <a:pPr lvl="1"/>
+            <a:r>
+              <a:rPr lang="en-US" dirty="0" smtClean="0">
+                <a:hlinkClick r:id="rId3"/>
+              </a:rPr>
+              <a:t>https://fr.wikipedia.org/wiki/</a:t>
+            </a:r>
+            <a:r>
+              <a:rPr lang="en-US" dirty="0" err="1" smtClean="0">
+                <a:hlinkClick r:id="rId3"/>
+              </a:rPr>
+              <a:t>Fournisseur_d'accès_à_Internet</a:t>
+            </a:r>
+            <a:endParaRPr lang="en-US" dirty="0"/>
+          </a:p>
+        </p:txBody>
+      </p:sp>
+      <p:sp>
+        <p:nvSpPr>
+          <p:cNvPr id="4" name="Title 3"/>
+          <p:cNvSpPr>
+            <a:spLocks noGrp="1"/>
+          </p:cNvSpPr>
+          <p:nvPr>
+            <p:ph type="title"/>
+          </p:nvPr>
+        </p:nvSpPr>
+        <p:spPr/>
+        <p:txBody>
+          <a:bodyPr/>
+          <a:lstStyle/>
+          <a:p>
+            <a:r>
+              <a:rPr lang="bg-BG" dirty="0" smtClean="0"/>
+              <a:t>Материали на чужд език</a:t>
+            </a:r>
+            <a:endParaRPr lang="en-US" dirty="0"/>
+          </a:p>
+        </p:txBody>
+      </p:sp>
+    </p:spTree>
+    <p:extLst>
+      <p:ext uri="{BB962C8B-B14F-4D97-AF65-F5344CB8AC3E}">
+        <p14:creationId xmlns:p14="http://schemas.microsoft.com/office/powerpoint/2010/main" val="2552237923"/>
+      </p:ext>
+    </p:extLst>
+  </p:cSld>
+  <p:clrMapOvr>
+    <a:masterClrMapping/>
+  </p:clrMapOvr>
+  <mc:AlternateContent xmlns:mc="http://schemas.openxmlformats.org/markup-compatibility/2006" xmlns:p14="http://schemas.microsoft.com/office/powerpoint/2010/main">
+    <mc:Choice Requires="p14">
+      <p:transition spd="slow" p14:dur="2000" advClick="0" advTm="5000"/>
+    </mc:Choice>
+    <mc:Fallback xmlns="">
+      <p:transition spd="slow" advClick="0" advTm="5000"/>
+    </mc:Fallback>
+  </mc:AlternateContent>
+  <p:timing>
+    <p:tnLst>
+      <p:par>
+        <p:cTn id="1" dur="indefinite" restart="never" nodeType="tmRoot">
+          <p:childTnLst>
+            <p:seq concurrent="1" nextAc="seek">
+              <p:cTn id="2" dur="indefinite" nodeType="mainSeq">
+                <p:childTnLst>
+                  <p:par>
+                    <p:cTn id="3" fill="hold">
+                      <p:stCondLst>
+                        <p:cond delay="indefinite"/>
+                      </p:stCondLst>
+                      <p:childTnLst>
+                        <p:par>
+                          <p:cTn id="4" fill="hold">
+                            <p:stCondLst>
+                              <p:cond delay="0"/>
+                            </p:stCondLst>
+                            <p:childTnLst>
+                              <p:par>
+                                <p:cTn id="5" presetID="1" presetClass="entr" presetSubtype="0" fill="hold" nodeType="clickEffect">
+                                  <p:stCondLst>
+                                    <p:cond delay="0"/>
+                                  </p:stCondLst>
+                                  <p:childTnLst>
+                                    <p:set>
+                                      <p:cBhvr>
+                                        <p:cTn id="6" dur="1" fill="hold">
+                                          <p:stCondLst>
+                                            <p:cond delay="0"/>
+                                          </p:stCondLst>
+                                        </p:cTn>
+                                        <p:tgtEl>
+                                          <p:spTgt spid="5">
+                                            <p:txEl>
+                                              <p:pRg st="1" end="1"/>
+                                            </p:txEl>
+                                          </p:spTgt>
+                                        </p:tgtEl>
+                                        <p:attrNameLst>
+                                          <p:attrName>style.visibility</p:attrName>
+                                        </p:attrNameLst>
+                                      </p:cBhvr>
+                                      <p:to>
+                                        <p:strVal val="visible"/>
+                                      </p:to>
+                                    </p:set>
+                                  </p:childTnLst>
+                                </p:cTn>
+                              </p:par>
+                            </p:childTnLst>
+                          </p:cTn>
+                        </p:par>
+                      </p:childTnLst>
+                    </p:cTn>
+                  </p:par>
+                  <p:par>
+                    <p:cTn id="7" fill="hold">
+                      <p:stCondLst>
+                        <p:cond delay="indefinite"/>
+                      </p:stCondLst>
+                      <p:childTnLst>
+                        <p:par>
+                          <p:cTn id="8" fill="hold">
+                            <p:stCondLst>
+                              <p:cond delay="0"/>
+                            </p:stCondLst>
+                            <p:childTnLst>
+                              <p:par>
+                                <p:cTn id="9" presetID="1" presetClass="entr" presetSubtype="0" fill="hold" nodeType="clickEffect">
+                                  <p:stCondLst>
+                                    <p:cond delay="0"/>
+                                  </p:stCondLst>
+                                  <p:childTnLst>
+                                    <p:set>
+                                      <p:cBhvr>
+                                        <p:cTn id="10" dur="1" fill="hold">
+                                          <p:stCondLst>
+                                            <p:cond delay="0"/>
+                                          </p:stCondLst>
+                                        </p:cTn>
+                                        <p:tgtEl>
+                                          <p:spTgt spid="5">
+                                            <p:txEl>
+                                              <p:pRg st="2" end="2"/>
+                                            </p:txEl>
+                                          </p:spTgt>
+                                        </p:tgtEl>
+                                        <p:attrNameLst>
+                                          <p:attrName>style.visibility</p:attrName>
+                                        </p:attrNameLst>
+                                      </p:cBhvr>
+                                      <p:to>
+                                        <p:strVal val="visible"/>
+                                      </p:to>
+                                    </p:set>
+                                  </p:childTnLst>
+                                </p:cTn>
+                              </p:par>
+                            </p:childTnLst>
+                          </p:cTn>
+                        </p:par>
+                      </p:childTnLst>
+                    </p:cTn>
+                  </p:par>
+                  <p:par>
+                    <p:cTn id="11" fill="hold">
+                      <p:stCondLst>
+                        <p:cond delay="indefinite"/>
+                      </p:stCondLst>
+                      <p:childTnLst>
+                        <p:par>
+                          <p:cTn id="12" fill="hold">
+                            <p:stCondLst>
+                              <p:cond delay="0"/>
+                            </p:stCondLst>
+                            <p:childTnLst>
+                              <p:par>
+                                <p:cTn id="13" presetID="1" presetClass="entr" presetSubtype="0" fill="hold" nodeType="clickEffect">
+                                  <p:stCondLst>
+                                    <p:cond delay="0"/>
+                                  </p:stCondLst>
+                                  <p:childTnLst>
+                                    <p:set>
+                                      <p:cBhvr>
+                                        <p:cTn id="14" dur="1" fill="hold">
+                                          <p:stCondLst>
+                                            <p:cond delay="0"/>
+                                          </p:stCondLst>
+                                        </p:cTn>
+                                        <p:tgtEl>
+                                          <p:spTgt spid="5">
+                                            <p:txEl>
+                                              <p:pRg st="3" end="3"/>
+                                            </p:txEl>
+                                          </p:spTgt>
+                                        </p:tgtEl>
+                                        <p:attrNameLst>
+                                          <p:attrName>style.visibility</p:attrName>
+                                        </p:attrNameLst>
+                                      </p:cBhvr>
+                                      <p:to>
+                                        <p:strVal val="visible"/>
+                                      </p:to>
+                                    </p:set>
+                                  </p:childTnLst>
+                                </p:cTn>
+                              </p:par>
+                            </p:childTnLst>
+                          </p:cTn>
+                        </p:par>
+                      </p:childTnLst>
+                    </p:cTn>
+                  </p:par>
+                  <p:par>
+                    <p:cTn id="15" fill="hold">
+                      <p:stCondLst>
+                        <p:cond delay="indefinite"/>
+                      </p:stCondLst>
+                      <p:childTnLst>
+                        <p:par>
+                          <p:cTn id="16" fill="hold">
+                            <p:stCondLst>
+                              <p:cond delay="0"/>
+                            </p:stCondLst>
+                            <p:childTnLst>
+                              <p:par>
+                                <p:cTn id="17" presetID="1" presetClass="entr" presetSubtype="0" fill="hold" nodeType="clickEffect">
+                                  <p:stCondLst>
+                                    <p:cond delay="0"/>
+                                  </p:stCondLst>
+                                  <p:childTnLst>
+                                    <p:set>
+                                      <p:cBhvr>
+                                        <p:cTn id="18" dur="1" fill="hold">
+                                          <p:stCondLst>
+                                            <p:cond delay="0"/>
+                                          </p:stCondLst>
+                                        </p:cTn>
+                                        <p:tgtEl>
+                                          <p:spTgt spid="5">
+                                            <p:txEl>
+                                              <p:pRg st="4" end="4"/>
+                                            </p:txEl>
+                                          </p:spTgt>
+                                        </p:tgtEl>
+                                        <p:attrNameLst>
+                                          <p:attrName>style.visibility</p:attrName>
+                                        </p:attrNameLst>
+                                      </p:cBhvr>
+                                      <p:to>
+                                        <p:strVal val="visible"/>
+                                      </p:to>
+                                    </p:set>
+                                  </p:childTnLst>
+                                </p:cTn>
+                              </p:par>
+                            </p:childTnLst>
+                          </p:cTn>
+                        </p:par>
+                      </p:childTnLst>
+                    </p:cTn>
+                  </p:par>
+                </p:childTnLst>
+              </p:cTn>
+              <p:prevCondLst>
+                <p:cond evt="onPrev" delay="0">
+                  <p:tgtEl>
+                    <p:sldTgt/>
+                  </p:tgtEl>
+                </p:cond>
+              </p:prevCondLst>
+              <p:nextCondLst>
+                <p:cond evt="onNext" delay="0">
+                  <p:tgtEl>
+                    <p:sldTgt/>
+                  </p:tgtEl>
+                </p:cond>
+              </p:nextCondLst>
+            </p:seq>
+          </p:childTnLst>
+        </p:cTn>
+      </p:par>
+    </p:tnLst>
+  </p:timing>
+</p:sld>
+</file>
+
+<file path=ppt/slides/slide12.xml><?xml version="1.0" encoding="utf-8"?>
+<p:sld xmlns:a="http://schemas.openxmlformats.org/drawingml/2006/main" xmlns:r="http://schemas.openxmlformats.org/officeDocument/2006/relationships" xmlns:p="http://schemas.openxmlformats.org/presentationml/2006/main">
+  <p:cSld>
+    <p:spTree>
+      <p:nvGrpSpPr>
+        <p:cNvPr id="1" name=""/>
+        <p:cNvGrpSpPr/>
+        <p:nvPr/>
+      </p:nvGrpSpPr>
+      <p:grpSpPr>
+        <a:xfrm>
+          <a:off x="0" y="0"/>
+          <a:ext cx="0" cy="0"/>
+          <a:chOff x="0" y="0"/>
+          <a:chExt cx="0" cy="0"/>
+        </a:xfrm>
+      </p:grpSpPr>
+      <p:sp>
+        <p:nvSpPr>
+          <p:cNvPr id="2" name="Slide Number Placeholder 1"/>
+          <p:cNvSpPr>
+            <a:spLocks noGrp="1"/>
+          </p:cNvSpPr>
+          <p:nvPr>
+            <p:ph type="sldNum" sz="quarter" idx="5"/>
+          </p:nvPr>
+        </p:nvSpPr>
+        <p:spPr/>
+        <p:txBody>
+          <a:bodyPr/>
+          <a:lstStyle/>
+          <a:p>
+            <a:fld id="{2BF067CD-8E6B-4360-9AA8-C5DF2A48A6D1}" type="slidenum">
+              <a:rPr lang="en-US" noProof="0" smtClean="0"/>
+              <a:pPr/>
+              <a:t>12</a:t>
+            </a:fld>
+            <a:endParaRPr lang="en-US" noProof="0" dirty="0"/>
+          </a:p>
+        </p:txBody>
+      </p:sp>
+      <p:sp>
+        <p:nvSpPr>
+          <p:cNvPr id="3" name="Text Placeholder 2"/>
+          <p:cNvSpPr>
+            <a:spLocks noGrp="1"/>
+          </p:cNvSpPr>
+          <p:nvPr>
+            <p:ph type="body" sz="quarter" idx="10"/>
+          </p:nvPr>
+        </p:nvSpPr>
+        <p:spPr/>
+        <p:txBody>
+          <a:bodyPr/>
+          <a:lstStyle/>
+          <a:p>
+            <a:r>
+              <a:rPr lang="bg-BG" dirty="0" smtClean="0"/>
+              <a:t>Един от </a:t>
+            </a:r>
+            <a:r>
+              <a:rPr lang="bg-BG" b="1" dirty="0" smtClean="0"/>
+              <a:t>най-известните</a:t>
+            </a:r>
+            <a:r>
+              <a:rPr lang="bg-BG" dirty="0" smtClean="0"/>
+              <a:t> </a:t>
+            </a:r>
+            <a:r>
+              <a:rPr lang="bg-BG" b="1" dirty="0" smtClean="0"/>
+              <a:t>преводачи</a:t>
+            </a:r>
+            <a:r>
+              <a:rPr lang="bg-BG" dirty="0" smtClean="0"/>
+              <a:t> е този на </a:t>
+            </a:r>
+            <a:r>
+              <a:rPr lang="en-US" b="1" dirty="0" smtClean="0">
+                <a:solidFill>
+                  <a:schemeClr val="accent3"/>
+                </a:solidFill>
+              </a:rPr>
+              <a:t>G</a:t>
+            </a:r>
+            <a:r>
+              <a:rPr lang="en-US" b="1" dirty="0" smtClean="0">
+                <a:solidFill>
+                  <a:srgbClr val="FF0000"/>
+                </a:solidFill>
+              </a:rPr>
+              <a:t>o</a:t>
+            </a:r>
+            <a:r>
+              <a:rPr lang="en-US" b="1" dirty="0" smtClean="0">
+                <a:solidFill>
+                  <a:schemeClr val="accent1"/>
+                </a:solidFill>
+              </a:rPr>
+              <a:t>o</a:t>
+            </a:r>
+            <a:r>
+              <a:rPr lang="en-US" b="1" dirty="0" smtClean="0">
+                <a:solidFill>
+                  <a:srgbClr val="00B0F0"/>
+                </a:solidFill>
+              </a:rPr>
+              <a:t>g</a:t>
+            </a:r>
+            <a:r>
+              <a:rPr lang="en-US" b="1" dirty="0" smtClean="0">
+                <a:solidFill>
+                  <a:schemeClr val="accent2"/>
+                </a:solidFill>
+              </a:rPr>
+              <a:t>l</a:t>
+            </a:r>
+            <a:r>
+              <a:rPr lang="en-US" b="1" dirty="0" smtClean="0">
+                <a:solidFill>
+                  <a:srgbClr val="FF0000"/>
+                </a:solidFill>
+              </a:rPr>
+              <a:t>e</a:t>
+            </a:r>
+            <a:endParaRPr lang="bg-BG" b="1" dirty="0" smtClean="0">
+              <a:solidFill>
+                <a:srgbClr val="FF0000"/>
+              </a:solidFill>
+            </a:endParaRPr>
+          </a:p>
+          <a:p>
+            <a:r>
+              <a:rPr lang="bg-BG" dirty="0" smtClean="0"/>
+              <a:t>Може да достъпите преводача от следния адрес:</a:t>
+            </a:r>
+          </a:p>
+          <a:p>
+            <a:pPr lvl="1"/>
+            <a:r>
+              <a:rPr lang="en-US" dirty="0" smtClean="0">
+                <a:hlinkClick r:id="rId2"/>
+              </a:rPr>
+              <a:t>https</a:t>
+            </a:r>
+            <a:r>
+              <a:rPr lang="en-US" dirty="0">
+                <a:hlinkClick r:id="rId2"/>
+              </a:rPr>
+              <a:t>://</a:t>
+            </a:r>
+            <a:r>
+              <a:rPr lang="en-US" dirty="0" smtClean="0">
+                <a:hlinkClick r:id="rId2"/>
+              </a:rPr>
+              <a:t>translate.google.com</a:t>
+            </a:r>
+            <a:endParaRPr lang="en-US" dirty="0"/>
+          </a:p>
+        </p:txBody>
+      </p:sp>
+      <p:sp>
+        <p:nvSpPr>
+          <p:cNvPr id="4" name="Title 3"/>
+          <p:cNvSpPr>
+            <a:spLocks noGrp="1"/>
+          </p:cNvSpPr>
+          <p:nvPr>
+            <p:ph type="title"/>
+          </p:nvPr>
+        </p:nvSpPr>
+        <p:spPr/>
+        <p:txBody>
+          <a:bodyPr/>
+          <a:lstStyle/>
+          <a:p>
+            <a:r>
+              <a:rPr lang="bg-BG" dirty="0" smtClean="0"/>
+              <a:t>Използване на </a:t>
+            </a:r>
+            <a:r>
+              <a:rPr lang="en-US" dirty="0" smtClean="0"/>
+              <a:t>Google </a:t>
+            </a:r>
+            <a:r>
+              <a:rPr lang="bg-BG" dirty="0" smtClean="0"/>
+              <a:t>преводач</a:t>
+            </a:r>
+            <a:endParaRPr lang="en-US" dirty="0"/>
+          </a:p>
+        </p:txBody>
+      </p:sp>
+      <p:pic>
+        <p:nvPicPr>
+          <p:cNvPr id="6" name="Picture 5"/>
+          <p:cNvPicPr>
+            <a:picLocks noChangeAspect="1"/>
+          </p:cNvPicPr>
+          <p:nvPr/>
+        </p:nvPicPr>
+        <p:blipFill>
+          <a:blip r:embed="rId3"/>
+          <a:stretch>
+            <a:fillRect/>
+          </a:stretch>
+        </p:blipFill>
+        <p:spPr>
+          <a:xfrm>
+            <a:off x="2901000" y="3273166"/>
+            <a:ext cx="6390000" cy="3461250"/>
+          </a:xfrm>
+          <a:prstGeom prst="rect">
+            <a:avLst/>
+          </a:prstGeom>
+          <a:ln>
+            <a:solidFill>
+              <a:schemeClr val="bg2">
+                <a:lumMod val="75000"/>
+              </a:schemeClr>
+            </a:solidFill>
+          </a:ln>
+        </p:spPr>
+      </p:pic>
+    </p:spTree>
+    <p:extLst>
+      <p:ext uri="{BB962C8B-B14F-4D97-AF65-F5344CB8AC3E}">
+        <p14:creationId xmlns:p14="http://schemas.microsoft.com/office/powerpoint/2010/main" val="1918070051"/>
+      </p:ext>
+    </p:extLst>
+  </p:cSld>
+  <p:clrMapOvr>
+    <a:masterClrMapping/>
+  </p:clrMapOvr>
+  <mc:AlternateContent xmlns:mc="http://schemas.openxmlformats.org/markup-compatibility/2006" xmlns:p14="http://schemas.microsoft.com/office/powerpoint/2010/main">
+    <mc:Choice Requires="p14">
+      <p:transition spd="slow" p14:dur="2000" advClick="0" advTm="5000"/>
+    </mc:Choice>
+    <mc:Fallback xmlns="">
+      <p:transition spd="slow" advClick="0" advTm="5000"/>
+    </mc:Fallback>
+  </mc:AlternateContent>
+  <p:timing>
+    <p:tnLst>
+      <p:par>
+        <p:cTn id="1" dur="indefinite" restart="never" nodeType="tmRoot"/>
+      </p:par>
+    </p:tnLst>
+  </p:timing>
+</p:sld>
+</file>
+
+<file path=ppt/slides/slide13.xml><?xml version="1.0" encoding="utf-8"?>
+<p:sld xmlns:a="http://schemas.openxmlformats.org/drawingml/2006/main" xmlns:r="http://schemas.openxmlformats.org/officeDocument/2006/relationships" xmlns:p="http://schemas.openxmlformats.org/presentationml/2006/main">
+  <p:cSld>
+    <p:spTree>
+      <p:nvGrpSpPr>
+        <p:cNvPr id="1" name=""/>
+        <p:cNvGrpSpPr/>
+        <p:nvPr/>
+      </p:nvGrpSpPr>
+      <p:grpSpPr>
+        <a:xfrm>
+          <a:off x="0" y="0"/>
+          <a:ext cx="0" cy="0"/>
+          <a:chOff x="0" y="0"/>
+          <a:chExt cx="0" cy="0"/>
+        </a:xfrm>
+      </p:grpSpPr>
+      <p:pic>
+        <p:nvPicPr>
+          <p:cNvPr id="5" name="Picture 4"/>
+          <p:cNvPicPr>
+            <a:picLocks noChangeAspect="1"/>
+          </p:cNvPicPr>
+          <p:nvPr/>
+        </p:nvPicPr>
+        <p:blipFill rotWithShape="1">
+          <a:blip r:embed="rId2"/>
+          <a:srcRect b="3231"/>
+          <a:stretch/>
+        </p:blipFill>
+        <p:spPr>
+          <a:xfrm>
+            <a:off x="840900" y="1224000"/>
+            <a:ext cx="10510200" cy="5509078"/>
+          </a:xfrm>
+          <a:prstGeom prst="rect">
+            <a:avLst/>
+          </a:prstGeom>
+          <a:ln>
+            <a:solidFill>
+              <a:schemeClr val="bg2">
+                <a:lumMod val="75000"/>
+              </a:schemeClr>
+            </a:solidFill>
+          </a:ln>
+        </p:spPr>
+      </p:pic>
+      <p:sp>
+        <p:nvSpPr>
+          <p:cNvPr id="2" name="Slide Number Placeholder 1"/>
+          <p:cNvSpPr>
+            <a:spLocks noGrp="1"/>
+          </p:cNvSpPr>
+          <p:nvPr>
+            <p:ph type="sldNum" sz="quarter" idx="5"/>
+          </p:nvPr>
+        </p:nvSpPr>
+        <p:spPr/>
+        <p:txBody>
+          <a:bodyPr/>
+          <a:lstStyle/>
+          <a:p>
+            <a:fld id="{2BF067CD-8E6B-4360-9AA8-C5DF2A48A6D1}" type="slidenum">
+              <a:rPr lang="en-US" noProof="0" smtClean="0"/>
+              <a:pPr/>
+              <a:t>13</a:t>
+            </a:fld>
+            <a:endParaRPr lang="en-US" noProof="0" dirty="0"/>
+          </a:p>
+        </p:txBody>
+      </p:sp>
+      <p:sp>
+        <p:nvSpPr>
+          <p:cNvPr id="4" name="Title 3"/>
+          <p:cNvSpPr>
+            <a:spLocks noGrp="1"/>
+          </p:cNvSpPr>
+          <p:nvPr>
+            <p:ph type="title"/>
+          </p:nvPr>
+        </p:nvSpPr>
+        <p:spPr/>
+        <p:txBody>
+          <a:bodyPr/>
+          <a:lstStyle/>
+          <a:p>
+            <a:r>
+              <a:rPr lang="bg-BG" dirty="0" smtClean="0"/>
+              <a:t>Елементи на </a:t>
+            </a:r>
+            <a:r>
+              <a:rPr lang="en-US" dirty="0" smtClean="0"/>
+              <a:t>Google </a:t>
+            </a:r>
+            <a:r>
+              <a:rPr lang="bg-BG" dirty="0" smtClean="0"/>
+              <a:t>преводач</a:t>
+            </a:r>
+            <a:endParaRPr lang="en-US" dirty="0"/>
+          </a:p>
+        </p:txBody>
+      </p:sp>
+      <p:sp>
+        <p:nvSpPr>
+          <p:cNvPr id="6" name="Rounded Rectangular Callout 5"/>
+          <p:cNvSpPr/>
+          <p:nvPr/>
+        </p:nvSpPr>
+        <p:spPr bwMode="auto">
+          <a:xfrm>
+            <a:off x="8391000" y="4734000"/>
+            <a:ext cx="2655000" cy="720000"/>
+          </a:xfrm>
+          <a:prstGeom prst="wedgeRoundRectCallout">
+            <a:avLst>
+              <a:gd name="adj1" fmla="val -67798"/>
+              <a:gd name="adj2" fmla="val -42564"/>
+              <a:gd name="adj3" fmla="val 16667"/>
+            </a:avLst>
+          </a:prstGeom>
+          <a:solidFill>
+            <a:schemeClr val="dk2">
+              <a:alpha val="80000"/>
+            </a:schemeClr>
+          </a:solidFill>
+          <a:ln w="19050">
+            <a:solidFill>
+              <a:schemeClr val="tx1">
+                <a:lumMod val="75000"/>
+                <a:alpha val="80000"/>
+              </a:schemeClr>
+            </a:solidFill>
+          </a:ln>
+          <a:effectLst/>
+        </p:spPr>
+        <p:style>
+          <a:lnRef idx="2">
+            <a:schemeClr val="accent1">
+              <a:shade val="50000"/>
+            </a:schemeClr>
+          </a:lnRef>
+          <a:fillRef idx="1001">
+            <a:schemeClr val="dk2"/>
+          </a:fillRef>
+          <a:effectRef idx="0">
+            <a:schemeClr val="accent1"/>
+          </a:effectRef>
+          <a:fontRef idx="minor">
+            <a:schemeClr val="lt1"/>
+          </a:fontRef>
+        </p:style>
+        <p:txBody>
+          <a:bodyPr rot="0" spcFirstLastPara="0" vertOverflow="overflow" horzOverflow="overflow" vert="horz" wrap="square" lIns="91440" tIns="45720" rIns="91440" bIns="45720" numCol="1" spcCol="0" rtlCol="0" fromWordArt="0" anchor="ctr" anchorCtr="0" forceAA="0" compatLnSpc="1">
+            <a:prstTxWarp prst="textNoShape">
+              <a:avLst/>
+            </a:prstTxWarp>
+            <a:noAutofit/>
+          </a:bodyPr>
+          <a:lstStyle/>
+          <a:p>
+            <a:pPr algn="ctr"/>
+            <a:r>
+              <a:rPr lang="bg-BG" sz="2800" b="1" dirty="0" smtClean="0">
+                <a:solidFill>
+                  <a:srgbClr val="FFFFFF"/>
+                </a:solidFill>
+                <a:effectLst>
+                  <a:outerShdw blurRad="38100" dist="38100" dir="2700000" algn="tl">
+                    <a:srgbClr val="000000">
+                      <a:alpha val="43137"/>
+                    </a:srgbClr>
+                  </a:outerShdw>
+                </a:effectLst>
+              </a:rPr>
+              <a:t>Преведен текст</a:t>
+            </a:r>
+            <a:endParaRPr lang="en-US" sz="2800" b="1" dirty="0">
+              <a:solidFill>
+                <a:srgbClr val="FFFFFF"/>
+              </a:solidFill>
+              <a:effectLst>
+                <a:outerShdw blurRad="38100" dist="38100" dir="2700000" algn="tl">
+                  <a:srgbClr val="000000">
+                    <a:alpha val="43137"/>
+                  </a:srgbClr>
+                </a:outerShdw>
+              </a:effectLst>
+            </a:endParaRPr>
+          </a:p>
+        </p:txBody>
+      </p:sp>
+      <p:sp>
+        <p:nvSpPr>
+          <p:cNvPr id="7" name="Rounded Rectangular Callout 6"/>
+          <p:cNvSpPr/>
+          <p:nvPr/>
+        </p:nvSpPr>
+        <p:spPr bwMode="auto">
+          <a:xfrm>
+            <a:off x="3216000" y="4711908"/>
+            <a:ext cx="2700000" cy="1057092"/>
+          </a:xfrm>
+          <a:prstGeom prst="wedgeRoundRectCallout">
+            <a:avLst>
+              <a:gd name="adj1" fmla="val -68554"/>
+              <a:gd name="adj2" fmla="val -52535"/>
+              <a:gd name="adj3" fmla="val 16667"/>
+            </a:avLst>
+          </a:prstGeom>
+          <a:solidFill>
+            <a:schemeClr val="dk2">
+              <a:alpha val="80000"/>
+            </a:schemeClr>
+          </a:solidFill>
+          <a:ln w="19050">
+            <a:solidFill>
+              <a:schemeClr val="tx1">
+                <a:lumMod val="75000"/>
+                <a:alpha val="80000"/>
+              </a:schemeClr>
+            </a:solidFill>
+          </a:ln>
+          <a:effectLst/>
+        </p:spPr>
+        <p:style>
+          <a:lnRef idx="2">
+            <a:schemeClr val="accent1">
+              <a:shade val="50000"/>
+            </a:schemeClr>
+          </a:lnRef>
+          <a:fillRef idx="1001">
+            <a:schemeClr val="dk2"/>
+          </a:fillRef>
+          <a:effectRef idx="0">
+            <a:schemeClr val="accent1"/>
+          </a:effectRef>
+          <a:fontRef idx="minor">
+            <a:schemeClr val="lt1"/>
+          </a:fontRef>
+        </p:style>
+        <p:txBody>
+          <a:bodyPr rot="0" spcFirstLastPara="0" vertOverflow="overflow" horzOverflow="overflow" vert="horz" wrap="square" lIns="91440" tIns="45720" rIns="91440" bIns="45720" numCol="1" spcCol="0" rtlCol="0" fromWordArt="0" anchor="ctr" anchorCtr="0" forceAA="0" compatLnSpc="1">
+            <a:prstTxWarp prst="textNoShape">
+              <a:avLst/>
+            </a:prstTxWarp>
+            <a:noAutofit/>
+          </a:bodyPr>
+          <a:lstStyle/>
+          <a:p>
+            <a:pPr algn="ctr"/>
+            <a:r>
+              <a:rPr lang="bg-BG" sz="2800" b="1" dirty="0" smtClean="0">
+                <a:solidFill>
+                  <a:srgbClr val="FFFFFF"/>
+                </a:solidFill>
+                <a:effectLst>
+                  <a:outerShdw blurRad="38100" dist="38100" dir="2700000" algn="tl">
+                    <a:srgbClr val="000000">
+                      <a:alpha val="43137"/>
+                    </a:srgbClr>
+                  </a:outerShdw>
+                </a:effectLst>
+              </a:rPr>
+              <a:t>Въвеждане на текст за превод</a:t>
+            </a:r>
+            <a:endParaRPr lang="en-US" sz="2800" b="1" dirty="0">
+              <a:solidFill>
+                <a:srgbClr val="FFFFFF"/>
+              </a:solidFill>
+              <a:effectLst>
+                <a:outerShdw blurRad="38100" dist="38100" dir="2700000" algn="tl">
+                  <a:srgbClr val="000000">
+                    <a:alpha val="43137"/>
+                  </a:srgbClr>
+                </a:outerShdw>
+              </a:effectLst>
+            </a:endParaRPr>
+          </a:p>
+        </p:txBody>
+      </p:sp>
+      <p:sp>
+        <p:nvSpPr>
+          <p:cNvPr id="8" name="Rounded Rectangular Callout 7"/>
+          <p:cNvSpPr/>
+          <p:nvPr/>
+        </p:nvSpPr>
+        <p:spPr bwMode="auto">
+          <a:xfrm>
+            <a:off x="9174407" y="2263809"/>
+            <a:ext cx="2822030" cy="1013565"/>
+          </a:xfrm>
+          <a:prstGeom prst="wedgeRoundRectCallout">
+            <a:avLst>
+              <a:gd name="adj1" fmla="val 1661"/>
+              <a:gd name="adj2" fmla="val 85888"/>
+              <a:gd name="adj3" fmla="val 16667"/>
+            </a:avLst>
+          </a:prstGeom>
+          <a:solidFill>
+            <a:schemeClr val="dk2">
+              <a:alpha val="80000"/>
+            </a:schemeClr>
+          </a:solidFill>
+          <a:ln w="19050">
+            <a:solidFill>
+              <a:schemeClr val="tx1">
+                <a:lumMod val="75000"/>
+                <a:alpha val="80000"/>
+              </a:schemeClr>
+            </a:solidFill>
+          </a:ln>
+          <a:effectLst/>
+        </p:spPr>
+        <p:style>
+          <a:lnRef idx="2">
+            <a:schemeClr val="accent1">
+              <a:shade val="50000"/>
+            </a:schemeClr>
+          </a:lnRef>
+          <a:fillRef idx="1001">
+            <a:schemeClr val="dk2"/>
+          </a:fillRef>
+          <a:effectRef idx="0">
+            <a:schemeClr val="accent1"/>
+          </a:effectRef>
+          <a:fontRef idx="minor">
+            <a:schemeClr val="lt1"/>
+          </a:fontRef>
+        </p:style>
+        <p:txBody>
+          <a:bodyPr rot="0" spcFirstLastPara="0" vertOverflow="overflow" horzOverflow="overflow" vert="horz" wrap="square" lIns="91440" tIns="45720" rIns="91440" bIns="45720" numCol="1" spcCol="0" rtlCol="0" fromWordArt="0" anchor="ctr" anchorCtr="0" forceAA="0" compatLnSpc="1">
+            <a:prstTxWarp prst="textNoShape">
+              <a:avLst/>
+            </a:prstTxWarp>
+            <a:noAutofit/>
+          </a:bodyPr>
+          <a:lstStyle/>
+          <a:p>
+            <a:pPr algn="ctr"/>
+            <a:r>
+              <a:rPr lang="bg-BG" sz="2800" b="1" dirty="0" smtClean="0">
+                <a:solidFill>
+                  <a:srgbClr val="FFFFFF"/>
+                </a:solidFill>
+                <a:effectLst>
+                  <a:outerShdw blurRad="38100" dist="38100" dir="2700000" algn="tl">
+                    <a:srgbClr val="000000">
+                      <a:alpha val="43137"/>
+                    </a:srgbClr>
+                  </a:outerShdw>
+                </a:effectLst>
+              </a:rPr>
+              <a:t>Избор на езици за превод</a:t>
+            </a:r>
+            <a:endParaRPr lang="en-US" sz="2800" b="1" dirty="0">
+              <a:solidFill>
+                <a:srgbClr val="FFFFFF"/>
+              </a:solidFill>
+              <a:effectLst>
+                <a:outerShdw blurRad="38100" dist="38100" dir="2700000" algn="tl">
+                  <a:srgbClr val="000000">
+                    <a:alpha val="43137"/>
+                  </a:srgbClr>
+                </a:outerShdw>
+              </a:effectLst>
+            </a:endParaRPr>
+          </a:p>
+        </p:txBody>
+      </p:sp>
+      <p:sp>
+        <p:nvSpPr>
+          <p:cNvPr id="9" name="Rounded Rectangular Callout 8"/>
+          <p:cNvSpPr/>
+          <p:nvPr/>
+        </p:nvSpPr>
+        <p:spPr bwMode="auto">
+          <a:xfrm>
+            <a:off x="4333537" y="1224000"/>
+            <a:ext cx="4230000" cy="1039809"/>
+          </a:xfrm>
+          <a:prstGeom prst="wedgeRoundRectCallout">
+            <a:avLst>
+              <a:gd name="adj1" fmla="val -30462"/>
+              <a:gd name="adj2" fmla="val 77985"/>
+              <a:gd name="adj3" fmla="val 16667"/>
+            </a:avLst>
+          </a:prstGeom>
+          <a:solidFill>
+            <a:schemeClr val="dk2">
+              <a:alpha val="80000"/>
+            </a:schemeClr>
+          </a:solidFill>
+          <a:ln w="19050">
+            <a:solidFill>
+              <a:schemeClr val="tx1">
+                <a:lumMod val="75000"/>
+                <a:alpha val="80000"/>
+              </a:schemeClr>
+            </a:solidFill>
+          </a:ln>
+          <a:effectLst/>
+        </p:spPr>
+        <p:style>
+          <a:lnRef idx="2">
+            <a:schemeClr val="accent1">
+              <a:shade val="50000"/>
+            </a:schemeClr>
+          </a:lnRef>
+          <a:fillRef idx="1001">
+            <a:schemeClr val="dk2"/>
+          </a:fillRef>
+          <a:effectRef idx="0">
+            <a:schemeClr val="accent1"/>
+          </a:effectRef>
+          <a:fontRef idx="minor">
+            <a:schemeClr val="lt1"/>
+          </a:fontRef>
+        </p:style>
+        <p:txBody>
+          <a:bodyPr rot="0" spcFirstLastPara="0" vertOverflow="overflow" horzOverflow="overflow" vert="horz" wrap="square" lIns="91440" tIns="45720" rIns="91440" bIns="45720" numCol="1" spcCol="0" rtlCol="0" fromWordArt="0" anchor="ctr" anchorCtr="0" forceAA="0" compatLnSpc="1">
+            <a:prstTxWarp prst="textNoShape">
+              <a:avLst/>
+            </a:prstTxWarp>
+            <a:noAutofit/>
+          </a:bodyPr>
+          <a:lstStyle/>
+          <a:p>
+            <a:pPr algn="ctr"/>
+            <a:r>
+              <a:rPr lang="bg-BG" sz="2800" b="1" dirty="0" smtClean="0">
+                <a:solidFill>
+                  <a:srgbClr val="FFFFFF"/>
+                </a:solidFill>
+                <a:effectLst>
+                  <a:outerShdw blurRad="38100" dist="38100" dir="2700000" algn="tl">
+                    <a:srgbClr val="000000">
+                      <a:alpha val="43137"/>
+                    </a:srgbClr>
+                  </a:outerShdw>
+                </a:effectLst>
+              </a:rPr>
+              <a:t>Превод на изображения, документи и уебсайтове</a:t>
+            </a:r>
+            <a:endParaRPr lang="en-US" sz="2800" b="1" dirty="0">
+              <a:solidFill>
+                <a:srgbClr val="FFFFFF"/>
+              </a:solidFill>
+              <a:effectLst>
+                <a:outerShdw blurRad="38100" dist="38100" dir="2700000" algn="tl">
+                  <a:srgbClr val="000000">
+                    <a:alpha val="43137"/>
+                  </a:srgbClr>
+                </a:outerShdw>
+              </a:effectLst>
+            </a:endParaRPr>
+          </a:p>
+        </p:txBody>
+      </p:sp>
+      <p:sp>
+        <p:nvSpPr>
+          <p:cNvPr id="12" name="Rectangle 11"/>
+          <p:cNvSpPr/>
+          <p:nvPr/>
+        </p:nvSpPr>
+        <p:spPr bwMode="auto">
+          <a:xfrm>
+            <a:off x="1056000" y="3412374"/>
+            <a:ext cx="9495000" cy="523617"/>
+          </a:xfrm>
+          <a:prstGeom prst="rect">
+            <a:avLst/>
+          </a:prstGeom>
+          <a:noFill/>
+          <a:ln w="38100">
+            <a:solidFill>
+              <a:schemeClr val="tx1">
+                <a:lumMod val="75000"/>
+                <a:alpha val="80000"/>
+              </a:schemeClr>
+            </a:solidFill>
+          </a:ln>
+          <a:effectLst/>
+        </p:spPr>
+        <p:style>
+          <a:lnRef idx="2">
+            <a:schemeClr val="accent1">
+              <a:shade val="50000"/>
+            </a:schemeClr>
+          </a:lnRef>
+          <a:fillRef idx="1001">
+            <a:schemeClr val="dk2"/>
+          </a:fillRef>
+          <a:effectRef idx="0">
+            <a:schemeClr val="accent1"/>
+          </a:effectRef>
+          <a:fontRef idx="minor">
+            <a:schemeClr val="lt1"/>
+          </a:fontRef>
+        </p:style>
+        <p:txBody>
+          <a:bodyPr rot="0" spcFirstLastPara="0" vertOverflow="overflow" horzOverflow="overflow" vert="horz" wrap="square" lIns="91440" tIns="45720" rIns="91440" bIns="45720" numCol="1" spcCol="0" rtlCol="0" fromWordArt="0" anchor="ctr" anchorCtr="0" forceAA="0" compatLnSpc="1">
+            <a:prstTxWarp prst="textNoShape">
+              <a:avLst/>
+            </a:prstTxWarp>
+            <a:noAutofit/>
+          </a:bodyPr>
+          <a:lstStyle/>
+          <a:p>
+            <a:pPr algn="ctr"/>
+            <a:endParaRPr lang="en-US" sz="2800" b="1" dirty="0">
+              <a:solidFill>
+                <a:srgbClr val="FFFFFF"/>
+              </a:solidFill>
+              <a:effectLst>
+                <a:outerShdw blurRad="38100" dist="38100" dir="2700000" algn="tl">
+                  <a:srgbClr val="000000">
+                    <a:alpha val="43137"/>
+                  </a:srgbClr>
+                </a:outerShdw>
+              </a:effectLst>
+            </a:endParaRPr>
+          </a:p>
+        </p:txBody>
+      </p:sp>
+      <p:sp>
+        <p:nvSpPr>
+          <p:cNvPr id="13" name="Rectangle 12"/>
+          <p:cNvSpPr/>
+          <p:nvPr/>
+        </p:nvSpPr>
+        <p:spPr bwMode="auto">
+          <a:xfrm>
+            <a:off x="2532687" y="2633014"/>
+            <a:ext cx="6120000" cy="644360"/>
+          </a:xfrm>
+          <a:prstGeom prst="rect">
+            <a:avLst/>
+          </a:prstGeom>
+          <a:noFill/>
+          <a:ln w="38100">
+            <a:solidFill>
+              <a:schemeClr val="tx1">
+                <a:lumMod val="75000"/>
+                <a:alpha val="80000"/>
+              </a:schemeClr>
+            </a:solidFill>
+          </a:ln>
+          <a:effectLst/>
+        </p:spPr>
+        <p:style>
+          <a:lnRef idx="2">
+            <a:schemeClr val="accent1">
+              <a:shade val="50000"/>
+            </a:schemeClr>
+          </a:lnRef>
+          <a:fillRef idx="1001">
+            <a:schemeClr val="dk2"/>
+          </a:fillRef>
+          <a:effectRef idx="0">
+            <a:schemeClr val="accent1"/>
+          </a:effectRef>
+          <a:fontRef idx="minor">
+            <a:schemeClr val="lt1"/>
+          </a:fontRef>
+        </p:style>
+        <p:txBody>
+          <a:bodyPr rot="0" spcFirstLastPara="0" vertOverflow="overflow" horzOverflow="overflow" vert="horz" wrap="square" lIns="91440" tIns="45720" rIns="91440" bIns="45720" numCol="1" spcCol="0" rtlCol="0" fromWordArt="0" anchor="ctr" anchorCtr="0" forceAA="0" compatLnSpc="1">
+            <a:prstTxWarp prst="textNoShape">
+              <a:avLst/>
+            </a:prstTxWarp>
+            <a:noAutofit/>
+          </a:bodyPr>
+          <a:lstStyle/>
+          <a:p>
+            <a:pPr algn="ctr"/>
+            <a:endParaRPr lang="en-US" sz="2800" b="1" dirty="0">
+              <a:solidFill>
+                <a:srgbClr val="FFFFFF"/>
+              </a:solidFill>
+              <a:effectLst>
+                <a:outerShdw blurRad="38100" dist="38100" dir="2700000" algn="tl">
+                  <a:srgbClr val="000000">
+                    <a:alpha val="43137"/>
+                  </a:srgbClr>
+                </a:outerShdw>
+              </a:effectLst>
+            </a:endParaRPr>
+          </a:p>
+        </p:txBody>
+      </p:sp>
+    </p:spTree>
+    <p:extLst>
+      <p:ext uri="{BB962C8B-B14F-4D97-AF65-F5344CB8AC3E}">
+        <p14:creationId xmlns:p14="http://schemas.microsoft.com/office/powerpoint/2010/main" val="4291193174"/>
+      </p:ext>
+    </p:extLst>
+  </p:cSld>
+  <p:clrMapOvr>
+    <a:masterClrMapping/>
+  </p:clrMapOvr>
+  <mc:AlternateContent xmlns:mc="http://schemas.openxmlformats.org/markup-compatibility/2006" xmlns:p14="http://schemas.microsoft.com/office/powerpoint/2010/main">
+    <mc:Choice Requires="p14">
+      <p:transition spd="slow" p14:dur="2000" advClick="0" advTm="5000"/>
+    </mc:Choice>
+    <mc:Fallback xmlns="">
+      <p:transition spd="slow" advClick="0" advTm="5000"/>
+    </mc:Fallback>
+  </mc:AlternateContent>
+  <p:timing>
+    <p:tnLst>
+      <p:par>
+        <p:cTn id="1" dur="indefinite" restart="never" nodeType="tmRoot">
+          <p:childTnLst>
+            <p:seq concurrent="1" nextAc="seek">
+              <p:cTn id="2" dur="indefinite" nodeType="mainSeq">
+                <p:childTnLst>
+                  <p:par>
+                    <p:cTn id="3" fill="hold">
+                      <p:stCondLst>
+                        <p:cond delay="indefinite"/>
+                      </p:stCondLst>
+                      <p:childTnLst>
+                        <p:par>
+                          <p:cTn id="4" fill="hold">
+                            <p:stCondLst>
+                              <p:cond delay="0"/>
+                            </p:stCondLst>
+                            <p:childTnLst>
+                              <p:par>
+                                <p:cTn id="5" presetID="1" presetClass="entr" presetSubtype="0" fill="hold" grpId="0" nodeType="clickEffect">
+                                  <p:stCondLst>
+                                    <p:cond delay="0"/>
+                                  </p:stCondLst>
+                                  <p:childTnLst>
+                                    <p:set>
+                                      <p:cBhvr>
+                                        <p:cTn id="6" dur="1" fill="hold">
+                                          <p:stCondLst>
+                                            <p:cond delay="0"/>
+                                          </p:stCondLst>
+                                        </p:cTn>
+                                        <p:tgtEl>
+                                          <p:spTgt spid="12"/>
+                                        </p:tgtEl>
+                                        <p:attrNameLst>
+                                          <p:attrName>style.visibility</p:attrName>
+                                        </p:attrNameLst>
+                                      </p:cBhvr>
+                                      <p:to>
+                                        <p:strVal val="visible"/>
+                                      </p:to>
+                                    </p:set>
+                                  </p:childTnLst>
+                                </p:cTn>
+                              </p:par>
+                            </p:childTnLst>
+                          </p:cTn>
+                        </p:par>
+                      </p:childTnLst>
+                    </p:cTn>
+                  </p:par>
+                  <p:par>
+                    <p:cTn id="7" fill="hold">
+                      <p:stCondLst>
+                        <p:cond delay="indefinite"/>
+                      </p:stCondLst>
+                      <p:childTnLst>
+                        <p:par>
+                          <p:cTn id="8" fill="hold">
+                            <p:stCondLst>
+                              <p:cond delay="0"/>
+                            </p:stCondLst>
+                            <p:childTnLst>
+                              <p:par>
+                                <p:cTn id="9" presetID="1" presetClass="entr" presetSubtype="0" fill="hold" grpId="0" nodeType="clickEffect">
+                                  <p:stCondLst>
+                                    <p:cond delay="0"/>
+                                  </p:stCondLst>
+                                  <p:childTnLst>
+                                    <p:set>
+                                      <p:cBhvr>
+                                        <p:cTn id="10" dur="1" fill="hold">
+                                          <p:stCondLst>
+                                            <p:cond delay="0"/>
+                                          </p:stCondLst>
+                                        </p:cTn>
+                                        <p:tgtEl>
+                                          <p:spTgt spid="8"/>
+                                        </p:tgtEl>
+                                        <p:attrNameLst>
+                                          <p:attrName>style.visibility</p:attrName>
+                                        </p:attrNameLst>
+                                      </p:cBhvr>
+                                      <p:to>
+                                        <p:strVal val="visible"/>
+                                      </p:to>
+                                    </p:set>
+                                  </p:childTnLst>
+                                </p:cTn>
+                              </p:par>
+                            </p:childTnLst>
+                          </p:cTn>
+                        </p:par>
+                      </p:childTnLst>
+                    </p:cTn>
+                  </p:par>
+                  <p:par>
+                    <p:cTn id="11" fill="hold">
+                      <p:stCondLst>
+                        <p:cond delay="indefinite"/>
+                      </p:stCondLst>
+                      <p:childTnLst>
+                        <p:par>
+                          <p:cTn id="12" fill="hold">
+                            <p:stCondLst>
+                              <p:cond delay="0"/>
+                            </p:stCondLst>
+                            <p:childTnLst>
+                              <p:par>
+                                <p:cTn id="13" presetID="1" presetClass="entr" presetSubtype="0" fill="hold" grpId="0" nodeType="clickEffect">
+                                  <p:stCondLst>
+                                    <p:cond delay="0"/>
+                                  </p:stCondLst>
+                                  <p:childTnLst>
+                                    <p:set>
+                                      <p:cBhvr>
+                                        <p:cTn id="14" dur="1" fill="hold">
+                                          <p:stCondLst>
+                                            <p:cond delay="0"/>
+                                          </p:stCondLst>
+                                        </p:cTn>
+                                        <p:tgtEl>
+                                          <p:spTgt spid="7"/>
+                                        </p:tgtEl>
+                                        <p:attrNameLst>
+                                          <p:attrName>style.visibility</p:attrName>
+                                        </p:attrNameLst>
+                                      </p:cBhvr>
+                                      <p:to>
+                                        <p:strVal val="visible"/>
+                                      </p:to>
+                                    </p:set>
+                                  </p:childTnLst>
+                                </p:cTn>
+                              </p:par>
+                            </p:childTnLst>
+                          </p:cTn>
+                        </p:par>
+                      </p:childTnLst>
+                    </p:cTn>
+                  </p:par>
+                  <p:par>
+                    <p:cTn id="15" fill="hold">
+                      <p:stCondLst>
+                        <p:cond delay="indefinite"/>
+                      </p:stCondLst>
+                      <p:childTnLst>
+                        <p:par>
+                          <p:cTn id="16" fill="hold">
+                            <p:stCondLst>
+                              <p:cond delay="0"/>
+                            </p:stCondLst>
+                            <p:childTnLst>
+                              <p:par>
+                                <p:cTn id="17" presetID="1" presetClass="entr" presetSubtype="0" fill="hold" grpId="0" nodeType="clickEffect">
+                                  <p:stCondLst>
+                                    <p:cond delay="0"/>
+                                  </p:stCondLst>
+                                  <p:childTnLst>
+                                    <p:set>
+                                      <p:cBhvr>
+                                        <p:cTn id="18" dur="1" fill="hold">
+                                          <p:stCondLst>
+                                            <p:cond delay="0"/>
+                                          </p:stCondLst>
+                                        </p:cTn>
+                                        <p:tgtEl>
+                                          <p:spTgt spid="6"/>
+                                        </p:tgtEl>
+                                        <p:attrNameLst>
+                                          <p:attrName>style.visibility</p:attrName>
+                                        </p:attrNameLst>
+                                      </p:cBhvr>
+                                      <p:to>
+                                        <p:strVal val="visible"/>
+                                      </p:to>
+                                    </p:set>
+                                  </p:childTnLst>
+                                </p:cTn>
+                              </p:par>
+                            </p:childTnLst>
+                          </p:cTn>
+                        </p:par>
+                      </p:childTnLst>
+                    </p:cTn>
+                  </p:par>
+                  <p:par>
+                    <p:cTn id="19" fill="hold">
+                      <p:stCondLst>
+                        <p:cond delay="indefinite"/>
+                      </p:stCondLst>
+                      <p:childTnLst>
+                        <p:par>
+                          <p:cTn id="20" fill="hold">
+                            <p:stCondLst>
+                              <p:cond delay="0"/>
+                            </p:stCondLst>
+                            <p:childTnLst>
+                              <p:par>
+                                <p:cTn id="21" presetID="1" presetClass="entr" presetSubtype="0" fill="hold" grpId="0" nodeType="clickEffect">
+                                  <p:stCondLst>
+                                    <p:cond delay="0"/>
+                                  </p:stCondLst>
+                                  <p:childTnLst>
+                                    <p:set>
+                                      <p:cBhvr>
+                                        <p:cTn id="22" dur="1" fill="hold">
+                                          <p:stCondLst>
+                                            <p:cond delay="0"/>
+                                          </p:stCondLst>
+                                        </p:cTn>
+                                        <p:tgtEl>
+                                          <p:spTgt spid="13"/>
+                                        </p:tgtEl>
+                                        <p:attrNameLst>
+                                          <p:attrName>style.visibility</p:attrName>
+                                        </p:attrNameLst>
+                                      </p:cBhvr>
+                                      <p:to>
+                                        <p:strVal val="visible"/>
+                                      </p:to>
+                                    </p:set>
+                                  </p:childTnLst>
+                                </p:cTn>
+                              </p:par>
+                            </p:childTnLst>
+                          </p:cTn>
+                        </p:par>
+                      </p:childTnLst>
+                    </p:cTn>
+                  </p:par>
+                  <p:par>
+                    <p:cTn id="23" fill="hold">
+                      <p:stCondLst>
+                        <p:cond delay="indefinite"/>
+                      </p:stCondLst>
+                      <p:childTnLst>
+                        <p:par>
+                          <p:cTn id="24" fill="hold">
+                            <p:stCondLst>
+                              <p:cond delay="0"/>
+                            </p:stCondLst>
+                            <p:childTnLst>
+                              <p:par>
+                                <p:cTn id="25" presetID="1" presetClass="entr" presetSubtype="0" fill="hold" grpId="0" nodeType="clickEffect">
+                                  <p:stCondLst>
+                                    <p:cond delay="0"/>
+                                  </p:stCondLst>
+                                  <p:childTnLst>
+                                    <p:set>
+                                      <p:cBhvr>
+                                        <p:cTn id="26" dur="1" fill="hold">
+                                          <p:stCondLst>
+                                            <p:cond delay="0"/>
+                                          </p:stCondLst>
+                                        </p:cTn>
+                                        <p:tgtEl>
+                                          <p:spTgt spid="9"/>
+                                        </p:tgtEl>
+                                        <p:attrNameLst>
+                                          <p:attrName>style.visibility</p:attrName>
+                                        </p:attrNameLst>
+                                      </p:cBhvr>
+                                      <p:to>
+                                        <p:strVal val="visible"/>
+                                      </p:to>
+                                    </p:set>
+                                  </p:childTnLst>
+                                </p:cTn>
+                              </p:par>
+                            </p:childTnLst>
+                          </p:cTn>
+                        </p:par>
+                      </p:childTnLst>
+                    </p:cTn>
+                  </p:par>
+                </p:childTnLst>
+              </p:cTn>
+              <p:prevCondLst>
+                <p:cond evt="onPrev" delay="0">
+                  <p:tgtEl>
+                    <p:sldTgt/>
+                  </p:tgtEl>
+                </p:cond>
+              </p:prevCondLst>
+              <p:nextCondLst>
+                <p:cond evt="onNext" delay="0">
+                  <p:tgtEl>
+                    <p:sldTgt/>
+                  </p:tgtEl>
+                </p:cond>
+              </p:nextCondLst>
+            </p:seq>
+          </p:childTnLst>
+        </p:cTn>
+      </p:par>
+    </p:tnLst>
+    <p:bldLst>
+      <p:bldP spid="6" grpId="0" animBg="1"/>
+      <p:bldP spid="7" grpId="0" animBg="1"/>
+      <p:bldP spid="8" grpId="0" animBg="1"/>
+      <p:bldP spid="9" grpId="0" animBg="1"/>
+      <p:bldP spid="12" grpId="0" animBg="1"/>
+      <p:bldP spid="13" grpId="0" animBg="1"/>
+    </p:bldLst>
+  </p:timing>
+</p:sld>
+</file>
+
+<file path=ppt/slides/slide14.xml><?xml version="1.0" encoding="utf-8"?>
+<p:sld xmlns:a="http://schemas.openxmlformats.org/drawingml/2006/main" xmlns:r="http://schemas.openxmlformats.org/officeDocument/2006/relationships" xmlns:p="http://schemas.openxmlformats.org/presentationml/2006/main">
+  <p:cSld>
+    <p:spTree>
+      <p:nvGrpSpPr>
+        <p:cNvPr id="1" name=""/>
+        <p:cNvGrpSpPr/>
+        <p:nvPr/>
+      </p:nvGrpSpPr>
+      <p:grpSpPr>
+        <a:xfrm>
+          <a:off x="0" y="0"/>
+          <a:ext cx="0" cy="0"/>
+          <a:chOff x="0" y="0"/>
+          <a:chExt cx="0" cy="0"/>
+        </a:xfrm>
+      </p:grpSpPr>
+      <p:sp>
+        <p:nvSpPr>
+          <p:cNvPr id="2" name="Slide Number Placeholder 1"/>
+          <p:cNvSpPr>
+            <a:spLocks noGrp="1"/>
+          </p:cNvSpPr>
+          <p:nvPr>
+            <p:ph type="sldNum" sz="quarter" idx="5"/>
+          </p:nvPr>
+        </p:nvSpPr>
+        <p:spPr/>
+        <p:txBody>
+          <a:bodyPr/>
+          <a:lstStyle/>
+          <a:p>
+            <a:fld id="{2BF067CD-8E6B-4360-9AA8-C5DF2A48A6D1}" type="slidenum">
+              <a:rPr lang="en-US" noProof="0" smtClean="0"/>
+              <a:pPr/>
+              <a:t>14</a:t>
+            </a:fld>
+            <a:endParaRPr lang="en-US" noProof="0" dirty="0"/>
+          </a:p>
+        </p:txBody>
+      </p:sp>
+      <p:sp>
+        <p:nvSpPr>
+          <p:cNvPr id="3" name="Text Placeholder 2"/>
+          <p:cNvSpPr>
+            <a:spLocks noGrp="1"/>
+          </p:cNvSpPr>
+          <p:nvPr>
+            <p:ph type="body" sz="quarter" idx="10"/>
+          </p:nvPr>
+        </p:nvSpPr>
+        <p:spPr/>
+        <p:txBody>
+          <a:bodyPr/>
+          <a:lstStyle/>
+          <a:p>
+            <a:r>
+              <a:rPr lang="bg-BG" dirty="0" smtClean="0"/>
+              <a:t>За да преведете </a:t>
+            </a:r>
+            <a:r>
+              <a:rPr lang="bg-BG" b="1" dirty="0" smtClean="0"/>
+              <a:t>изображение</a:t>
+            </a:r>
+            <a:r>
+              <a:rPr lang="bg-BG" dirty="0" smtClean="0"/>
+              <a:t> или </a:t>
+            </a:r>
+            <a:r>
+              <a:rPr lang="bg-BG" b="1" dirty="0" smtClean="0"/>
+              <a:t>документ</a:t>
+            </a:r>
+            <a:r>
+              <a:rPr lang="bg-BG" dirty="0" smtClean="0"/>
+              <a:t>, трябва да го </a:t>
+            </a:r>
+            <a:r>
+              <a:rPr lang="bg-BG" b="1" dirty="0" smtClean="0"/>
+              <a:t>качите</a:t>
+            </a:r>
+            <a:r>
+              <a:rPr lang="bg-BG" dirty="0" smtClean="0"/>
+              <a:t> в </a:t>
+            </a:r>
+            <a:r>
+              <a:rPr lang="bg-BG" b="1" dirty="0" smtClean="0"/>
+              <a:t>преводача</a:t>
+            </a:r>
+            <a:r>
+              <a:rPr lang="bg-BG" dirty="0" smtClean="0"/>
+              <a:t> и да </a:t>
+            </a:r>
+            <a:r>
+              <a:rPr lang="bg-BG" b="1" dirty="0" smtClean="0"/>
+              <a:t>изберете език </a:t>
+            </a:r>
+            <a:r>
+              <a:rPr lang="bg-BG" dirty="0" smtClean="0"/>
+              <a:t>за </a:t>
+            </a:r>
+            <a:r>
+              <a:rPr lang="bg-BG" b="1" dirty="0" smtClean="0"/>
+              <a:t>превода</a:t>
+            </a:r>
+            <a:endParaRPr lang="en-US" b="1" dirty="0"/>
+          </a:p>
+        </p:txBody>
+      </p:sp>
+      <p:sp>
+        <p:nvSpPr>
+          <p:cNvPr id="4" name="Title 3"/>
+          <p:cNvSpPr>
+            <a:spLocks noGrp="1"/>
+          </p:cNvSpPr>
+          <p:nvPr>
+            <p:ph type="title"/>
+          </p:nvPr>
+        </p:nvSpPr>
+        <p:spPr/>
+        <p:txBody>
+          <a:bodyPr/>
+          <a:lstStyle/>
+          <a:p>
+            <a:r>
+              <a:rPr lang="bg-BG" dirty="0" smtClean="0"/>
+              <a:t>Превод на изображения и документи</a:t>
+            </a:r>
+            <a:endParaRPr lang="en-US" dirty="0"/>
+          </a:p>
+        </p:txBody>
+      </p:sp>
+      <p:pic>
+        <p:nvPicPr>
+          <p:cNvPr id="5" name="Picture 4"/>
+          <p:cNvPicPr>
+            <a:picLocks noChangeAspect="1"/>
+          </p:cNvPicPr>
+          <p:nvPr/>
+        </p:nvPicPr>
+        <p:blipFill rotWithShape="1">
+          <a:blip r:embed="rId2"/>
+          <a:srcRect l="1504" t="8902" r="2256" b="6425"/>
+          <a:stretch/>
+        </p:blipFill>
+        <p:spPr>
+          <a:xfrm>
+            <a:off x="5961000" y="3159001"/>
+            <a:ext cx="6043276" cy="2880000"/>
+          </a:xfrm>
+          <a:prstGeom prst="rect">
+            <a:avLst/>
+          </a:prstGeom>
+          <a:ln>
+            <a:solidFill>
+              <a:schemeClr val="bg2">
+                <a:lumMod val="75000"/>
+              </a:schemeClr>
+            </a:solidFill>
+          </a:ln>
+        </p:spPr>
+      </p:pic>
+      <p:pic>
+        <p:nvPicPr>
+          <p:cNvPr id="8" name="Picture 7"/>
+          <p:cNvPicPr>
+            <a:picLocks noChangeAspect="1"/>
+          </p:cNvPicPr>
+          <p:nvPr/>
+        </p:nvPicPr>
+        <p:blipFill rotWithShape="1">
+          <a:blip r:embed="rId3"/>
+          <a:srcRect b="2260"/>
+          <a:stretch/>
+        </p:blipFill>
+        <p:spPr>
+          <a:xfrm>
+            <a:off x="351651" y="2718366"/>
+            <a:ext cx="4974052" cy="3761269"/>
+          </a:xfrm>
+          <a:prstGeom prst="rect">
+            <a:avLst/>
+          </a:prstGeom>
+          <a:ln>
+            <a:solidFill>
+              <a:schemeClr val="bg2">
+                <a:lumMod val="75000"/>
+              </a:schemeClr>
+            </a:solidFill>
+          </a:ln>
+        </p:spPr>
+      </p:pic>
+      <p:cxnSp>
+        <p:nvCxnSpPr>
+          <p:cNvPr id="10" name="Straight Arrow Connector 9"/>
+          <p:cNvCxnSpPr/>
+          <p:nvPr/>
+        </p:nvCxnSpPr>
+        <p:spPr>
+          <a:xfrm flipV="1">
+            <a:off x="5376000" y="4599000"/>
+            <a:ext cx="545297" cy="1"/>
+          </a:xfrm>
+          <a:prstGeom prst="straightConnector1">
+            <a:avLst/>
+          </a:prstGeom>
+          <a:ln w="98425">
+            <a:tailEnd type="triangle"/>
+          </a:ln>
+        </p:spPr>
+        <p:style>
+          <a:lnRef idx="1">
+            <a:schemeClr val="dk1"/>
+          </a:lnRef>
+          <a:fillRef idx="0">
+            <a:schemeClr val="dk1"/>
+          </a:fillRef>
+          <a:effectRef idx="0">
+            <a:schemeClr val="dk1"/>
+          </a:effectRef>
+          <a:fontRef idx="minor">
+            <a:schemeClr val="tx1"/>
+          </a:fontRef>
+        </p:style>
+      </p:cxnSp>
+      <p:pic>
+        <p:nvPicPr>
+          <p:cNvPr id="20" name="Picture 19"/>
+          <p:cNvPicPr>
+            <a:picLocks noChangeAspect="1"/>
+          </p:cNvPicPr>
+          <p:nvPr/>
+        </p:nvPicPr>
+        <p:blipFill rotWithShape="1">
+          <a:blip r:embed="rId4"/>
+          <a:srcRect b="7788"/>
+          <a:stretch/>
+        </p:blipFill>
+        <p:spPr>
+          <a:xfrm>
+            <a:off x="6347905" y="2718366"/>
+            <a:ext cx="5269466" cy="3759298"/>
+          </a:xfrm>
+          <a:prstGeom prst="rect">
+            <a:avLst/>
+          </a:prstGeom>
+          <a:ln>
+            <a:solidFill>
+              <a:schemeClr val="bg2">
+                <a:lumMod val="75000"/>
+              </a:schemeClr>
+            </a:solidFill>
+          </a:ln>
+        </p:spPr>
+      </p:pic>
+    </p:spTree>
+    <p:extLst>
+      <p:ext uri="{BB962C8B-B14F-4D97-AF65-F5344CB8AC3E}">
+        <p14:creationId xmlns:p14="http://schemas.microsoft.com/office/powerpoint/2010/main" val="315470502"/>
+      </p:ext>
+    </p:extLst>
+  </p:cSld>
+  <p:clrMapOvr>
+    <a:masterClrMapping/>
+  </p:clrMapOvr>
+  <mc:AlternateContent xmlns:mc="http://schemas.openxmlformats.org/markup-compatibility/2006" xmlns:p14="http://schemas.microsoft.com/office/powerpoint/2010/main">
+    <mc:Choice Requires="p14">
+      <p:transition spd="slow" p14:dur="2000" advClick="0" advTm="5000"/>
+    </mc:Choice>
+    <mc:Fallback xmlns="">
+      <p:transition spd="slow" advClick="0" advTm="5000"/>
+    </mc:Fallback>
+  </mc:AlternateContent>
+  <p:timing>
+    <p:tnLst>
+      <p:par>
+        <p:cTn id="1" dur="indefinite" restart="never" nodeType="tmRoot">
+          <p:childTnLst>
+            <p:seq concurrent="1" nextAc="seek">
+              <p:cTn id="2" dur="indefinite" nodeType="mainSeq">
+                <p:childTnLst>
+                  <p:par>
+                    <p:cTn id="3" fill="hold">
+                      <p:stCondLst>
+                        <p:cond delay="indefinite"/>
+                      </p:stCondLst>
+                      <p:childTnLst>
+                        <p:par>
+                          <p:cTn id="4" fill="hold">
+                            <p:stCondLst>
+                              <p:cond delay="0"/>
+                            </p:stCondLst>
+                            <p:childTnLst>
+                              <p:par>
+                                <p:cTn id="5" presetID="1" presetClass="entr" presetSubtype="0" fill="hold" nodeType="clickEffect">
+                                  <p:stCondLst>
+                                    <p:cond delay="0"/>
+                                  </p:stCondLst>
+                                  <p:childTnLst>
+                                    <p:set>
+                                      <p:cBhvr>
+                                        <p:cTn id="6" dur="1" fill="hold">
+                                          <p:stCondLst>
+                                            <p:cond delay="0"/>
+                                          </p:stCondLst>
+                                        </p:cTn>
+                                        <p:tgtEl>
+                                          <p:spTgt spid="8"/>
+                                        </p:tgtEl>
+                                        <p:attrNameLst>
+                                          <p:attrName>style.visibility</p:attrName>
+                                        </p:attrNameLst>
+                                      </p:cBhvr>
+                                      <p:to>
+                                        <p:strVal val="visible"/>
+                                      </p:to>
+                                    </p:set>
+                                  </p:childTnLst>
+                                </p:cTn>
+                              </p:par>
+                            </p:childTnLst>
+                          </p:cTn>
+                        </p:par>
+                      </p:childTnLst>
+                    </p:cTn>
+                  </p:par>
+                  <p:par>
+                    <p:cTn id="7" fill="hold">
+                      <p:stCondLst>
+                        <p:cond delay="indefinite"/>
+                      </p:stCondLst>
+                      <p:childTnLst>
+                        <p:par>
+                          <p:cTn id="8" fill="hold">
+                            <p:stCondLst>
+                              <p:cond delay="0"/>
+                            </p:stCondLst>
+                            <p:childTnLst>
+                              <p:par>
+                                <p:cTn id="9" presetID="1" presetClass="entr" presetSubtype="0" fill="hold" nodeType="clickEffect">
+                                  <p:stCondLst>
+                                    <p:cond delay="0"/>
+                                  </p:stCondLst>
+                                  <p:childTnLst>
+                                    <p:set>
+                                      <p:cBhvr>
+                                        <p:cTn id="10" dur="1" fill="hold">
+                                          <p:stCondLst>
+                                            <p:cond delay="0"/>
+                                          </p:stCondLst>
+                                        </p:cTn>
+                                        <p:tgtEl>
+                                          <p:spTgt spid="10"/>
+                                        </p:tgtEl>
+                                        <p:attrNameLst>
+                                          <p:attrName>style.visibility</p:attrName>
+                                        </p:attrNameLst>
+                                      </p:cBhvr>
+                                      <p:to>
+                                        <p:strVal val="visible"/>
+                                      </p:to>
+                                    </p:set>
+                                  </p:childTnLst>
+                                </p:cTn>
+                              </p:par>
+                            </p:childTnLst>
+                          </p:cTn>
+                        </p:par>
+                      </p:childTnLst>
+                    </p:cTn>
+                  </p:par>
+                  <p:par>
+                    <p:cTn id="11" fill="hold">
+                      <p:stCondLst>
+                        <p:cond delay="indefinite"/>
+                      </p:stCondLst>
+                      <p:childTnLst>
+                        <p:par>
+                          <p:cTn id="12" fill="hold">
+                            <p:stCondLst>
+                              <p:cond delay="0"/>
+                            </p:stCondLst>
+                            <p:childTnLst>
+                              <p:par>
+                                <p:cTn id="13" presetID="1" presetClass="entr" presetSubtype="0" fill="hold" nodeType="clickEffect">
+                                  <p:stCondLst>
+                                    <p:cond delay="0"/>
+                                  </p:stCondLst>
+                                  <p:childTnLst>
+                                    <p:set>
+                                      <p:cBhvr>
+                                        <p:cTn id="14" dur="1" fill="hold">
+                                          <p:stCondLst>
+                                            <p:cond delay="0"/>
+                                          </p:stCondLst>
+                                        </p:cTn>
+                                        <p:tgtEl>
+                                          <p:spTgt spid="5"/>
+                                        </p:tgtEl>
+                                        <p:attrNameLst>
+                                          <p:attrName>style.visibility</p:attrName>
+                                        </p:attrNameLst>
+                                      </p:cBhvr>
+                                      <p:to>
+                                        <p:strVal val="visible"/>
+                                      </p:to>
+                                    </p:set>
+                                  </p:childTnLst>
+                                </p:cTn>
+                              </p:par>
+                            </p:childTnLst>
+                          </p:cTn>
+                        </p:par>
+                      </p:childTnLst>
+                    </p:cTn>
+                  </p:par>
+                  <p:par>
+                    <p:cTn id="15" fill="hold">
+                      <p:stCondLst>
+                        <p:cond delay="indefinite"/>
+                      </p:stCondLst>
+                      <p:childTnLst>
+                        <p:par>
+                          <p:cTn id="16" fill="hold">
+                            <p:stCondLst>
+                              <p:cond delay="0"/>
+                            </p:stCondLst>
+                            <p:childTnLst>
+                              <p:par>
+                                <p:cTn id="17" presetID="1" presetClass="entr" presetSubtype="0" fill="hold" nodeType="clickEffect">
+                                  <p:stCondLst>
+                                    <p:cond delay="0"/>
+                                  </p:stCondLst>
+                                  <p:childTnLst>
+                                    <p:set>
+                                      <p:cBhvr>
+                                        <p:cTn id="18" dur="1" fill="hold">
+                                          <p:stCondLst>
+                                            <p:cond delay="0"/>
+                                          </p:stCondLst>
+                                        </p:cTn>
+                                        <p:tgtEl>
+                                          <p:spTgt spid="20"/>
+                                        </p:tgtEl>
+                                        <p:attrNameLst>
+                                          <p:attrName>style.visibility</p:attrName>
+                                        </p:attrNameLst>
+                                      </p:cBhvr>
+                                      <p:to>
+                                        <p:strVal val="visible"/>
+                                      </p:to>
+                                    </p:set>
+                                  </p:childTnLst>
+                                </p:cTn>
+                              </p:par>
+                              <p:par>
+                                <p:cTn id="19" presetID="1" presetClass="exit" presetSubtype="0" fill="hold" nodeType="withEffect">
+                                  <p:stCondLst>
+                                    <p:cond delay="0"/>
+                                  </p:stCondLst>
+                                  <p:childTnLst>
+                                    <p:set>
+                                      <p:cBhvr>
+                                        <p:cTn id="20" dur="1" fill="hold">
+                                          <p:stCondLst>
+                                            <p:cond delay="0"/>
+                                          </p:stCondLst>
+                                        </p:cTn>
+                                        <p:tgtEl>
+                                          <p:spTgt spid="5"/>
+                                        </p:tgtEl>
+                                        <p:attrNameLst>
+                                          <p:attrName>style.visibility</p:attrName>
+                                        </p:attrNameLst>
+                                      </p:cBhvr>
+                                      <p:to>
+                                        <p:strVal val="hidden"/>
+                                      </p:to>
+                                    </p:set>
+                                  </p:childTnLst>
+                                </p:cTn>
+                              </p:par>
+                            </p:childTnLst>
+                          </p:cTn>
+                        </p:par>
+                      </p:childTnLst>
+                    </p:cTn>
+                  </p:par>
+                </p:childTnLst>
+              </p:cTn>
+              <p:prevCondLst>
+                <p:cond evt="onPrev" delay="0">
+                  <p:tgtEl>
+                    <p:sldTgt/>
+                  </p:tgtEl>
+                </p:cond>
+              </p:prevCondLst>
+              <p:nextCondLst>
+                <p:cond evt="onNext" delay="0">
+                  <p:tgtEl>
+                    <p:sldTgt/>
+                  </p:tgtEl>
+                </p:cond>
+              </p:nextCondLst>
+            </p:seq>
+          </p:childTnLst>
+        </p:cTn>
+      </p:par>
+    </p:tnLst>
+  </p:timing>
+</p:sld>
+</file>
+
+<file path=ppt/slides/slide15.xml><?xml version="1.0" encoding="utf-8"?>
+<p:sld xmlns:a="http://schemas.openxmlformats.org/drawingml/2006/main" xmlns:r="http://schemas.openxmlformats.org/officeDocument/2006/relationships" xmlns:p="http://schemas.openxmlformats.org/presentationml/2006/main">
+  <p:cSld>
+    <p:spTree>
+      <p:nvGrpSpPr>
+        <p:cNvPr id="1" name=""/>
+        <p:cNvGrpSpPr/>
+        <p:nvPr/>
+      </p:nvGrpSpPr>
+      <p:grpSpPr>
+        <a:xfrm>
+          <a:off x="0" y="0"/>
+          <a:ext cx="0" cy="0"/>
+          <a:chOff x="0" y="0"/>
+          <a:chExt cx="0" cy="0"/>
+        </a:xfrm>
+      </p:grpSpPr>
+      <p:sp>
+        <p:nvSpPr>
+          <p:cNvPr id="2" name="Slide Number Placeholder 1"/>
+          <p:cNvSpPr>
+            <a:spLocks noGrp="1"/>
+          </p:cNvSpPr>
+          <p:nvPr>
+            <p:ph type="sldNum" sz="quarter" idx="5"/>
+          </p:nvPr>
+        </p:nvSpPr>
+        <p:spPr/>
+        <p:txBody>
+          <a:bodyPr/>
+          <a:lstStyle/>
+          <a:p>
+            <a:fld id="{2BF067CD-8E6B-4360-9AA8-C5DF2A48A6D1}" type="slidenum">
+              <a:rPr lang="en-US" noProof="0" smtClean="0"/>
+              <a:pPr/>
+              <a:t>15</a:t>
+            </a:fld>
+            <a:endParaRPr lang="en-US" noProof="0" dirty="0"/>
+          </a:p>
+        </p:txBody>
+      </p:sp>
+      <p:sp>
+        <p:nvSpPr>
+          <p:cNvPr id="3" name="Text Placeholder 2"/>
+          <p:cNvSpPr>
+            <a:spLocks noGrp="1"/>
+          </p:cNvSpPr>
+          <p:nvPr>
+            <p:ph type="body" sz="quarter" idx="10"/>
+          </p:nvPr>
+        </p:nvSpPr>
+        <p:spPr/>
+        <p:txBody>
+          <a:bodyPr/>
+          <a:lstStyle/>
+          <a:p>
+            <a:r>
+              <a:rPr lang="bg-BG" b="1" dirty="0" smtClean="0"/>
+              <a:t>Преводачът</a:t>
+            </a:r>
+            <a:r>
+              <a:rPr lang="bg-BG" dirty="0" smtClean="0"/>
+              <a:t> позволява и </a:t>
+            </a:r>
+            <a:r>
+              <a:rPr lang="bg-BG" b="1" dirty="0" smtClean="0"/>
+              <a:t>превод</a:t>
+            </a:r>
+            <a:r>
+              <a:rPr lang="bg-BG" dirty="0" smtClean="0"/>
+              <a:t> на </a:t>
+            </a:r>
+            <a:r>
+              <a:rPr lang="bg-BG" b="1" dirty="0" smtClean="0"/>
+              <a:t>цели уебсайтове</a:t>
+            </a:r>
+            <a:endParaRPr lang="en-US" b="1" dirty="0"/>
+          </a:p>
+        </p:txBody>
+      </p:sp>
+      <p:sp>
+        <p:nvSpPr>
+          <p:cNvPr id="4" name="Title 3"/>
+          <p:cNvSpPr>
+            <a:spLocks noGrp="1"/>
+          </p:cNvSpPr>
+          <p:nvPr>
+            <p:ph type="title"/>
+          </p:nvPr>
+        </p:nvSpPr>
+        <p:spPr/>
+        <p:txBody>
+          <a:bodyPr/>
+          <a:lstStyle/>
+          <a:p>
+            <a:r>
+              <a:rPr lang="bg-BG" dirty="0" smtClean="0"/>
+              <a:t>Превод на уебсайт</a:t>
+            </a:r>
+            <a:endParaRPr lang="en-US" dirty="0"/>
+          </a:p>
+        </p:txBody>
+      </p:sp>
+      <p:pic>
+        <p:nvPicPr>
+          <p:cNvPr id="6" name="Picture 5"/>
+          <p:cNvPicPr>
+            <a:picLocks noChangeAspect="1"/>
+          </p:cNvPicPr>
+          <p:nvPr/>
+        </p:nvPicPr>
+        <p:blipFill>
+          <a:blip r:embed="rId2"/>
+          <a:stretch>
+            <a:fillRect/>
+          </a:stretch>
+        </p:blipFill>
+        <p:spPr>
+          <a:xfrm>
+            <a:off x="454610" y="2214000"/>
+            <a:ext cx="5684535" cy="4171500"/>
+          </a:xfrm>
+          <a:prstGeom prst="rect">
+            <a:avLst/>
+          </a:prstGeom>
+          <a:ln>
+            <a:solidFill>
+              <a:schemeClr val="bg2">
+                <a:lumMod val="75000"/>
+              </a:schemeClr>
+            </a:solidFill>
+          </a:ln>
+        </p:spPr>
+      </p:pic>
+      <p:cxnSp>
+        <p:nvCxnSpPr>
+          <p:cNvPr id="8" name="Straight Arrow Connector 7"/>
+          <p:cNvCxnSpPr/>
+          <p:nvPr/>
+        </p:nvCxnSpPr>
+        <p:spPr>
+          <a:xfrm flipV="1">
+            <a:off x="6228329" y="4299750"/>
+            <a:ext cx="545297" cy="1"/>
+          </a:xfrm>
+          <a:prstGeom prst="straightConnector1">
+            <a:avLst/>
+          </a:prstGeom>
+          <a:ln w="98425">
+            <a:tailEnd type="triangle"/>
+          </a:ln>
+        </p:spPr>
+        <p:style>
+          <a:lnRef idx="1">
+            <a:schemeClr val="dk1"/>
+          </a:lnRef>
+          <a:fillRef idx="0">
+            <a:schemeClr val="dk1"/>
+          </a:fillRef>
+          <a:effectRef idx="0">
+            <a:schemeClr val="dk1"/>
+          </a:effectRef>
+          <a:fontRef idx="minor">
+            <a:schemeClr val="tx1"/>
+          </a:fontRef>
+        </p:style>
+      </p:cxnSp>
+      <p:pic>
+        <p:nvPicPr>
+          <p:cNvPr id="9" name="Picture 8"/>
+          <p:cNvPicPr>
+            <a:picLocks noChangeAspect="1"/>
+          </p:cNvPicPr>
+          <p:nvPr/>
+        </p:nvPicPr>
+        <p:blipFill>
+          <a:blip r:embed="rId3"/>
+          <a:stretch>
+            <a:fillRect/>
+          </a:stretch>
+        </p:blipFill>
+        <p:spPr>
+          <a:xfrm>
+            <a:off x="6862810" y="2214000"/>
+            <a:ext cx="4768190" cy="4171500"/>
+          </a:xfrm>
+          <a:prstGeom prst="rect">
+            <a:avLst/>
+          </a:prstGeom>
+        </p:spPr>
+      </p:pic>
+    </p:spTree>
+    <p:extLst>
+      <p:ext uri="{BB962C8B-B14F-4D97-AF65-F5344CB8AC3E}">
+        <p14:creationId xmlns:p14="http://schemas.microsoft.com/office/powerpoint/2010/main" val="52415482"/>
+      </p:ext>
+    </p:extLst>
+  </p:cSld>
+  <p:clrMapOvr>
+    <a:masterClrMapping/>
+  </p:clrMapOvr>
+  <mc:AlternateContent xmlns:mc="http://schemas.openxmlformats.org/markup-compatibility/2006" xmlns:p14="http://schemas.microsoft.com/office/powerpoint/2010/main">
+    <mc:Choice Requires="p14">
+      <p:transition spd="slow" p14:dur="2000" advClick="0" advTm="5000"/>
+    </mc:Choice>
+    <mc:Fallback xmlns="">
+      <p:transition spd="slow" advClick="0" advTm="5000"/>
+    </mc:Fallback>
+  </mc:AlternateContent>
+  <p:timing>
+    <p:tnLst>
+      <p:par>
+        <p:cTn id="1" dur="indefinite" restart="never" nodeType="tmRoot">
+          <p:childTnLst>
+            <p:seq concurrent="1" nextAc="seek">
+              <p:cTn id="2" dur="indefinite" nodeType="mainSeq">
+                <p:childTnLst>
+                  <p:par>
+                    <p:cTn id="3" fill="hold">
+                      <p:stCondLst>
+                        <p:cond delay="indefinite"/>
+                      </p:stCondLst>
+                      <p:childTnLst>
+                        <p:par>
+                          <p:cTn id="4" fill="hold">
+                            <p:stCondLst>
+                              <p:cond delay="0"/>
+                            </p:stCondLst>
+                            <p:childTnLst>
+                              <p:par>
+                                <p:cTn id="5" presetID="1" presetClass="entr" presetSubtype="0" fill="hold" nodeType="clickEffect">
+                                  <p:stCondLst>
+                                    <p:cond delay="0"/>
+                                  </p:stCondLst>
+                                  <p:childTnLst>
+                                    <p:set>
+                                      <p:cBhvr>
+                                        <p:cTn id="6" dur="1" fill="hold">
+                                          <p:stCondLst>
+                                            <p:cond delay="0"/>
+                                          </p:stCondLst>
+                                        </p:cTn>
+                                        <p:tgtEl>
+                                          <p:spTgt spid="6"/>
+                                        </p:tgtEl>
+                                        <p:attrNameLst>
+                                          <p:attrName>style.visibility</p:attrName>
+                                        </p:attrNameLst>
+                                      </p:cBhvr>
+                                      <p:to>
+                                        <p:strVal val="visible"/>
+                                      </p:to>
+                                    </p:set>
+                                  </p:childTnLst>
+                                </p:cTn>
+                              </p:par>
+                            </p:childTnLst>
+                          </p:cTn>
+                        </p:par>
+                      </p:childTnLst>
+                    </p:cTn>
+                  </p:par>
+                  <p:par>
+                    <p:cTn id="7" fill="hold">
+                      <p:stCondLst>
+                        <p:cond delay="indefinite"/>
+                      </p:stCondLst>
+                      <p:childTnLst>
+                        <p:par>
+                          <p:cTn id="8" fill="hold">
+                            <p:stCondLst>
+                              <p:cond delay="0"/>
+                            </p:stCondLst>
+                            <p:childTnLst>
+                              <p:par>
+                                <p:cTn id="9" presetID="1" presetClass="entr" presetSubtype="0" fill="hold" nodeType="clickEffect">
+                                  <p:stCondLst>
+                                    <p:cond delay="0"/>
+                                  </p:stCondLst>
+                                  <p:childTnLst>
+                                    <p:set>
+                                      <p:cBhvr>
+                                        <p:cTn id="10" dur="1" fill="hold">
+                                          <p:stCondLst>
+                                            <p:cond delay="0"/>
+                                          </p:stCondLst>
+                                        </p:cTn>
+                                        <p:tgtEl>
+                                          <p:spTgt spid="8"/>
+                                        </p:tgtEl>
+                                        <p:attrNameLst>
+                                          <p:attrName>style.visibility</p:attrName>
+                                        </p:attrNameLst>
+                                      </p:cBhvr>
+                                      <p:to>
+                                        <p:strVal val="visible"/>
+                                      </p:to>
+                                    </p:set>
+                                  </p:childTnLst>
+                                </p:cTn>
+                              </p:par>
+                            </p:childTnLst>
+                          </p:cTn>
+                        </p:par>
+                      </p:childTnLst>
+                    </p:cTn>
+                  </p:par>
+                  <p:par>
+                    <p:cTn id="11" fill="hold">
+                      <p:stCondLst>
+                        <p:cond delay="indefinite"/>
+                      </p:stCondLst>
+                      <p:childTnLst>
+                        <p:par>
+                          <p:cTn id="12" fill="hold">
+                            <p:stCondLst>
+                              <p:cond delay="0"/>
+                            </p:stCondLst>
+                            <p:childTnLst>
+                              <p:par>
+                                <p:cTn id="13" presetID="1" presetClass="entr" presetSubtype="0" fill="hold" nodeType="clickEffect">
+                                  <p:stCondLst>
+                                    <p:cond delay="0"/>
+                                  </p:stCondLst>
+                                  <p:childTnLst>
+                                    <p:set>
+                                      <p:cBhvr>
+                                        <p:cTn id="14" dur="1" fill="hold">
+                                          <p:stCondLst>
+                                            <p:cond delay="0"/>
+                                          </p:stCondLst>
+                                        </p:cTn>
+                                        <p:tgtEl>
+                                          <p:spTgt spid="9"/>
+                                        </p:tgtEl>
+                                        <p:attrNameLst>
+                                          <p:attrName>style.visibility</p:attrName>
+                                        </p:attrNameLst>
+                                      </p:cBhvr>
+                                      <p:to>
+                                        <p:strVal val="visible"/>
+                                      </p:to>
+                                    </p:set>
+                                  </p:childTnLst>
+                                </p:cTn>
+                              </p:par>
+                            </p:childTnLst>
+                          </p:cTn>
+                        </p:par>
+                      </p:childTnLst>
+                    </p:cTn>
+                  </p:par>
+                </p:childTnLst>
+              </p:cTn>
+              <p:prevCondLst>
+                <p:cond evt="onPrev" delay="0">
+                  <p:tgtEl>
+                    <p:sldTgt/>
+                  </p:tgtEl>
+                </p:cond>
+              </p:prevCondLst>
+              <p:nextCondLst>
+                <p:cond evt="onNext" delay="0">
+                  <p:tgtEl>
+                    <p:sldTgt/>
+                  </p:tgtEl>
+                </p:cond>
+              </p:nextCondLst>
+            </p:seq>
+          </p:childTnLst>
+        </p:cTn>
+      </p:par>
+    </p:tnLst>
+  </p:timing>
+</p:sld>
+</file>
+
+<file path=ppt/slides/slide16.xml><?xml version="1.0" encoding="utf-8"?>
+<p:sld xmlns:a="http://schemas.openxmlformats.org/drawingml/2006/main" xmlns:r="http://schemas.openxmlformats.org/officeDocument/2006/relationships" xmlns:p="http://schemas.openxmlformats.org/presentationml/2006/main">
+  <p:cSld>
+    <p:spTree>
+      <p:nvGrpSpPr>
+        <p:cNvPr id="1" name=""/>
+        <p:cNvGrpSpPr/>
+        <p:nvPr/>
+      </p:nvGrpSpPr>
+      <p:grpSpPr>
+        <a:xfrm>
+          <a:off x="0" y="0"/>
+          <a:ext cx="0" cy="0"/>
+          <a:chOff x="0" y="0"/>
+          <a:chExt cx="0" cy="0"/>
+        </a:xfrm>
+      </p:grpSpPr>
+      <p:sp>
+        <p:nvSpPr>
+          <p:cNvPr id="2" name="Slide Number Placeholder 1"/>
+          <p:cNvSpPr>
+            <a:spLocks noGrp="1"/>
+          </p:cNvSpPr>
+          <p:nvPr>
+            <p:ph type="sldNum" sz="quarter" idx="5"/>
+          </p:nvPr>
+        </p:nvSpPr>
+        <p:spPr/>
+        <p:txBody>
+          <a:bodyPr/>
+          <a:lstStyle/>
+          <a:p>
+            <a:fld id="{2BF067CD-8E6B-4360-9AA8-C5DF2A48A6D1}" type="slidenum">
+              <a:rPr lang="en-US" noProof="0" smtClean="0"/>
+              <a:pPr/>
+              <a:t>16</a:t>
+            </a:fld>
+            <a:endParaRPr lang="en-US" noProof="0" dirty="0"/>
+          </a:p>
+        </p:txBody>
+      </p:sp>
+      <p:sp>
+        <p:nvSpPr>
+          <p:cNvPr id="3" name="Text Placeholder 2"/>
+          <p:cNvSpPr>
+            <a:spLocks noGrp="1"/>
+          </p:cNvSpPr>
+          <p:nvPr>
+            <p:ph type="body" sz="quarter" idx="10"/>
+          </p:nvPr>
+        </p:nvSpPr>
+        <p:spPr/>
+        <p:txBody>
+          <a:bodyPr/>
+          <a:lstStyle/>
+          <a:p>
+            <a:r>
+              <a:rPr lang="bg-BG" b="1" dirty="0" smtClean="0"/>
+              <a:t>Обръщайте</a:t>
+            </a:r>
+            <a:r>
+              <a:rPr lang="bg-BG" dirty="0" smtClean="0"/>
+              <a:t> </a:t>
+            </a:r>
+            <a:r>
+              <a:rPr lang="bg-BG" b="1" dirty="0" smtClean="0"/>
+              <a:t>внимание</a:t>
+            </a:r>
+            <a:r>
+              <a:rPr lang="bg-BG" dirty="0" smtClean="0"/>
+              <a:t> на </a:t>
+            </a:r>
+            <a:r>
+              <a:rPr lang="bg-BG" b="1" dirty="0" smtClean="0"/>
+              <a:t>преведения текст</a:t>
+            </a:r>
+            <a:r>
+              <a:rPr lang="bg-BG" dirty="0" smtClean="0"/>
+              <a:t>, тъй като той може да съдържа </a:t>
+            </a:r>
+            <a:r>
+              <a:rPr lang="bg-BG" b="1" dirty="0" smtClean="0"/>
+              <a:t>грешки</a:t>
+            </a:r>
+          </a:p>
+          <a:p>
+            <a:r>
+              <a:rPr lang="bg-BG" b="1" dirty="0" smtClean="0"/>
+              <a:t>Прочетете</a:t>
+            </a:r>
+            <a:r>
+              <a:rPr lang="bg-BG" dirty="0" smtClean="0"/>
+              <a:t> внимателно </a:t>
+            </a:r>
+            <a:r>
+              <a:rPr lang="bg-BG" b="1" dirty="0" smtClean="0"/>
+              <a:t>текста</a:t>
+            </a:r>
+            <a:r>
+              <a:rPr lang="bg-BG" dirty="0" smtClean="0"/>
+              <a:t>, който ще използвате, и го </a:t>
+            </a:r>
+            <a:r>
+              <a:rPr lang="bg-BG" b="1" dirty="0" smtClean="0"/>
+              <a:t>коригирайте</a:t>
+            </a:r>
+            <a:r>
+              <a:rPr lang="bg-BG" dirty="0" smtClean="0"/>
+              <a:t> при нужда</a:t>
+            </a:r>
+            <a:endParaRPr lang="en-US" dirty="0"/>
+          </a:p>
+        </p:txBody>
+      </p:sp>
+      <p:sp>
+        <p:nvSpPr>
+          <p:cNvPr id="4" name="Title 3"/>
+          <p:cNvSpPr>
+            <a:spLocks noGrp="1"/>
+          </p:cNvSpPr>
+          <p:nvPr>
+            <p:ph type="title"/>
+          </p:nvPr>
+        </p:nvSpPr>
+        <p:spPr/>
+        <p:txBody>
+          <a:bodyPr/>
+          <a:lstStyle/>
+          <a:p>
+            <a:r>
+              <a:rPr lang="bg-BG" dirty="0" smtClean="0"/>
+              <a:t>Грешки</a:t>
+            </a:r>
+            <a:endParaRPr lang="en-US" dirty="0"/>
+          </a:p>
+        </p:txBody>
+      </p:sp>
+      <p:pic>
+        <p:nvPicPr>
+          <p:cNvPr id="1028" name="Picture 4" descr="139 Translation Fails That Will Have You Rolling On The Floor Laughing |  Bored Panda"/>
+          <p:cNvPicPr>
+            <a:picLocks noChangeAspect="1" noChangeArrowheads="1"/>
+          </p:cNvPicPr>
+          <p:nvPr/>
+        </p:nvPicPr>
+        <p:blipFill rotWithShape="1">
+          <a:blip r:embed="rId2">
+            <a:extLst>
+              <a:ext uri="{28A0092B-C50C-407E-A947-70E740481C1C}">
+                <a14:useLocalDpi xmlns:a14="http://schemas.microsoft.com/office/drawing/2010/main" val="0"/>
+              </a:ext>
+            </a:extLst>
+          </a:blip>
+          <a:srcRect t="5962" b="11410"/>
+          <a:stretch/>
+        </p:blipFill>
+        <p:spPr bwMode="auto">
+          <a:xfrm>
+            <a:off x="7266000" y="3514403"/>
+            <a:ext cx="3735000" cy="3086155"/>
+          </a:xfrm>
+          <a:prstGeom prst="rect">
+            <a:avLst/>
+          </a:prstGeom>
+          <a:noFill/>
+          <a:ln>
+            <a:solidFill>
+              <a:schemeClr val="bg2">
+                <a:lumMod val="75000"/>
+              </a:schemeClr>
+            </a:solidFill>
+          </a:ln>
+          <a:extLst>
+            <a:ext uri="{909E8E84-426E-40DD-AFC4-6F175D3DCCD1}">
+              <a14:hiddenFill xmlns:a14="http://schemas.microsoft.com/office/drawing/2010/main">
+                <a:solidFill>
+                  <a:srgbClr val="FFFFFF"/>
+                </a:solidFill>
+              </a14:hiddenFill>
+            </a:ext>
+          </a:extLst>
+        </p:spPr>
+      </p:pic>
+      <p:pic>
+        <p:nvPicPr>
+          <p:cNvPr id="1030" name="Picture 6" descr="A bad translation is a disservice to everyone • Animefangirl!"/>
+          <p:cNvPicPr>
+            <a:picLocks noChangeAspect="1" noChangeArrowheads="1"/>
+          </p:cNvPicPr>
+          <p:nvPr/>
+        </p:nvPicPr>
+        <p:blipFill>
+          <a:blip r:embed="rId3">
+            <a:extLst>
+              <a:ext uri="{28A0092B-C50C-407E-A947-70E740481C1C}">
+                <a14:useLocalDpi xmlns:a14="http://schemas.microsoft.com/office/drawing/2010/main" val="0"/>
+              </a:ext>
+            </a:extLst>
+          </a:blip>
+          <a:srcRect/>
+          <a:stretch>
+            <a:fillRect/>
+          </a:stretch>
+        </p:blipFill>
+        <p:spPr bwMode="auto">
+          <a:xfrm>
+            <a:off x="1101000" y="3948624"/>
+            <a:ext cx="5270297" cy="2651934"/>
+          </a:xfrm>
+          <a:prstGeom prst="rect">
+            <a:avLst/>
+          </a:prstGeom>
+          <a:noFill/>
+          <a:ln>
+            <a:solidFill>
+              <a:schemeClr val="bg2">
+                <a:lumMod val="75000"/>
+              </a:schemeClr>
+            </a:solidFill>
+          </a:ln>
+          <a:extLst>
+            <a:ext uri="{909E8E84-426E-40DD-AFC4-6F175D3DCCD1}">
+              <a14:hiddenFill xmlns:a14="http://schemas.microsoft.com/office/drawing/2010/main">
+                <a:solidFill>
+                  <a:srgbClr val="FFFFFF"/>
+                </a:solidFill>
+              </a14:hiddenFill>
+            </a:ext>
+          </a:extLst>
+        </p:spPr>
+      </p:pic>
+    </p:spTree>
+    <p:extLst>
+      <p:ext uri="{BB962C8B-B14F-4D97-AF65-F5344CB8AC3E}">
+        <p14:creationId xmlns:p14="http://schemas.microsoft.com/office/powerpoint/2010/main" val="3246659085"/>
+      </p:ext>
+    </p:extLst>
+  </p:cSld>
+  <p:clrMapOvr>
+    <a:masterClrMapping/>
+  </p:clrMapOvr>
+  <mc:AlternateContent xmlns:mc="http://schemas.openxmlformats.org/markup-compatibility/2006" xmlns:p14="http://schemas.microsoft.com/office/powerpoint/2010/main">
+    <mc:Choice Requires="p14">
+      <p:transition spd="slow" p14:dur="2000" advClick="0" advTm="5000"/>
+    </mc:Choice>
+    <mc:Fallback xmlns="">
+      <p:transition spd="slow" advClick="0" advTm="5000"/>
+    </mc:Fallback>
+  </mc:AlternateContent>
+  <p:timing>
+    <p:tnLst>
+      <p:par>
+        <p:cTn id="1" dur="indefinite" restart="never" nodeType="tmRoot">
+          <p:childTnLst>
+            <p:seq concurrent="1" nextAc="seek">
+              <p:cTn id="2" dur="indefinite" nodeType="mainSeq">
+                <p:childTnLst>
+                  <p:par>
+                    <p:cTn id="3" fill="hold">
+                      <p:stCondLst>
+                        <p:cond delay="indefinite"/>
+                      </p:stCondLst>
+                      <p:childTnLst>
+                        <p:par>
+                          <p:cTn id="4" fill="hold">
+                            <p:stCondLst>
+                              <p:cond delay="0"/>
+                            </p:stCondLst>
+                            <p:childTnLst>
+                              <p:par>
+                                <p:cTn id="5" presetID="1" presetClass="entr" presetSubtype="0" fill="hold" nodeType="clickEffect">
+                                  <p:stCondLst>
+                                    <p:cond delay="0"/>
+                                  </p:stCondLst>
+                                  <p:childTnLst>
+                                    <p:set>
+                                      <p:cBhvr>
+                                        <p:cTn id="6" dur="1" fill="hold">
+                                          <p:stCondLst>
+                                            <p:cond delay="0"/>
+                                          </p:stCondLst>
+                                        </p:cTn>
+                                        <p:tgtEl>
+                                          <p:spTgt spid="3">
+                                            <p:txEl>
+                                              <p:pRg st="1" end="1"/>
+                                            </p:txEl>
+                                          </p:spTgt>
+                                        </p:tgtEl>
+                                        <p:attrNameLst>
+                                          <p:attrName>style.visibility</p:attrName>
+                                        </p:attrNameLst>
+                                      </p:cBhvr>
+                                      <p:to>
+                                        <p:strVal val="visible"/>
+                                      </p:to>
+                                    </p:set>
+                                  </p:childTnLst>
+                                </p:cTn>
+                              </p:par>
+                            </p:childTnLst>
+                          </p:cTn>
+                        </p:par>
+                      </p:childTnLst>
+                    </p:cTn>
+                  </p:par>
+                  <p:par>
+                    <p:cTn id="7" fill="hold">
+                      <p:stCondLst>
+                        <p:cond delay="indefinite"/>
+                      </p:stCondLst>
+                      <p:childTnLst>
+                        <p:par>
+                          <p:cTn id="8" fill="hold">
+                            <p:stCondLst>
+                              <p:cond delay="0"/>
+                            </p:stCondLst>
+                            <p:childTnLst>
+                              <p:par>
+                                <p:cTn id="9" presetID="1" presetClass="entr" presetSubtype="0" fill="hold" nodeType="clickEffect">
+                                  <p:stCondLst>
+                                    <p:cond delay="0"/>
+                                  </p:stCondLst>
+                                  <p:childTnLst>
+                                    <p:set>
+                                      <p:cBhvr>
+                                        <p:cTn id="10" dur="1" fill="hold">
+                                          <p:stCondLst>
+                                            <p:cond delay="0"/>
+                                          </p:stCondLst>
+                                        </p:cTn>
+                                        <p:tgtEl>
+                                          <p:spTgt spid="1030"/>
+                                        </p:tgtEl>
+                                        <p:attrNameLst>
+                                          <p:attrName>style.visibility</p:attrName>
+                                        </p:attrNameLst>
+                                      </p:cBhvr>
+                                      <p:to>
+                                        <p:strVal val="visible"/>
+                                      </p:to>
+                                    </p:set>
+                                  </p:childTnLst>
+                                </p:cTn>
+                              </p:par>
+                            </p:childTnLst>
+                          </p:cTn>
+                        </p:par>
+                      </p:childTnLst>
+                    </p:cTn>
+                  </p:par>
+                  <p:par>
+                    <p:cTn id="11" fill="hold">
+                      <p:stCondLst>
+                        <p:cond delay="indefinite"/>
+                      </p:stCondLst>
+                      <p:childTnLst>
+                        <p:par>
+                          <p:cTn id="12" fill="hold">
+                            <p:stCondLst>
+                              <p:cond delay="0"/>
+                            </p:stCondLst>
+                            <p:childTnLst>
+                              <p:par>
+                                <p:cTn id="13" presetID="1" presetClass="entr" presetSubtype="0" fill="hold" nodeType="clickEffect">
+                                  <p:stCondLst>
+                                    <p:cond delay="0"/>
+                                  </p:stCondLst>
+                                  <p:childTnLst>
+                                    <p:set>
+                                      <p:cBhvr>
+                                        <p:cTn id="14" dur="1" fill="hold">
+                                          <p:stCondLst>
+                                            <p:cond delay="0"/>
+                                          </p:stCondLst>
+                                        </p:cTn>
+                                        <p:tgtEl>
+                                          <p:spTgt spid="1028"/>
+                                        </p:tgtEl>
+                                        <p:attrNameLst>
+                                          <p:attrName>style.visibility</p:attrName>
+                                        </p:attrNameLst>
+                                      </p:cBhvr>
+                                      <p:to>
+                                        <p:strVal val="visible"/>
+                                      </p:to>
+                                    </p:set>
+                                  </p:childTnLst>
+                                </p:cTn>
+                              </p:par>
+                            </p:childTnLst>
+                          </p:cTn>
+                        </p:par>
+                      </p:childTnLst>
+                    </p:cTn>
+                  </p:par>
+                </p:childTnLst>
+              </p:cTn>
+              <p:prevCondLst>
+                <p:cond evt="onPrev" delay="0">
+                  <p:tgtEl>
+                    <p:sldTgt/>
+                  </p:tgtEl>
+                </p:cond>
+              </p:prevCondLst>
+              <p:nextCondLst>
+                <p:cond evt="onNext" delay="0">
+                  <p:tgtEl>
+                    <p:sldTgt/>
+                  </p:tgtEl>
+                </p:cond>
+              </p:nextCondLst>
+            </p:seq>
+          </p:childTnLst>
+        </p:cTn>
+      </p:par>
+    </p:tnLst>
+  </p:timing>
+</p:sld>
+</file>
+
+<file path=ppt/slides/slide17.xml><?xml version="1.0" encoding="utf-8"?>
+<p:sld xmlns:a="http://schemas.openxmlformats.org/drawingml/2006/main" xmlns:r="http://schemas.openxmlformats.org/officeDocument/2006/relationships" xmlns:p="http://schemas.openxmlformats.org/presentationml/2006/main">
+  <p:cSld>
+    <p:spTree>
+      <p:nvGrpSpPr>
+        <p:cNvPr id="1" name=""/>
+        <p:cNvGrpSpPr/>
+        <p:nvPr/>
+      </p:nvGrpSpPr>
+      <p:grpSpPr>
+        <a:xfrm>
+          <a:off x="0" y="0"/>
+          <a:ext cx="0" cy="0"/>
+          <a:chOff x="0" y="0"/>
+          <a:chExt cx="0" cy="0"/>
+        </a:xfrm>
+      </p:grpSpPr>
+      <p:sp>
+        <p:nvSpPr>
           <p:cNvPr id="14" name="Text Placeholder 4">
             <a:extLst>
               <a:ext uri="{FF2B5EF4-FFF2-40B4-BE49-F238E27FC236}">
@@ -7581,7 +10708,7 @@
             <a:fld id="{C014DD1E-5D91-48A3-AD6D-45FBA980D106}" type="slidenum">
               <a:rPr lang="en-US" smtClean="0"/>
               <a:pPr/>
-              <a:t>10</a:t>
+              <a:t>17</a:t>
             </a:fld>
             <a:endParaRPr lang="en-US" dirty="0"/>
           </a:p>
@@ -8033,7 +11160,7 @@
 </p:sld>
 </file>
 
-<file path=ppt/slides/slide11.xml><?xml version="1.0" encoding="utf-8"?>
+<file path=ppt/slides/slide18.xml><?xml version="1.0" encoding="utf-8"?>
 <p:sld xmlns:a="http://schemas.openxmlformats.org/drawingml/2006/main" xmlns:r="http://schemas.openxmlformats.org/officeDocument/2006/relationships" xmlns:p="http://schemas.openxmlformats.org/presentationml/2006/main">
   <p:cSld>
     <p:spTree>
@@ -8147,7 +11274,7 @@
                 <a:hlinkClick r:id="rId3">
                   <a:extLst>
                     <a:ext uri="{A12FA001-AC4F-418D-AE19-62706E023703}">
-                      <ahyp:hlinkClr xmlns="" xmlns:ahyp="http://schemas.microsoft.com/office/drawing/2018/hyperlinkcolor" val="tx"/>
+                      <ahyp:hlinkClr xmlns:ahyp="http://schemas.microsoft.com/office/drawing/2018/hyperlinkcolor" xmlns="" val="tx"/>
                     </a:ext>
                   </a:extLst>
                 </a:hlinkClick>
@@ -8230,7 +11357,7 @@
 </p:sld>
 </file>
 
-<file path=ppt/slides/slide12.xml><?xml version="1.0" encoding="utf-8"?>
+<file path=ppt/slides/slide19.xml><?xml version="1.0" encoding="utf-8"?>
 <p:sld xmlns:a="http://schemas.openxmlformats.org/drawingml/2006/main" xmlns:r="http://schemas.openxmlformats.org/officeDocument/2006/relationships" xmlns:p="http://schemas.openxmlformats.org/presentationml/2006/main" show="0">
   <p:cSld>
     <p:spTree>
@@ -8283,7 +11410,7 @@
             <a:fld id="{2BF067CD-8E6B-4360-9AA8-C5DF2A48A6D1}" type="slidenum">
               <a:rPr lang="en-US" smtClean="0"/>
               <a:pPr/>
-              <a:t>12</a:t>
+              <a:t>19</a:t>
             </a:fld>
             <a:endParaRPr lang="en-US" dirty="0"/>
           </a:p>
@@ -10301,6 +13428,191 @@
       </p:grpSpPr>
       <p:sp>
         <p:nvSpPr>
+          <p:cNvPr id="7" name="Text Placeholder 6"/>
+          <p:cNvSpPr>
+            <a:spLocks noGrp="1"/>
+          </p:cNvSpPr>
+          <p:nvPr>
+            <p:ph type="body" sz="quarter" idx="10"/>
+          </p:nvPr>
+        </p:nvSpPr>
+        <p:spPr>
+          <a:xfrm>
+            <a:off x="190402" y="1196125"/>
+            <a:ext cx="11800598" cy="5528766"/>
+          </a:xfrm>
+        </p:spPr>
+        <p:txBody>
+          <a:bodyPr/>
+          <a:lstStyle/>
+          <a:p>
+            <a:r>
+              <a:rPr lang="bg-BG" dirty="0" smtClean="0"/>
+              <a:t>За да </a:t>
+            </a:r>
+            <a:r>
+              <a:rPr lang="bg-BG" b="1" dirty="0" smtClean="0"/>
+              <a:t>копирате </a:t>
+            </a:r>
+            <a:r>
+              <a:rPr lang="bg-BG" dirty="0" smtClean="0"/>
+              <a:t>текстов материал от </a:t>
+            </a:r>
+            <a:r>
+              <a:rPr lang="bg-BG" b="1" dirty="0" smtClean="0"/>
+              <a:t>интернет</a:t>
+            </a:r>
+            <a:r>
+              <a:rPr lang="bg-BG" dirty="0" smtClean="0"/>
+              <a:t>, трябва да:</a:t>
+            </a:r>
+          </a:p>
+          <a:p>
+            <a:pPr lvl="1"/>
+            <a:r>
+              <a:rPr lang="bg-BG" b="1" dirty="0" smtClean="0"/>
+              <a:t>Маркирате </a:t>
+            </a:r>
+            <a:r>
+              <a:rPr lang="bg-BG" b="1" dirty="0"/>
+              <a:t>текста </a:t>
+            </a:r>
+            <a:r>
+              <a:rPr lang="bg-BG" dirty="0" smtClean="0"/>
+              <a:t>от уеб страница</a:t>
+            </a:r>
+          </a:p>
+          <a:p>
+            <a:pPr lvl="1"/>
+            <a:r>
+              <a:rPr lang="en-US" dirty="0" smtClean="0"/>
+              <a:t>K</a:t>
+            </a:r>
+            <a:r>
+              <a:rPr lang="bg-BG" dirty="0" smtClean="0"/>
+              <a:t>опирате с </a:t>
+            </a:r>
+            <a:r>
+              <a:rPr lang="bg-BG" b="1" dirty="0" smtClean="0"/>
+              <a:t>комбинацията</a:t>
+            </a:r>
+            <a:r>
+              <a:rPr lang="bg-BG" dirty="0" smtClean="0"/>
+              <a:t> </a:t>
+            </a:r>
+            <a:r>
+              <a:rPr lang="en-US" dirty="0" smtClean="0"/>
+              <a:t>[</a:t>
+            </a:r>
+            <a:r>
+              <a:rPr lang="en-US" b="1" dirty="0" smtClean="0">
+                <a:solidFill>
+                  <a:schemeClr val="bg1"/>
+                </a:solidFill>
+              </a:rPr>
+              <a:t>Ctrl</a:t>
+            </a:r>
+            <a:r>
+              <a:rPr lang="en-US" dirty="0" smtClean="0"/>
+              <a:t> + </a:t>
+            </a:r>
+            <a:r>
+              <a:rPr lang="en-US" b="1" dirty="0" smtClean="0">
+                <a:solidFill>
+                  <a:schemeClr val="bg1"/>
+                </a:solidFill>
+              </a:rPr>
+              <a:t>C</a:t>
+            </a:r>
+            <a:r>
+              <a:rPr lang="en-US" dirty="0" smtClean="0"/>
+              <a:t>]</a:t>
+            </a:r>
+            <a:r>
+              <a:rPr lang="bg-BG" dirty="0" smtClean="0"/>
+              <a:t> </a:t>
+            </a:r>
+            <a:r>
+              <a:rPr lang="bg-BG" dirty="0"/>
+              <a:t>или</a:t>
+            </a:r>
+            <a:r>
+              <a:rPr lang="en-US" dirty="0" smtClean="0"/>
+              <a:t> </a:t>
+            </a:r>
+            <a:r>
+              <a:rPr lang="bg-BG" b="1" dirty="0" smtClean="0"/>
+              <a:t>командата </a:t>
+            </a:r>
+            <a:r>
+              <a:rPr lang="en-US" b="1" dirty="0">
+                <a:solidFill>
+                  <a:schemeClr val="bg1"/>
+                </a:solidFill>
+              </a:rPr>
+              <a:t>Copy</a:t>
+            </a:r>
+            <a:r>
+              <a:rPr lang="en-US" b="1" dirty="0"/>
+              <a:t> </a:t>
+            </a:r>
+            <a:r>
+              <a:rPr lang="bg-BG" dirty="0"/>
+              <a:t>от </a:t>
+            </a:r>
+            <a:r>
+              <a:rPr lang="bg-BG" b="1" dirty="0"/>
+              <a:t>контекстното меню </a:t>
+            </a:r>
+            <a:endParaRPr lang="en-US" b="1" dirty="0" smtClean="0"/>
+          </a:p>
+          <a:p>
+            <a:r>
+              <a:rPr lang="bg-BG" dirty="0" smtClean="0"/>
+              <a:t>Така може да </a:t>
+            </a:r>
+            <a:r>
+              <a:rPr lang="bg-BG" b="1" dirty="0" smtClean="0"/>
+              <a:t>вмъкнете</a:t>
+            </a:r>
+            <a:r>
+              <a:rPr lang="bg-BG" dirty="0" smtClean="0"/>
+              <a:t> копирания </a:t>
+            </a:r>
+            <a:r>
+              <a:rPr lang="bg-BG" b="1" dirty="0" smtClean="0"/>
+              <a:t>текст</a:t>
+            </a:r>
+            <a:r>
+              <a:rPr lang="bg-BG" dirty="0" smtClean="0"/>
+              <a:t> в </a:t>
+            </a:r>
+            <a:r>
+              <a:rPr lang="bg-BG" b="1" dirty="0" smtClean="0"/>
+              <a:t>текстови документ</a:t>
+            </a:r>
+            <a:r>
+              <a:rPr lang="bg-BG" dirty="0" smtClean="0"/>
+              <a:t> и да го </a:t>
+            </a:r>
+            <a:r>
+              <a:rPr lang="bg-BG" b="1" dirty="0" smtClean="0"/>
+              <a:t>редактирате</a:t>
+            </a:r>
+            <a:r>
+              <a:rPr lang="bg-BG" dirty="0" smtClean="0"/>
+              <a:t> или </a:t>
+            </a:r>
+            <a:r>
+              <a:rPr lang="bg-BG" b="1" dirty="0" smtClean="0"/>
+              <a:t>форматирате</a:t>
+            </a:r>
+            <a:endParaRPr lang="en-US" b="1" dirty="0" smtClean="0"/>
+          </a:p>
+        </p:txBody>
+      </p:sp>
+      <p:sp>
+        <p:nvSpPr>
           <p:cNvPr id="30" name="Rectangle 29"/>
           <p:cNvSpPr/>
           <p:nvPr/>
@@ -10552,191 +13864,6 @@
               <a:t>…</a:t>
             </a:r>
             <a:endParaRPr lang="ru-RU" sz="2800" i="1" dirty="0"/>
-          </a:p>
-        </p:txBody>
-      </p:sp>
-      <p:sp>
-        <p:nvSpPr>
-          <p:cNvPr id="7" name="Text Placeholder 6"/>
-          <p:cNvSpPr>
-            <a:spLocks noGrp="1"/>
-          </p:cNvSpPr>
-          <p:nvPr>
-            <p:ph type="body" sz="quarter" idx="10"/>
-          </p:nvPr>
-        </p:nvSpPr>
-        <p:spPr>
-          <a:xfrm>
-            <a:off x="190402" y="1196125"/>
-            <a:ext cx="11800598" cy="5528766"/>
-          </a:xfrm>
-        </p:spPr>
-        <p:txBody>
-          <a:bodyPr/>
-          <a:lstStyle/>
-          <a:p>
-            <a:r>
-              <a:rPr lang="bg-BG" dirty="0" smtClean="0"/>
-              <a:t>За да </a:t>
-            </a:r>
-            <a:r>
-              <a:rPr lang="bg-BG" b="1" dirty="0" smtClean="0"/>
-              <a:t>копирате </a:t>
-            </a:r>
-            <a:r>
-              <a:rPr lang="bg-BG" dirty="0" smtClean="0"/>
-              <a:t>текстов материал от </a:t>
-            </a:r>
-            <a:r>
-              <a:rPr lang="bg-BG" b="1" dirty="0" smtClean="0"/>
-              <a:t>интернет</a:t>
-            </a:r>
-            <a:r>
-              <a:rPr lang="bg-BG" dirty="0" smtClean="0"/>
-              <a:t>, трябва да:</a:t>
-            </a:r>
-          </a:p>
-          <a:p>
-            <a:pPr lvl="1"/>
-            <a:r>
-              <a:rPr lang="bg-BG" b="1" dirty="0" smtClean="0"/>
-              <a:t>Маркирате </a:t>
-            </a:r>
-            <a:r>
-              <a:rPr lang="bg-BG" b="1" dirty="0"/>
-              <a:t>текста </a:t>
-            </a:r>
-            <a:r>
-              <a:rPr lang="bg-BG" dirty="0" smtClean="0"/>
-              <a:t>от уеб страница</a:t>
-            </a:r>
-          </a:p>
-          <a:p>
-            <a:pPr lvl="1"/>
-            <a:r>
-              <a:rPr lang="en-US" dirty="0" smtClean="0"/>
-              <a:t>K</a:t>
-            </a:r>
-            <a:r>
-              <a:rPr lang="bg-BG" dirty="0" smtClean="0"/>
-              <a:t>опирате с </a:t>
-            </a:r>
-            <a:r>
-              <a:rPr lang="bg-BG" b="1" dirty="0" smtClean="0"/>
-              <a:t>комбинацията</a:t>
-            </a:r>
-            <a:r>
-              <a:rPr lang="bg-BG" dirty="0" smtClean="0"/>
-              <a:t> </a:t>
-            </a:r>
-            <a:r>
-              <a:rPr lang="en-US" dirty="0" smtClean="0"/>
-              <a:t>[</a:t>
-            </a:r>
-            <a:r>
-              <a:rPr lang="en-US" b="1" dirty="0" smtClean="0">
-                <a:solidFill>
-                  <a:schemeClr val="bg1"/>
-                </a:solidFill>
-              </a:rPr>
-              <a:t>Ctrl</a:t>
-            </a:r>
-            <a:r>
-              <a:rPr lang="en-US" dirty="0" smtClean="0"/>
-              <a:t> + </a:t>
-            </a:r>
-            <a:r>
-              <a:rPr lang="en-US" b="1" dirty="0" smtClean="0">
-                <a:solidFill>
-                  <a:schemeClr val="bg1"/>
-                </a:solidFill>
-              </a:rPr>
-              <a:t>C</a:t>
-            </a:r>
-            <a:r>
-              <a:rPr lang="en-US" dirty="0" smtClean="0"/>
-              <a:t>]</a:t>
-            </a:r>
-            <a:r>
-              <a:rPr lang="bg-BG" dirty="0" smtClean="0"/>
-              <a:t> </a:t>
-            </a:r>
-            <a:r>
-              <a:rPr lang="bg-BG" dirty="0"/>
-              <a:t>или</a:t>
-            </a:r>
-            <a:r>
-              <a:rPr lang="en-US" dirty="0" smtClean="0"/>
-              <a:t> </a:t>
-            </a:r>
-            <a:r>
-              <a:rPr lang="bg-BG" b="1" dirty="0" smtClean="0"/>
-              <a:t>командата </a:t>
-            </a:r>
-            <a:r>
-              <a:rPr lang="en-US" b="1" dirty="0">
-                <a:solidFill>
-                  <a:schemeClr val="bg1"/>
-                </a:solidFill>
-              </a:rPr>
-              <a:t>Copy</a:t>
-            </a:r>
-            <a:r>
-              <a:rPr lang="en-US" b="1" dirty="0"/>
-              <a:t> </a:t>
-            </a:r>
-            <a:r>
-              <a:rPr lang="bg-BG" dirty="0"/>
-              <a:t>от </a:t>
-            </a:r>
-            <a:r>
-              <a:rPr lang="bg-BG" b="1" dirty="0"/>
-              <a:t>контекстното меню </a:t>
-            </a:r>
-            <a:endParaRPr lang="en-US" b="1" dirty="0" smtClean="0"/>
-          </a:p>
-          <a:p>
-            <a:r>
-              <a:rPr lang="bg-BG" dirty="0" smtClean="0"/>
-              <a:t>Така може да </a:t>
-            </a:r>
-            <a:r>
-              <a:rPr lang="bg-BG" b="1" dirty="0" smtClean="0"/>
-              <a:t>вмъкнете</a:t>
-            </a:r>
-            <a:r>
-              <a:rPr lang="bg-BG" dirty="0" smtClean="0"/>
-              <a:t> копирания </a:t>
-            </a:r>
-            <a:r>
-              <a:rPr lang="bg-BG" b="1" dirty="0" smtClean="0"/>
-              <a:t>текст</a:t>
-            </a:r>
-            <a:r>
-              <a:rPr lang="bg-BG" dirty="0" smtClean="0"/>
-              <a:t> в </a:t>
-            </a:r>
-            <a:r>
-              <a:rPr lang="bg-BG" b="1" dirty="0" smtClean="0"/>
-              <a:t>текстови документ</a:t>
-            </a:r>
-            <a:r>
-              <a:rPr lang="bg-BG" dirty="0" smtClean="0"/>
-              <a:t> и да го </a:t>
-            </a:r>
-            <a:r>
-              <a:rPr lang="bg-BG" b="1" dirty="0" smtClean="0"/>
-              <a:t>редактирате</a:t>
-            </a:r>
-            <a:r>
-              <a:rPr lang="bg-BG" dirty="0" smtClean="0"/>
-              <a:t> или </a:t>
-            </a:r>
-            <a:r>
-              <a:rPr lang="bg-BG" b="1" dirty="0" smtClean="0"/>
-              <a:t>форматирате</a:t>
-            </a:r>
-            <a:endParaRPr lang="en-US" b="1" dirty="0" smtClean="0"/>
           </a:p>
         </p:txBody>
       </p:sp>
@@ -11521,8 +14648,12 @@
           </a:p>
           <a:p>
             <a:r>
+              <a:rPr lang="bg-BG" dirty="0" smtClean="0"/>
+              <a:t>Може </a:t>
+            </a:r>
+            <a:r>
               <a:rPr lang="bg-BG" dirty="0"/>
-              <a:t>Така може да </a:t>
+              <a:t>да </a:t>
             </a:r>
             <a:r>
               <a:rPr lang="bg-BG" b="1" dirty="0"/>
